--- a/Network Causal Inference.pptx
+++ b/Network Causal Inference.pptx
@@ -5,28 +5,29 @@
     <p:sldMasterId id="2147483660" r:id="rId1"/>
   </p:sldMasterIdLst>
   <p:notesMasterIdLst>
-    <p:notesMasterId r:id="rId21"/>
+    <p:notesMasterId r:id="rId22"/>
   </p:notesMasterIdLst>
   <p:sldIdLst>
     <p:sldId id="256" r:id="rId2"/>
-    <p:sldId id="668" r:id="rId3"/>
-    <p:sldId id="469" r:id="rId4"/>
-    <p:sldId id="470" r:id="rId5"/>
-    <p:sldId id="676" r:id="rId6"/>
-    <p:sldId id="677" r:id="rId7"/>
-    <p:sldId id="698" r:id="rId8"/>
-    <p:sldId id="690" r:id="rId9"/>
-    <p:sldId id="682" r:id="rId10"/>
-    <p:sldId id="683" r:id="rId11"/>
-    <p:sldId id="684" r:id="rId12"/>
-    <p:sldId id="685" r:id="rId13"/>
-    <p:sldId id="686" r:id="rId14"/>
-    <p:sldId id="700" r:id="rId15"/>
-    <p:sldId id="702" r:id="rId16"/>
-    <p:sldId id="701" r:id="rId17"/>
-    <p:sldId id="687" r:id="rId18"/>
-    <p:sldId id="699" r:id="rId19"/>
-    <p:sldId id="697" r:id="rId20"/>
+    <p:sldId id="703" r:id="rId3"/>
+    <p:sldId id="668" r:id="rId4"/>
+    <p:sldId id="469" r:id="rId5"/>
+    <p:sldId id="470" r:id="rId6"/>
+    <p:sldId id="676" r:id="rId7"/>
+    <p:sldId id="677" r:id="rId8"/>
+    <p:sldId id="698" r:id="rId9"/>
+    <p:sldId id="690" r:id="rId10"/>
+    <p:sldId id="682" r:id="rId11"/>
+    <p:sldId id="683" r:id="rId12"/>
+    <p:sldId id="684" r:id="rId13"/>
+    <p:sldId id="685" r:id="rId14"/>
+    <p:sldId id="686" r:id="rId15"/>
+    <p:sldId id="700" r:id="rId16"/>
+    <p:sldId id="702" r:id="rId17"/>
+    <p:sldId id="701" r:id="rId18"/>
+    <p:sldId id="687" r:id="rId19"/>
+    <p:sldId id="699" r:id="rId20"/>
+    <p:sldId id="697" r:id="rId21"/>
   </p:sldIdLst>
   <p:sldSz cx="12192000" cy="6858000"/>
   <p:notesSz cx="6858000" cy="9144000"/>
@@ -645,7 +646,7 @@
           <a:p>
             <a:fld id="{9F440F99-C813-7A46-95E3-58DEAD1F1F30}" type="slidenum">
               <a:rPr lang="en-US" smtClean="0"/>
-              <a:t>10</a:t>
+              <a:t>11</a:t>
             </a:fld>
             <a:endParaRPr lang="en-US"/>
           </a:p>
@@ -732,7 +733,7 @@
           <a:p>
             <a:fld id="{9F440F99-C813-7A46-95E3-58DEAD1F1F30}" type="slidenum">
               <a:rPr lang="en-US" smtClean="0"/>
-              <a:t>11</a:t>
+              <a:t>12</a:t>
             </a:fld>
             <a:endParaRPr lang="en-US"/>
           </a:p>
@@ -819,7 +820,7 @@
           <a:p>
             <a:fld id="{9F440F99-C813-7A46-95E3-58DEAD1F1F30}" type="slidenum">
               <a:rPr lang="en-US" smtClean="0"/>
-              <a:t>12</a:t>
+              <a:t>13</a:t>
             </a:fld>
             <a:endParaRPr lang="en-US"/>
           </a:p>
@@ -906,7 +907,7 @@
           <a:p>
             <a:fld id="{9F440F99-C813-7A46-95E3-58DEAD1F1F30}" type="slidenum">
               <a:rPr lang="en-US" smtClean="0"/>
-              <a:t>13</a:t>
+              <a:t>14</a:t>
             </a:fld>
             <a:endParaRPr lang="en-US"/>
           </a:p>
@@ -1002,7 +1003,7 @@
           <a:p>
             <a:fld id="{AD2D3025-5639-2D40-9FA5-204CFF788E79}" type="slidenum">
               <a:rPr lang="en-US" smtClean="0"/>
-              <a:t>14</a:t>
+              <a:t>15</a:t>
             </a:fld>
             <a:endParaRPr lang="en-US"/>
           </a:p>
@@ -1122,7 +1123,7 @@
           <a:p>
             <a:fld id="{AD2D3025-5639-2D40-9FA5-204CFF788E79}" type="slidenum">
               <a:rPr lang="en-US" smtClean="0"/>
-              <a:t>15</a:t>
+              <a:t>16</a:t>
             </a:fld>
             <a:endParaRPr lang="en-US"/>
           </a:p>
@@ -1209,7 +1210,7 @@
           <a:p>
             <a:fld id="{9F440F99-C813-7A46-95E3-58DEAD1F1F30}" type="slidenum">
               <a:rPr lang="en-US" smtClean="0"/>
-              <a:t>16</a:t>
+              <a:t>17</a:t>
             </a:fld>
             <a:endParaRPr lang="en-US"/>
           </a:p>
@@ -1296,7 +1297,7 @@
           <a:p>
             <a:fld id="{9F440F99-C813-7A46-95E3-58DEAD1F1F30}" type="slidenum">
               <a:rPr lang="en-US" smtClean="0"/>
-              <a:t>17</a:t>
+              <a:t>18</a:t>
             </a:fld>
             <a:endParaRPr lang="en-US"/>
           </a:p>
@@ -1383,7 +1384,7 @@
           <a:p>
             <a:fld id="{9F440F99-C813-7A46-95E3-58DEAD1F1F30}" type="slidenum">
               <a:rPr lang="en-US" smtClean="0"/>
-              <a:t>18</a:t>
+              <a:t>19</a:t>
             </a:fld>
             <a:endParaRPr lang="en-US"/>
           </a:p>
@@ -1512,7 +1513,7 @@
           <a:p>
             <a:fld id="{AD2D3025-5639-2D40-9FA5-204CFF788E79}" type="slidenum">
               <a:rPr lang="en-US" smtClean="0"/>
-              <a:t>19</a:t>
+              <a:t>20</a:t>
             </a:fld>
             <a:endParaRPr lang="en-US"/>
           </a:p>
@@ -1599,7 +1600,7 @@
           <a:p>
             <a:fld id="{AD2D3025-5639-2D40-9FA5-204CFF788E79}" type="slidenum">
               <a:rPr lang="en-US" smtClean="0"/>
-              <a:t>2</a:t>
+              <a:t>3</a:t>
             </a:fld>
             <a:endParaRPr lang="en-US"/>
           </a:p>
@@ -1686,7 +1687,7 @@
           <a:p>
             <a:fld id="{9F440F99-C813-7A46-95E3-58DEAD1F1F30}" type="slidenum">
               <a:rPr lang="en-US" smtClean="0"/>
-              <a:t>3</a:t>
+              <a:t>4</a:t>
             </a:fld>
             <a:endParaRPr lang="en-US"/>
           </a:p>
@@ -1773,7 +1774,7 @@
           <a:p>
             <a:fld id="{9F440F99-C813-7A46-95E3-58DEAD1F1F30}" type="slidenum">
               <a:rPr lang="en-US" smtClean="0"/>
-              <a:t>4</a:t>
+              <a:t>5</a:t>
             </a:fld>
             <a:endParaRPr lang="en-US"/>
           </a:p>
@@ -1928,7 +1929,7 @@
           <a:p>
             <a:fld id="{AD2D3025-5639-2D40-9FA5-204CFF788E79}" type="slidenum">
               <a:rPr lang="en-US" smtClean="0"/>
-              <a:t>5</a:t>
+              <a:t>6</a:t>
             </a:fld>
             <a:endParaRPr lang="en-US"/>
           </a:p>
@@ -2015,7 +2016,7 @@
           <a:p>
             <a:fld id="{AD2D3025-5639-2D40-9FA5-204CFF788E79}" type="slidenum">
               <a:rPr lang="en-US" smtClean="0"/>
-              <a:t>6</a:t>
+              <a:t>7</a:t>
             </a:fld>
             <a:endParaRPr lang="en-US"/>
           </a:p>
@@ -2102,7 +2103,7 @@
           <a:p>
             <a:fld id="{AD2D3025-5639-2D40-9FA5-204CFF788E79}" type="slidenum">
               <a:rPr lang="en-US" smtClean="0"/>
-              <a:t>7</a:t>
+              <a:t>8</a:t>
             </a:fld>
             <a:endParaRPr lang="en-US"/>
           </a:p>
@@ -2189,7 +2190,7 @@
           <a:p>
             <a:fld id="{AD2D3025-5639-2D40-9FA5-204CFF788E79}" type="slidenum">
               <a:rPr lang="en-US" smtClean="0"/>
-              <a:t>8</a:t>
+              <a:t>9</a:t>
             </a:fld>
             <a:endParaRPr lang="en-US"/>
           </a:p>
@@ -2276,7 +2277,7 @@
           <a:p>
             <a:fld id="{9F440F99-C813-7A46-95E3-58DEAD1F1F30}" type="slidenum">
               <a:rPr lang="en-US" smtClean="0"/>
-              <a:t>9</a:t>
+              <a:t>10</a:t>
             </a:fld>
             <a:endParaRPr lang="en-US"/>
           </a:p>
@@ -5175,12 +5176,1024 @@
           <a:chExt cx="0" cy="0"/>
         </a:xfrm>
       </p:grpSpPr>
+      <p:pic>
+        <p:nvPicPr>
+          <p:cNvPr id="3" name="Graphic 2" descr="Man">
+            <a:extLst>
+              <a:ext uri="{FF2B5EF4-FFF2-40B4-BE49-F238E27FC236}">
+                <a16:creationId xmlns:a16="http://schemas.microsoft.com/office/drawing/2014/main" id="{1EEA54CB-1E17-4940-963B-06B312D2DB2B}"/>
+              </a:ext>
+            </a:extLst>
+          </p:cNvPr>
+          <p:cNvPicPr>
+            <a:picLocks noChangeAspect="1"/>
+          </p:cNvPicPr>
+          <p:nvPr/>
+        </p:nvPicPr>
+        <p:blipFill>
+          <a:blip r:embed="rId3">
+            <a:extLst>
+              <a:ext uri="{96DAC541-7B7A-43D3-8B79-37D633B846F1}">
+                <asvg:svgBlip xmlns:asvg="http://schemas.microsoft.com/office/drawing/2016/SVG/main" r:embed="rId4"/>
+              </a:ext>
+            </a:extLst>
+          </a:blip>
+          <a:stretch>
+            <a:fillRect/>
+          </a:stretch>
+        </p:blipFill>
+        <p:spPr>
+          <a:xfrm>
+            <a:off x="10347596" y="599403"/>
+            <a:ext cx="540000" cy="540000"/>
+          </a:xfrm>
+          <a:prstGeom prst="rect">
+            <a:avLst/>
+          </a:prstGeom>
+        </p:spPr>
+      </p:pic>
+      <p:pic>
+        <p:nvPicPr>
+          <p:cNvPr id="4" name="Graphic 3" descr="Woman with cane">
+            <a:extLst>
+              <a:ext uri="{FF2B5EF4-FFF2-40B4-BE49-F238E27FC236}">
+                <a16:creationId xmlns:a16="http://schemas.microsoft.com/office/drawing/2014/main" id="{C9E6275B-8E9B-6244-901E-DEBD30908EAE}"/>
+              </a:ext>
+            </a:extLst>
+          </p:cNvPr>
+          <p:cNvPicPr>
+            <a:picLocks noChangeAspect="1"/>
+          </p:cNvPicPr>
+          <p:nvPr/>
+        </p:nvPicPr>
+        <p:blipFill>
+          <a:blip r:embed="rId5">
+            <a:extLst>
+              <a:ext uri="{96DAC541-7B7A-43D3-8B79-37D633B846F1}">
+                <asvg:svgBlip xmlns:asvg="http://schemas.microsoft.com/office/drawing/2016/SVG/main" r:embed="rId6"/>
+              </a:ext>
+            </a:extLst>
+          </a:blip>
+          <a:stretch>
+            <a:fillRect/>
+          </a:stretch>
+        </p:blipFill>
+        <p:spPr>
+          <a:xfrm>
+            <a:off x="11220705" y="2559761"/>
+            <a:ext cx="540000" cy="540000"/>
+          </a:xfrm>
+          <a:prstGeom prst="rect">
+            <a:avLst/>
+          </a:prstGeom>
+        </p:spPr>
+      </p:pic>
+      <p:pic>
+        <p:nvPicPr>
+          <p:cNvPr id="5" name="Graphic 4" descr="Pregnant lady">
+            <a:extLst>
+              <a:ext uri="{FF2B5EF4-FFF2-40B4-BE49-F238E27FC236}">
+                <a16:creationId xmlns:a16="http://schemas.microsoft.com/office/drawing/2014/main" id="{634B39B1-E040-DD4B-BDD7-2B6C99C9FA74}"/>
+              </a:ext>
+            </a:extLst>
+          </p:cNvPr>
+          <p:cNvPicPr>
+            <a:picLocks noChangeAspect="1"/>
+          </p:cNvPicPr>
+          <p:nvPr/>
+        </p:nvPicPr>
+        <p:blipFill>
+          <a:blip r:embed="rId7">
+            <a:extLst>
+              <a:ext uri="{96DAC541-7B7A-43D3-8B79-37D633B846F1}">
+                <asvg:svgBlip xmlns:asvg="http://schemas.microsoft.com/office/drawing/2016/SVG/main" r:embed="rId8"/>
+              </a:ext>
+            </a:extLst>
+          </a:blip>
+          <a:stretch>
+            <a:fillRect/>
+          </a:stretch>
+        </p:blipFill>
+        <p:spPr>
+          <a:xfrm>
+            <a:off x="10725381" y="5311351"/>
+            <a:ext cx="540000" cy="540000"/>
+          </a:xfrm>
+          <a:prstGeom prst="rect">
+            <a:avLst/>
+          </a:prstGeom>
+        </p:spPr>
+      </p:pic>
+      <p:pic>
+        <p:nvPicPr>
+          <p:cNvPr id="11" name="Graphic 10" descr="Little Girl With Balloon with solid fill">
+            <a:extLst>
+              <a:ext uri="{FF2B5EF4-FFF2-40B4-BE49-F238E27FC236}">
+                <a16:creationId xmlns:a16="http://schemas.microsoft.com/office/drawing/2014/main" id="{42B6B5C7-1A33-754A-BA4B-28F80D3820A3}"/>
+              </a:ext>
+            </a:extLst>
+          </p:cNvPr>
+          <p:cNvPicPr>
+            <a:picLocks noChangeAspect="1"/>
+          </p:cNvPicPr>
+          <p:nvPr/>
+        </p:nvPicPr>
+        <p:blipFill>
+          <a:blip r:embed="rId9">
+            <a:extLst>
+              <a:ext uri="{96DAC541-7B7A-43D3-8B79-37D633B846F1}">
+                <asvg:svgBlip xmlns:asvg="http://schemas.microsoft.com/office/drawing/2016/SVG/main" r:embed="rId10"/>
+              </a:ext>
+            </a:extLst>
+          </a:blip>
+          <a:stretch>
+            <a:fillRect/>
+          </a:stretch>
+        </p:blipFill>
+        <p:spPr>
+          <a:xfrm>
+            <a:off x="3169063" y="3159000"/>
+            <a:ext cx="540000" cy="540000"/>
+          </a:xfrm>
+          <a:prstGeom prst="rect">
+            <a:avLst/>
+          </a:prstGeom>
+        </p:spPr>
+      </p:pic>
+      <p:pic>
+        <p:nvPicPr>
+          <p:cNvPr id="13" name="Graphic 12" descr="Man With Pram with solid fill">
+            <a:extLst>
+              <a:ext uri="{FF2B5EF4-FFF2-40B4-BE49-F238E27FC236}">
+                <a16:creationId xmlns:a16="http://schemas.microsoft.com/office/drawing/2014/main" id="{B81DA50C-39DD-084D-B1F3-4C4A6461299E}"/>
+              </a:ext>
+            </a:extLst>
+          </p:cNvPr>
+          <p:cNvPicPr>
+            <a:picLocks noChangeAspect="1"/>
+          </p:cNvPicPr>
+          <p:nvPr/>
+        </p:nvPicPr>
+        <p:blipFill>
+          <a:blip r:embed="rId11">
+            <a:extLst>
+              <a:ext uri="{96DAC541-7B7A-43D3-8B79-37D633B846F1}">
+                <asvg:svgBlip xmlns:asvg="http://schemas.microsoft.com/office/drawing/2016/SVG/main" r:embed="rId12"/>
+              </a:ext>
+            </a:extLst>
+          </a:blip>
+          <a:stretch>
+            <a:fillRect/>
+          </a:stretch>
+        </p:blipFill>
+        <p:spPr>
+          <a:xfrm>
+            <a:off x="5128802" y="737337"/>
+            <a:ext cx="540000" cy="540000"/>
+          </a:xfrm>
+          <a:prstGeom prst="rect">
+            <a:avLst/>
+          </a:prstGeom>
+        </p:spPr>
+      </p:pic>
+      <p:pic>
+        <p:nvPicPr>
+          <p:cNvPr id="17" name="Graphic 16" descr="Baby with solid fill">
+            <a:extLst>
+              <a:ext uri="{FF2B5EF4-FFF2-40B4-BE49-F238E27FC236}">
+                <a16:creationId xmlns:a16="http://schemas.microsoft.com/office/drawing/2014/main" id="{1F352680-248F-174F-8FD2-401E10EF049D}"/>
+              </a:ext>
+            </a:extLst>
+          </p:cNvPr>
+          <p:cNvPicPr>
+            <a:picLocks noChangeAspect="1"/>
+          </p:cNvPicPr>
+          <p:nvPr/>
+        </p:nvPicPr>
+        <p:blipFill>
+          <a:blip r:embed="rId13">
+            <a:extLst>
+              <a:ext uri="{96DAC541-7B7A-43D3-8B79-37D633B846F1}">
+                <asvg:svgBlip xmlns:asvg="http://schemas.microsoft.com/office/drawing/2016/SVG/main" r:embed="rId14"/>
+              </a:ext>
+            </a:extLst>
+          </a:blip>
+          <a:stretch>
+            <a:fillRect/>
+          </a:stretch>
+        </p:blipFill>
+        <p:spPr>
+          <a:xfrm>
+            <a:off x="9700664" y="3429000"/>
+            <a:ext cx="540000" cy="540000"/>
+          </a:xfrm>
+          <a:prstGeom prst="rect">
+            <a:avLst/>
+          </a:prstGeom>
+        </p:spPr>
+      </p:pic>
+      <p:pic>
+        <p:nvPicPr>
+          <p:cNvPr id="19" name="Graphic 18" descr="Woman with solid fill">
+            <a:extLst>
+              <a:ext uri="{FF2B5EF4-FFF2-40B4-BE49-F238E27FC236}">
+                <a16:creationId xmlns:a16="http://schemas.microsoft.com/office/drawing/2014/main" id="{7C635935-28B4-B046-97C6-A5C274A2B657}"/>
+              </a:ext>
+            </a:extLst>
+          </p:cNvPr>
+          <p:cNvPicPr>
+            <a:picLocks noChangeAspect="1"/>
+          </p:cNvPicPr>
+          <p:nvPr/>
+        </p:nvPicPr>
+        <p:blipFill>
+          <a:blip r:embed="rId15">
+            <a:extLst>
+              <a:ext uri="{96DAC541-7B7A-43D3-8B79-37D633B846F1}">
+                <asvg:svgBlip xmlns:asvg="http://schemas.microsoft.com/office/drawing/2016/SVG/main" r:embed="rId16"/>
+              </a:ext>
+            </a:extLst>
+          </a:blip>
+          <a:stretch>
+            <a:fillRect/>
+          </a:stretch>
+        </p:blipFill>
+        <p:spPr>
+          <a:xfrm>
+            <a:off x="7603199" y="1026816"/>
+            <a:ext cx="540000" cy="540000"/>
+          </a:xfrm>
+          <a:prstGeom prst="rect">
+            <a:avLst/>
+          </a:prstGeom>
+        </p:spPr>
+      </p:pic>
+      <p:pic>
+        <p:nvPicPr>
+          <p:cNvPr id="23" name="Graphic 22" descr="Crawl with solid fill">
+            <a:extLst>
+              <a:ext uri="{FF2B5EF4-FFF2-40B4-BE49-F238E27FC236}">
+                <a16:creationId xmlns:a16="http://schemas.microsoft.com/office/drawing/2014/main" id="{06F80F0E-1F13-1142-99F8-E55659B3E845}"/>
+              </a:ext>
+            </a:extLst>
+          </p:cNvPr>
+          <p:cNvPicPr>
+            <a:picLocks noChangeAspect="1"/>
+          </p:cNvPicPr>
+          <p:nvPr/>
+        </p:nvPicPr>
+        <p:blipFill>
+          <a:blip r:embed="rId17">
+            <a:extLst>
+              <a:ext uri="{96DAC541-7B7A-43D3-8B79-37D633B846F1}">
+                <asvg:svgBlip xmlns:asvg="http://schemas.microsoft.com/office/drawing/2016/SVG/main" r:embed="rId18"/>
+              </a:ext>
+            </a:extLst>
+          </a:blip>
+          <a:stretch>
+            <a:fillRect/>
+          </a:stretch>
+        </p:blipFill>
+        <p:spPr>
+          <a:xfrm>
+            <a:off x="9483437" y="5433477"/>
+            <a:ext cx="540000" cy="540000"/>
+          </a:xfrm>
+          <a:prstGeom prst="rect">
+            <a:avLst/>
+          </a:prstGeom>
+        </p:spPr>
+      </p:pic>
+      <p:pic>
+        <p:nvPicPr>
+          <p:cNvPr id="25" name="Graphic 24" descr="Woman with baby with solid fill">
+            <a:extLst>
+              <a:ext uri="{FF2B5EF4-FFF2-40B4-BE49-F238E27FC236}">
+                <a16:creationId xmlns:a16="http://schemas.microsoft.com/office/drawing/2014/main" id="{5A649084-83CE-FD43-B8F7-395784D807F1}"/>
+              </a:ext>
+            </a:extLst>
+          </p:cNvPr>
+          <p:cNvPicPr>
+            <a:picLocks noChangeAspect="1"/>
+          </p:cNvPicPr>
+          <p:nvPr/>
+        </p:nvPicPr>
+        <p:blipFill>
+          <a:blip r:embed="rId19">
+            <a:extLst>
+              <a:ext uri="{96DAC541-7B7A-43D3-8B79-37D633B846F1}">
+                <asvg:svgBlip xmlns:asvg="http://schemas.microsoft.com/office/drawing/2016/SVG/main" r:embed="rId20"/>
+              </a:ext>
+            </a:extLst>
+          </a:blip>
+          <a:stretch>
+            <a:fillRect/>
+          </a:stretch>
+        </p:blipFill>
+        <p:spPr>
+          <a:xfrm>
+            <a:off x="1691453" y="2023577"/>
+            <a:ext cx="540000" cy="540000"/>
+          </a:xfrm>
+          <a:prstGeom prst="rect">
+            <a:avLst/>
+          </a:prstGeom>
+        </p:spPr>
+      </p:pic>
+      <p:pic>
+        <p:nvPicPr>
+          <p:cNvPr id="27" name="Graphic 26" descr="Dance with solid fill">
+            <a:extLst>
+              <a:ext uri="{FF2B5EF4-FFF2-40B4-BE49-F238E27FC236}">
+                <a16:creationId xmlns:a16="http://schemas.microsoft.com/office/drawing/2014/main" id="{FB04D711-27D7-0946-8207-A95461EF30BB}"/>
+              </a:ext>
+            </a:extLst>
+          </p:cNvPr>
+          <p:cNvPicPr>
+            <a:picLocks noChangeAspect="1"/>
+          </p:cNvPicPr>
+          <p:nvPr/>
+        </p:nvPicPr>
+        <p:blipFill>
+          <a:blip r:embed="rId21">
+            <a:extLst>
+              <a:ext uri="{96DAC541-7B7A-43D3-8B79-37D633B846F1}">
+                <asvg:svgBlip xmlns:asvg="http://schemas.microsoft.com/office/drawing/2016/SVG/main" r:embed="rId22"/>
+              </a:ext>
+            </a:extLst>
+          </a:blip>
+          <a:stretch>
+            <a:fillRect/>
+          </a:stretch>
+        </p:blipFill>
+        <p:spPr>
+          <a:xfrm>
+            <a:off x="825762" y="4417675"/>
+            <a:ext cx="540000" cy="540000"/>
+          </a:xfrm>
+          <a:prstGeom prst="rect">
+            <a:avLst/>
+          </a:prstGeom>
+        </p:spPr>
+      </p:pic>
+      <p:pic>
+        <p:nvPicPr>
+          <p:cNvPr id="29" name="Graphic 28" descr="Baby crawling with solid fill">
+            <a:extLst>
+              <a:ext uri="{FF2B5EF4-FFF2-40B4-BE49-F238E27FC236}">
+                <a16:creationId xmlns:a16="http://schemas.microsoft.com/office/drawing/2014/main" id="{28C99A4A-A96D-8642-B059-CED0C82067BD}"/>
+              </a:ext>
+            </a:extLst>
+          </p:cNvPr>
+          <p:cNvPicPr>
+            <a:picLocks noChangeAspect="1"/>
+          </p:cNvPicPr>
+          <p:nvPr/>
+        </p:nvPicPr>
+        <p:blipFill>
+          <a:blip r:embed="rId23">
+            <a:extLst>
+              <a:ext uri="{96DAC541-7B7A-43D3-8B79-37D633B846F1}">
+                <asvg:svgBlip xmlns:asvg="http://schemas.microsoft.com/office/drawing/2016/SVG/main" r:embed="rId24"/>
+              </a:ext>
+            </a:extLst>
+          </a:blip>
+          <a:stretch>
+            <a:fillRect/>
+          </a:stretch>
+        </p:blipFill>
+        <p:spPr>
+          <a:xfrm>
+            <a:off x="5804178" y="5107007"/>
+            <a:ext cx="540000" cy="540000"/>
+          </a:xfrm>
+          <a:prstGeom prst="rect">
+            <a:avLst/>
+          </a:prstGeom>
+        </p:spPr>
+      </p:pic>
+      <p:pic>
+        <p:nvPicPr>
+          <p:cNvPr id="31" name="Graphic 30" descr="Person in wheelchair with solid fill">
+            <a:extLst>
+              <a:ext uri="{FF2B5EF4-FFF2-40B4-BE49-F238E27FC236}">
+                <a16:creationId xmlns:a16="http://schemas.microsoft.com/office/drawing/2014/main" id="{14749F07-D5C4-9446-A362-3718189DC224}"/>
+              </a:ext>
+            </a:extLst>
+          </p:cNvPr>
+          <p:cNvPicPr>
+            <a:picLocks noChangeAspect="1"/>
+          </p:cNvPicPr>
+          <p:nvPr/>
+        </p:nvPicPr>
+        <p:blipFill>
+          <a:blip r:embed="rId25">
+            <a:extLst>
+              <a:ext uri="{96DAC541-7B7A-43D3-8B79-37D633B846F1}">
+                <asvg:svgBlip xmlns:asvg="http://schemas.microsoft.com/office/drawing/2016/SVG/main" r:embed="rId26"/>
+              </a:ext>
+            </a:extLst>
+          </a:blip>
+          <a:stretch>
+            <a:fillRect/>
+          </a:stretch>
+        </p:blipFill>
+        <p:spPr>
+          <a:xfrm>
+            <a:off x="2899063" y="5703477"/>
+            <a:ext cx="540000" cy="540000"/>
+          </a:xfrm>
+          <a:prstGeom prst="rect">
+            <a:avLst/>
+          </a:prstGeom>
+        </p:spPr>
+      </p:pic>
+      <p:pic>
+        <p:nvPicPr>
+          <p:cNvPr id="33" name="Graphic 32" descr="Teacher with solid fill">
+            <a:extLst>
+              <a:ext uri="{FF2B5EF4-FFF2-40B4-BE49-F238E27FC236}">
+                <a16:creationId xmlns:a16="http://schemas.microsoft.com/office/drawing/2014/main" id="{90D44D39-0131-BD47-B397-91C9FEC07B85}"/>
+              </a:ext>
+            </a:extLst>
+          </p:cNvPr>
+          <p:cNvPicPr>
+            <a:picLocks noChangeAspect="1"/>
+          </p:cNvPicPr>
+          <p:nvPr/>
+        </p:nvPicPr>
+        <p:blipFill>
+          <a:blip r:embed="rId27">
+            <a:extLst>
+              <a:ext uri="{96DAC541-7B7A-43D3-8B79-37D633B846F1}">
+                <asvg:svgBlip xmlns:asvg="http://schemas.microsoft.com/office/drawing/2016/SVG/main" r:embed="rId28"/>
+              </a:ext>
+            </a:extLst>
+          </a:blip>
+          <a:stretch>
+            <a:fillRect/>
+          </a:stretch>
+        </p:blipFill>
+        <p:spPr>
+          <a:xfrm>
+            <a:off x="555762" y="464505"/>
+            <a:ext cx="540000" cy="540000"/>
+          </a:xfrm>
+          <a:prstGeom prst="rect">
+            <a:avLst/>
+          </a:prstGeom>
+        </p:spPr>
+      </p:pic>
+      <p:pic>
+        <p:nvPicPr>
+          <p:cNvPr id="35" name="Graphic 34" descr="Run with solid fill">
+            <a:extLst>
+              <a:ext uri="{FF2B5EF4-FFF2-40B4-BE49-F238E27FC236}">
+                <a16:creationId xmlns:a16="http://schemas.microsoft.com/office/drawing/2014/main" id="{48B4EA69-7E4F-044F-8F17-0905E2BA78EF}"/>
+              </a:ext>
+            </a:extLst>
+          </p:cNvPr>
+          <p:cNvPicPr>
+            <a:picLocks noChangeAspect="1"/>
+          </p:cNvPicPr>
+          <p:nvPr/>
+        </p:nvPicPr>
+        <p:blipFill>
+          <a:blip r:embed="rId29">
+            <a:extLst>
+              <a:ext uri="{96DAC541-7B7A-43D3-8B79-37D633B846F1}">
+                <asvg:svgBlip xmlns:asvg="http://schemas.microsoft.com/office/drawing/2016/SVG/main" r:embed="rId30"/>
+              </a:ext>
+            </a:extLst>
+          </a:blip>
+          <a:stretch>
+            <a:fillRect/>
+          </a:stretch>
+        </p:blipFill>
+        <p:spPr>
+          <a:xfrm>
+            <a:off x="7603199" y="5973477"/>
+            <a:ext cx="540000" cy="540000"/>
+          </a:xfrm>
+          <a:prstGeom prst="rect">
+            <a:avLst/>
+          </a:prstGeom>
+        </p:spPr>
+      </p:pic>
+      <p:cxnSp>
+        <p:nvCxnSpPr>
+          <p:cNvPr id="37" name="Straight Connector 36">
+            <a:extLst>
+              <a:ext uri="{FF2B5EF4-FFF2-40B4-BE49-F238E27FC236}">
+                <a16:creationId xmlns:a16="http://schemas.microsoft.com/office/drawing/2014/main" id="{94A5C948-9507-2544-A1AF-A848D61AB56E}"/>
+              </a:ext>
+            </a:extLst>
+          </p:cNvPr>
+          <p:cNvCxnSpPr>
+            <a:stCxn id="33" idx="2"/>
+            <a:endCxn id="27" idx="0"/>
+          </p:cNvCxnSpPr>
+          <p:nvPr/>
+        </p:nvCxnSpPr>
+        <p:spPr>
+          <a:xfrm>
+            <a:off x="825762" y="1004505"/>
+            <a:ext cx="270000" cy="3413170"/>
+          </a:xfrm>
+          <a:prstGeom prst="line">
+            <a:avLst/>
+          </a:prstGeom>
+          <a:ln w="60325">
+            <a:solidFill>
+              <a:schemeClr val="bg1">
+                <a:lumMod val="85000"/>
+                <a:lumOff val="15000"/>
+              </a:schemeClr>
+            </a:solidFill>
+          </a:ln>
+        </p:spPr>
+        <p:style>
+          <a:lnRef idx="1">
+            <a:schemeClr val="accent1"/>
+          </a:lnRef>
+          <a:fillRef idx="0">
+            <a:schemeClr val="accent1"/>
+          </a:fillRef>
+          <a:effectRef idx="0">
+            <a:schemeClr val="accent1"/>
+          </a:effectRef>
+          <a:fontRef idx="minor">
+            <a:schemeClr val="tx1"/>
+          </a:fontRef>
+        </p:style>
+      </p:cxnSp>
+      <p:cxnSp>
+        <p:nvCxnSpPr>
+          <p:cNvPr id="38" name="Straight Connector 37">
+            <a:extLst>
+              <a:ext uri="{FF2B5EF4-FFF2-40B4-BE49-F238E27FC236}">
+                <a16:creationId xmlns:a16="http://schemas.microsoft.com/office/drawing/2014/main" id="{A69548DD-0DBE-BC4A-BAA1-6A6E412325B5}"/>
+              </a:ext>
+            </a:extLst>
+          </p:cNvPr>
+          <p:cNvCxnSpPr>
+            <a:cxnSpLocks/>
+          </p:cNvCxnSpPr>
+          <p:nvPr/>
+        </p:nvCxnSpPr>
+        <p:spPr>
+          <a:xfrm flipH="1">
+            <a:off x="1365763" y="2711090"/>
+            <a:ext cx="585573" cy="1706585"/>
+          </a:xfrm>
+          <a:prstGeom prst="line">
+            <a:avLst/>
+          </a:prstGeom>
+          <a:ln w="60325">
+            <a:solidFill>
+              <a:schemeClr val="bg1">
+                <a:lumMod val="85000"/>
+                <a:lumOff val="15000"/>
+              </a:schemeClr>
+            </a:solidFill>
+          </a:ln>
+        </p:spPr>
+        <p:style>
+          <a:lnRef idx="1">
+            <a:schemeClr val="accent1"/>
+          </a:lnRef>
+          <a:fillRef idx="0">
+            <a:schemeClr val="accent1"/>
+          </a:fillRef>
+          <a:effectRef idx="0">
+            <a:schemeClr val="accent1"/>
+          </a:effectRef>
+          <a:fontRef idx="minor">
+            <a:schemeClr val="tx1"/>
+          </a:fontRef>
+        </p:style>
+      </p:cxnSp>
+      <p:cxnSp>
+        <p:nvCxnSpPr>
+          <p:cNvPr id="42" name="Straight Connector 41">
+            <a:extLst>
+              <a:ext uri="{FF2B5EF4-FFF2-40B4-BE49-F238E27FC236}">
+                <a16:creationId xmlns:a16="http://schemas.microsoft.com/office/drawing/2014/main" id="{90F97DF1-2A02-0E49-B120-EA361490D1BA}"/>
+              </a:ext>
+            </a:extLst>
+          </p:cNvPr>
+          <p:cNvCxnSpPr>
+            <a:cxnSpLocks/>
+          </p:cNvCxnSpPr>
+          <p:nvPr/>
+        </p:nvCxnSpPr>
+        <p:spPr>
+          <a:xfrm>
+            <a:off x="1258445" y="734505"/>
+            <a:ext cx="3679992" cy="292311"/>
+          </a:xfrm>
+          <a:prstGeom prst="line">
+            <a:avLst/>
+          </a:prstGeom>
+          <a:ln w="60325">
+            <a:solidFill>
+              <a:schemeClr val="bg1">
+                <a:lumMod val="85000"/>
+                <a:lumOff val="15000"/>
+              </a:schemeClr>
+            </a:solidFill>
+          </a:ln>
+        </p:spPr>
+        <p:style>
+          <a:lnRef idx="1">
+            <a:schemeClr val="accent1"/>
+          </a:lnRef>
+          <a:fillRef idx="0">
+            <a:schemeClr val="accent1"/>
+          </a:fillRef>
+          <a:effectRef idx="0">
+            <a:schemeClr val="accent1"/>
+          </a:effectRef>
+          <a:fontRef idx="minor">
+            <a:schemeClr val="tx1"/>
+          </a:fontRef>
+        </p:style>
+      </p:cxnSp>
+      <p:cxnSp>
+        <p:nvCxnSpPr>
+          <p:cNvPr id="53" name="Straight Connector 52">
+            <a:extLst>
+              <a:ext uri="{FF2B5EF4-FFF2-40B4-BE49-F238E27FC236}">
+                <a16:creationId xmlns:a16="http://schemas.microsoft.com/office/drawing/2014/main" id="{098B1A97-245A-834C-9555-2362B82F773A}"/>
+              </a:ext>
+            </a:extLst>
+          </p:cNvPr>
+          <p:cNvCxnSpPr>
+            <a:cxnSpLocks/>
+          </p:cNvCxnSpPr>
+          <p:nvPr/>
+        </p:nvCxnSpPr>
+        <p:spPr>
+          <a:xfrm flipH="1">
+            <a:off x="3514204" y="5377007"/>
+            <a:ext cx="2005926" cy="474344"/>
+          </a:xfrm>
+          <a:prstGeom prst="line">
+            <a:avLst/>
+          </a:prstGeom>
+          <a:ln w="60325">
+            <a:solidFill>
+              <a:schemeClr val="bg1">
+                <a:lumMod val="85000"/>
+                <a:lumOff val="15000"/>
+              </a:schemeClr>
+            </a:solidFill>
+          </a:ln>
+        </p:spPr>
+        <p:style>
+          <a:lnRef idx="1">
+            <a:schemeClr val="accent1"/>
+          </a:lnRef>
+          <a:fillRef idx="0">
+            <a:schemeClr val="accent1"/>
+          </a:fillRef>
+          <a:effectRef idx="0">
+            <a:schemeClr val="accent1"/>
+          </a:effectRef>
+          <a:fontRef idx="minor">
+            <a:schemeClr val="tx1"/>
+          </a:fontRef>
+        </p:style>
+      </p:cxnSp>
+      <p:cxnSp>
+        <p:nvCxnSpPr>
+          <p:cNvPr id="56" name="Straight Connector 55">
+            <a:extLst>
+              <a:ext uri="{FF2B5EF4-FFF2-40B4-BE49-F238E27FC236}">
+                <a16:creationId xmlns:a16="http://schemas.microsoft.com/office/drawing/2014/main" id="{B8458395-23C6-7545-B395-ADC10592BC18}"/>
+              </a:ext>
+            </a:extLst>
+          </p:cNvPr>
+          <p:cNvCxnSpPr>
+            <a:cxnSpLocks/>
+          </p:cNvCxnSpPr>
+          <p:nvPr/>
+        </p:nvCxnSpPr>
+        <p:spPr>
+          <a:xfrm flipH="1">
+            <a:off x="3087027" y="3969000"/>
+            <a:ext cx="266195" cy="1592184"/>
+          </a:xfrm>
+          <a:prstGeom prst="line">
+            <a:avLst/>
+          </a:prstGeom>
+          <a:ln w="60325">
+            <a:solidFill>
+              <a:schemeClr val="bg1">
+                <a:lumMod val="85000"/>
+                <a:lumOff val="15000"/>
+              </a:schemeClr>
+            </a:solidFill>
+          </a:ln>
+        </p:spPr>
+        <p:style>
+          <a:lnRef idx="1">
+            <a:schemeClr val="accent1"/>
+          </a:lnRef>
+          <a:fillRef idx="0">
+            <a:schemeClr val="accent1"/>
+          </a:fillRef>
+          <a:effectRef idx="0">
+            <a:schemeClr val="accent1"/>
+          </a:effectRef>
+          <a:fontRef idx="minor">
+            <a:schemeClr val="tx1"/>
+          </a:fontRef>
+        </p:style>
+      </p:cxnSp>
+      <p:cxnSp>
+        <p:nvCxnSpPr>
+          <p:cNvPr id="63" name="Straight Connector 62">
+            <a:extLst>
+              <a:ext uri="{FF2B5EF4-FFF2-40B4-BE49-F238E27FC236}">
+                <a16:creationId xmlns:a16="http://schemas.microsoft.com/office/drawing/2014/main" id="{ED9722BB-CE5B-D44F-88F1-6D4985C457A6}"/>
+              </a:ext>
+            </a:extLst>
+          </p:cNvPr>
+          <p:cNvCxnSpPr>
+            <a:cxnSpLocks/>
+          </p:cNvCxnSpPr>
+          <p:nvPr/>
+        </p:nvCxnSpPr>
+        <p:spPr>
+          <a:xfrm>
+            <a:off x="1374040" y="4957675"/>
+            <a:ext cx="1307601" cy="893676"/>
+          </a:xfrm>
+          <a:prstGeom prst="line">
+            <a:avLst/>
+          </a:prstGeom>
+          <a:ln w="60325">
+            <a:solidFill>
+              <a:schemeClr val="bg1">
+                <a:lumMod val="85000"/>
+                <a:lumOff val="15000"/>
+              </a:schemeClr>
+            </a:solidFill>
+          </a:ln>
+        </p:spPr>
+        <p:style>
+          <a:lnRef idx="1">
+            <a:schemeClr val="accent1"/>
+          </a:lnRef>
+          <a:fillRef idx="0">
+            <a:schemeClr val="accent1"/>
+          </a:fillRef>
+          <a:effectRef idx="0">
+            <a:schemeClr val="accent1"/>
+          </a:effectRef>
+          <a:fontRef idx="minor">
+            <a:schemeClr val="tx1"/>
+          </a:fontRef>
+        </p:style>
+      </p:cxnSp>
+      <p:cxnSp>
+        <p:nvCxnSpPr>
+          <p:cNvPr id="67" name="Straight Connector 66">
+            <a:extLst>
+              <a:ext uri="{FF2B5EF4-FFF2-40B4-BE49-F238E27FC236}">
+                <a16:creationId xmlns:a16="http://schemas.microsoft.com/office/drawing/2014/main" id="{EA109E13-136F-1E46-A67D-6E51523F349B}"/>
+              </a:ext>
+            </a:extLst>
+          </p:cNvPr>
+          <p:cNvCxnSpPr>
+            <a:cxnSpLocks/>
+          </p:cNvCxnSpPr>
+          <p:nvPr/>
+        </p:nvCxnSpPr>
+        <p:spPr>
+          <a:xfrm>
+            <a:off x="10725381" y="1277337"/>
+            <a:ext cx="540000" cy="1220085"/>
+          </a:xfrm>
+          <a:prstGeom prst="line">
+            <a:avLst/>
+          </a:prstGeom>
+          <a:ln w="60325">
+            <a:solidFill>
+              <a:schemeClr val="bg1">
+                <a:lumMod val="85000"/>
+                <a:lumOff val="15000"/>
+              </a:schemeClr>
+            </a:solidFill>
+          </a:ln>
+        </p:spPr>
+        <p:style>
+          <a:lnRef idx="1">
+            <a:schemeClr val="accent1"/>
+          </a:lnRef>
+          <a:fillRef idx="0">
+            <a:schemeClr val="accent1"/>
+          </a:fillRef>
+          <a:effectRef idx="0">
+            <a:schemeClr val="accent1"/>
+          </a:effectRef>
+          <a:fontRef idx="minor">
+            <a:schemeClr val="tx1"/>
+          </a:fontRef>
+        </p:style>
+      </p:cxnSp>
+      <p:cxnSp>
+        <p:nvCxnSpPr>
+          <p:cNvPr id="71" name="Straight Connector 70">
+            <a:extLst>
+              <a:ext uri="{FF2B5EF4-FFF2-40B4-BE49-F238E27FC236}">
+                <a16:creationId xmlns:a16="http://schemas.microsoft.com/office/drawing/2014/main" id="{BA6D5B29-2530-BC47-8BAE-D1B6F5DF008A}"/>
+              </a:ext>
+            </a:extLst>
+          </p:cNvPr>
+          <p:cNvCxnSpPr>
+            <a:cxnSpLocks/>
+          </p:cNvCxnSpPr>
+          <p:nvPr/>
+        </p:nvCxnSpPr>
+        <p:spPr>
+          <a:xfrm>
+            <a:off x="6448919" y="5338860"/>
+            <a:ext cx="2833626" cy="222324"/>
+          </a:xfrm>
+          <a:prstGeom prst="line">
+            <a:avLst/>
+          </a:prstGeom>
+          <a:ln w="60325">
+            <a:solidFill>
+              <a:schemeClr val="bg1">
+                <a:lumMod val="85000"/>
+                <a:lumOff val="15000"/>
+              </a:schemeClr>
+            </a:solidFill>
+          </a:ln>
+        </p:spPr>
+        <p:style>
+          <a:lnRef idx="1">
+            <a:schemeClr val="accent1"/>
+          </a:lnRef>
+          <a:fillRef idx="0">
+            <a:schemeClr val="accent1"/>
+          </a:fillRef>
+          <a:effectRef idx="0">
+            <a:schemeClr val="accent1"/>
+          </a:effectRef>
+          <a:fontRef idx="minor">
+            <a:schemeClr val="tx1"/>
+          </a:fontRef>
+        </p:style>
+      </p:cxnSp>
+      <p:cxnSp>
+        <p:nvCxnSpPr>
+          <p:cNvPr id="78" name="Straight Connector 77">
+            <a:extLst>
+              <a:ext uri="{FF2B5EF4-FFF2-40B4-BE49-F238E27FC236}">
+                <a16:creationId xmlns:a16="http://schemas.microsoft.com/office/drawing/2014/main" id="{DE1C399B-F610-4149-99A3-357E0711223F}"/>
+              </a:ext>
+            </a:extLst>
+          </p:cNvPr>
+          <p:cNvCxnSpPr>
+            <a:cxnSpLocks/>
+          </p:cNvCxnSpPr>
+          <p:nvPr/>
+        </p:nvCxnSpPr>
+        <p:spPr>
+          <a:xfrm>
+            <a:off x="3558806" y="6214516"/>
+            <a:ext cx="3922649" cy="39435"/>
+          </a:xfrm>
+          <a:prstGeom prst="line">
+            <a:avLst/>
+          </a:prstGeom>
+          <a:ln w="60325">
+            <a:solidFill>
+              <a:schemeClr val="bg1">
+                <a:lumMod val="85000"/>
+                <a:lumOff val="15000"/>
+              </a:schemeClr>
+            </a:solidFill>
+          </a:ln>
+        </p:spPr>
+        <p:style>
+          <a:lnRef idx="1">
+            <a:schemeClr val="accent1"/>
+          </a:lnRef>
+          <a:fillRef idx="0">
+            <a:schemeClr val="accent1"/>
+          </a:fillRef>
+          <a:effectRef idx="0">
+            <a:schemeClr val="accent1"/>
+          </a:effectRef>
+          <a:fontRef idx="minor">
+            <a:schemeClr val="tx1"/>
+          </a:fontRef>
+        </p:style>
+      </p:cxnSp>
+      <p:cxnSp>
+        <p:nvCxnSpPr>
+          <p:cNvPr id="80" name="Straight Connector 79">
+            <a:extLst>
+              <a:ext uri="{FF2B5EF4-FFF2-40B4-BE49-F238E27FC236}">
+                <a16:creationId xmlns:a16="http://schemas.microsoft.com/office/drawing/2014/main" id="{A3D2BB54-FE87-A644-A2F9-7A2920D0EBE3}"/>
+              </a:ext>
+            </a:extLst>
+          </p:cNvPr>
+          <p:cNvCxnSpPr>
+            <a:cxnSpLocks/>
+          </p:cNvCxnSpPr>
+          <p:nvPr/>
+        </p:nvCxnSpPr>
+        <p:spPr>
+          <a:xfrm flipV="1">
+            <a:off x="9970664" y="1428119"/>
+            <a:ext cx="376932" cy="1730881"/>
+          </a:xfrm>
+          <a:prstGeom prst="line">
+            <a:avLst/>
+          </a:prstGeom>
+          <a:ln w="60325">
+            <a:solidFill>
+              <a:schemeClr val="bg1">
+                <a:lumMod val="85000"/>
+                <a:lumOff val="15000"/>
+              </a:schemeClr>
+            </a:solidFill>
+          </a:ln>
+        </p:spPr>
+        <p:style>
+          <a:lnRef idx="1">
+            <a:schemeClr val="accent1"/>
+          </a:lnRef>
+          <a:fillRef idx="0">
+            <a:schemeClr val="accent1"/>
+          </a:fillRef>
+          <a:effectRef idx="0">
+            <a:schemeClr val="accent1"/>
+          </a:effectRef>
+          <a:fontRef idx="minor">
+            <a:schemeClr val="tx1"/>
+          </a:fontRef>
+        </p:style>
+      </p:cxnSp>
+      <p:cxnSp>
+        <p:nvCxnSpPr>
+          <p:cNvPr id="82" name="Straight Connector 81">
+            <a:extLst>
+              <a:ext uri="{FF2B5EF4-FFF2-40B4-BE49-F238E27FC236}">
+                <a16:creationId xmlns:a16="http://schemas.microsoft.com/office/drawing/2014/main" id="{55D0B1EB-3F9B-3F46-9607-C58EB985C1EA}"/>
+              </a:ext>
+            </a:extLst>
+          </p:cNvPr>
+          <p:cNvCxnSpPr>
+            <a:cxnSpLocks/>
+            <a:endCxn id="19" idx="3"/>
+          </p:cNvCxnSpPr>
+          <p:nvPr/>
+        </p:nvCxnSpPr>
+        <p:spPr>
+          <a:xfrm flipH="1">
+            <a:off x="8143199" y="1026816"/>
+            <a:ext cx="2097466" cy="270000"/>
+          </a:xfrm>
+          <a:prstGeom prst="line">
+            <a:avLst/>
+          </a:prstGeom>
+          <a:ln w="60325">
+            <a:solidFill>
+              <a:schemeClr val="bg1">
+                <a:lumMod val="85000"/>
+                <a:lumOff val="15000"/>
+              </a:schemeClr>
+            </a:solidFill>
+          </a:ln>
+        </p:spPr>
+        <p:style>
+          <a:lnRef idx="1">
+            <a:schemeClr val="accent1"/>
+          </a:lnRef>
+          <a:fillRef idx="0">
+            <a:schemeClr val="accent1"/>
+          </a:fillRef>
+          <a:effectRef idx="0">
+            <a:schemeClr val="accent1"/>
+          </a:effectRef>
+          <a:fontRef idx="minor">
+            <a:schemeClr val="tx1"/>
+          </a:fontRef>
+        </p:style>
+      </p:cxnSp>
       <p:sp>
         <p:nvSpPr>
-          <p:cNvPr id="8" name="Rectangle 7">
+          <p:cNvPr id="87" name="Rectangle 86">
             <a:extLst>
               <a:ext uri="{FF2B5EF4-FFF2-40B4-BE49-F238E27FC236}">
-                <a16:creationId xmlns:a16="http://schemas.microsoft.com/office/drawing/2014/main" id="{6628CB95-D999-FF4A-87BC-92CF818732D5}"/>
+                <a16:creationId xmlns:a16="http://schemas.microsoft.com/office/drawing/2014/main" id="{85870F39-1D0F-974E-BAD7-E019DC379628}"/>
               </a:ext>
             </a:extLst>
           </p:cNvPr>
@@ -5189,8 +6202,8 @@
         </p:nvSpPr>
         <p:spPr>
           <a:xfrm>
-            <a:off x="0" y="609600"/>
-            <a:ext cx="12192000" cy="5878285"/>
+            <a:off x="3617512" y="2448755"/>
+            <a:ext cx="5146980" cy="1678007"/>
           </a:xfrm>
           <a:prstGeom prst="rect">
             <a:avLst/>
@@ -5219,36 +6232,6 @@
         <p:txBody>
           <a:bodyPr rtlCol="0" anchor="ctr"/>
           <a:lstStyle/>
-          <a:p>
-            <a:pPr algn="ctr"/>
-            <a:r>
-              <a:rPr lang="en-US" sz="2400" dirty="0">
-                <a:solidFill>
-                  <a:schemeClr val="tx1">
-                    <a:lumMod val="65000"/>
-                  </a:schemeClr>
-                </a:solidFill>
-                <a:latin typeface="Arial" panose="020B0604020202020204" pitchFamily="34" charset="0"/>
-                <a:cs typeface="Arial" panose="020B0604020202020204" pitchFamily="34" charset="0"/>
-              </a:rPr>
-              <a:t>Causal Inference</a:t>
-            </a:r>
-          </a:p>
-          <a:p>
-            <a:pPr algn="ctr"/>
-            <a:r>
-              <a:rPr lang="en-US" sz="2400" dirty="0">
-                <a:solidFill>
-                  <a:schemeClr val="tx1">
-                    <a:lumMod val="65000"/>
-                  </a:schemeClr>
-                </a:solidFill>
-                <a:latin typeface="Arial" panose="020B0604020202020204" pitchFamily="34" charset="0"/>
-                <a:cs typeface="Arial" panose="020B0604020202020204" pitchFamily="34" charset="0"/>
-              </a:rPr>
-              <a:t>Vs.</a:t>
-            </a:r>
-          </a:p>
           <a:p>
             <a:pPr algn="ctr"/>
             <a:r>
@@ -5645,6 +6628,1251 @@
           </a:prstGeom>
           <a:ln w="15875">
             <a:solidFill>
+              <a:schemeClr val="tx1">
+                <a:lumMod val="50000"/>
+              </a:schemeClr>
+            </a:solidFill>
+            <a:headEnd w="lg" len="lg"/>
+            <a:tailEnd type="triangle" w="lg" len="lg"/>
+          </a:ln>
+        </p:spPr>
+        <p:style>
+          <a:lnRef idx="1">
+            <a:schemeClr val="accent1"/>
+          </a:lnRef>
+          <a:fillRef idx="0">
+            <a:schemeClr val="accent1"/>
+          </a:fillRef>
+          <a:effectRef idx="0">
+            <a:schemeClr val="accent1"/>
+          </a:effectRef>
+          <a:fontRef idx="minor">
+            <a:schemeClr val="tx1"/>
+          </a:fontRef>
+        </p:style>
+      </p:cxnSp>
+      <p:cxnSp>
+        <p:nvCxnSpPr>
+          <p:cNvPr id="10" name="Straight Arrow Connector 9">
+            <a:extLst>
+              <a:ext uri="{FF2B5EF4-FFF2-40B4-BE49-F238E27FC236}">
+                <a16:creationId xmlns:a16="http://schemas.microsoft.com/office/drawing/2014/main" id="{A65EF20A-851F-D84E-9F83-DCA465D9F64D}"/>
+              </a:ext>
+            </a:extLst>
+          </p:cNvPr>
+          <p:cNvCxnSpPr>
+            <a:stCxn id="5" idx="6"/>
+            <a:endCxn id="6" idx="2"/>
+          </p:cNvCxnSpPr>
+          <p:nvPr/>
+        </p:nvCxnSpPr>
+        <p:spPr>
+          <a:xfrm flipV="1">
+            <a:off x="4389621" y="2462133"/>
+            <a:ext cx="1611442" cy="1"/>
+          </a:xfrm>
+          <a:prstGeom prst="straightConnector1">
+            <a:avLst/>
+          </a:prstGeom>
+          <a:ln w="15875">
+            <a:solidFill>
+              <a:schemeClr val="bg1">
+                <a:lumMod val="50000"/>
+                <a:lumOff val="50000"/>
+              </a:schemeClr>
+            </a:solidFill>
+            <a:headEnd w="lg" len="lg"/>
+            <a:tailEnd type="triangle" w="lg" len="lg"/>
+          </a:ln>
+        </p:spPr>
+        <p:style>
+          <a:lnRef idx="1">
+            <a:schemeClr val="accent1"/>
+          </a:lnRef>
+          <a:fillRef idx="0">
+            <a:schemeClr val="accent1"/>
+          </a:fillRef>
+          <a:effectRef idx="0">
+            <a:schemeClr val="accent1"/>
+          </a:effectRef>
+          <a:fontRef idx="minor">
+            <a:schemeClr val="tx1"/>
+          </a:fontRef>
+        </p:style>
+      </p:cxnSp>
+      <p:cxnSp>
+        <p:nvCxnSpPr>
+          <p:cNvPr id="20" name="Curved Connector 19">
+            <a:extLst>
+              <a:ext uri="{FF2B5EF4-FFF2-40B4-BE49-F238E27FC236}">
+                <a16:creationId xmlns:a16="http://schemas.microsoft.com/office/drawing/2014/main" id="{457E3962-76A8-D04B-B89E-7EF46E8426FE}"/>
+              </a:ext>
+            </a:extLst>
+          </p:cNvPr>
+          <p:cNvCxnSpPr>
+            <a:stCxn id="4" idx="0"/>
+            <a:endCxn id="6" idx="0"/>
+          </p:cNvCxnSpPr>
+          <p:nvPr/>
+        </p:nvCxnSpPr>
+        <p:spPr>
+          <a:xfrm rot="5400000" flipH="1" flipV="1">
+            <a:off x="4118548" y="-83696"/>
+            <a:ext cx="1" cy="4439587"/>
+          </a:xfrm>
+          <a:prstGeom prst="curvedConnector3">
+            <a:avLst>
+              <a:gd name="adj1" fmla="val 22860100000"/>
+            </a:avLst>
+          </a:prstGeom>
+          <a:ln w="15875">
+            <a:solidFill>
+              <a:schemeClr val="tx1">
+                <a:lumMod val="50000"/>
+              </a:schemeClr>
+            </a:solidFill>
+            <a:headEnd w="lg" len="lg"/>
+            <a:tailEnd type="triangle" w="lg" len="lg"/>
+          </a:ln>
+        </p:spPr>
+        <p:style>
+          <a:lnRef idx="1">
+            <a:schemeClr val="accent1"/>
+          </a:lnRef>
+          <a:fillRef idx="0">
+            <a:schemeClr val="accent1"/>
+          </a:fillRef>
+          <a:effectRef idx="0">
+            <a:schemeClr val="accent1"/>
+          </a:effectRef>
+          <a:fontRef idx="minor">
+            <a:schemeClr val="tx1"/>
+          </a:fontRef>
+        </p:style>
+      </p:cxnSp>
+      <p:sp>
+        <p:nvSpPr>
+          <p:cNvPr id="32" name="Oval 31">
+            <a:extLst>
+              <a:ext uri="{FF2B5EF4-FFF2-40B4-BE49-F238E27FC236}">
+                <a16:creationId xmlns:a16="http://schemas.microsoft.com/office/drawing/2014/main" id="{8F8D22E1-BD74-C344-9E92-256C4F7B2F1A}"/>
+              </a:ext>
+            </a:extLst>
+          </p:cNvPr>
+          <p:cNvSpPr/>
+          <p:nvPr/>
+        </p:nvSpPr>
+        <p:spPr>
+          <a:xfrm>
+            <a:off x="1561476" y="3408390"/>
+            <a:ext cx="674558" cy="652073"/>
+          </a:xfrm>
+          <a:prstGeom prst="ellipse">
+            <a:avLst/>
+          </a:prstGeom>
+          <a:solidFill>
+            <a:schemeClr val="accent6"/>
+          </a:solidFill>
+          <a:ln>
+            <a:solidFill>
+              <a:schemeClr val="tx1">
+                <a:lumMod val="50000"/>
+              </a:schemeClr>
+            </a:solidFill>
+          </a:ln>
+        </p:spPr>
+        <p:style>
+          <a:lnRef idx="2">
+            <a:schemeClr val="accent1">
+              <a:shade val="50000"/>
+            </a:schemeClr>
+          </a:lnRef>
+          <a:fillRef idx="1">
+            <a:schemeClr val="accent1"/>
+          </a:fillRef>
+          <a:effectRef idx="0">
+            <a:schemeClr val="accent1"/>
+          </a:effectRef>
+          <a:fontRef idx="minor">
+            <a:schemeClr val="lt1"/>
+          </a:fontRef>
+        </p:style>
+        <p:txBody>
+          <a:bodyPr rtlCol="0" anchor="ctr"/>
+          <a:lstStyle/>
+          <a:p>
+            <a:pPr algn="ctr"/>
+            <a:r>
+              <a:rPr lang="en-US" sz="1200" b="1" dirty="0"/>
+              <a:t>L</a:t>
+            </a:r>
+            <a:r>
+              <a:rPr lang="en-US" sz="1200" b="1" baseline="-25000" dirty="0"/>
+              <a:t>2</a:t>
+            </a:r>
+            <a:endParaRPr lang="en-US" sz="1200" b="1" dirty="0"/>
+          </a:p>
+        </p:txBody>
+      </p:sp>
+      <p:sp>
+        <p:nvSpPr>
+          <p:cNvPr id="33" name="Oval 32">
+            <a:extLst>
+              <a:ext uri="{FF2B5EF4-FFF2-40B4-BE49-F238E27FC236}">
+                <a16:creationId xmlns:a16="http://schemas.microsoft.com/office/drawing/2014/main" id="{692A2CF4-F284-6343-9DC2-2C2A6A2E9E34}"/>
+              </a:ext>
+            </a:extLst>
+          </p:cNvPr>
+          <p:cNvSpPr/>
+          <p:nvPr/>
+        </p:nvSpPr>
+        <p:spPr>
+          <a:xfrm>
+            <a:off x="3715063" y="3408390"/>
+            <a:ext cx="674558" cy="652073"/>
+          </a:xfrm>
+          <a:prstGeom prst="ellipse">
+            <a:avLst/>
+          </a:prstGeom>
+          <a:solidFill>
+            <a:schemeClr val="accent6"/>
+          </a:solidFill>
+          <a:ln>
+            <a:solidFill>
+              <a:schemeClr val="tx1">
+                <a:lumMod val="50000"/>
+              </a:schemeClr>
+            </a:solidFill>
+          </a:ln>
+        </p:spPr>
+        <p:style>
+          <a:lnRef idx="2">
+            <a:schemeClr val="accent1">
+              <a:shade val="50000"/>
+            </a:schemeClr>
+          </a:lnRef>
+          <a:fillRef idx="1">
+            <a:schemeClr val="accent1"/>
+          </a:fillRef>
+          <a:effectRef idx="0">
+            <a:schemeClr val="accent1"/>
+          </a:effectRef>
+          <a:fontRef idx="minor">
+            <a:schemeClr val="lt1"/>
+          </a:fontRef>
+        </p:style>
+        <p:txBody>
+          <a:bodyPr rtlCol="0" anchor="ctr"/>
+          <a:lstStyle/>
+          <a:p>
+            <a:pPr algn="ctr"/>
+            <a:r>
+              <a:rPr lang="en-US" sz="1400" b="1" dirty="0"/>
+              <a:t>A</a:t>
+            </a:r>
+            <a:r>
+              <a:rPr lang="en-US" sz="1400" b="1" baseline="-25000" dirty="0"/>
+              <a:t>2</a:t>
+            </a:r>
+            <a:endParaRPr lang="en-US" sz="1400" b="1" dirty="0"/>
+          </a:p>
+        </p:txBody>
+      </p:sp>
+      <p:sp>
+        <p:nvSpPr>
+          <p:cNvPr id="34" name="Oval 33">
+            <a:extLst>
+              <a:ext uri="{FF2B5EF4-FFF2-40B4-BE49-F238E27FC236}">
+                <a16:creationId xmlns:a16="http://schemas.microsoft.com/office/drawing/2014/main" id="{CBD2311A-19DA-8B43-AB9C-C4A9DDD0041F}"/>
+              </a:ext>
+            </a:extLst>
+          </p:cNvPr>
+          <p:cNvSpPr/>
+          <p:nvPr/>
+        </p:nvSpPr>
+        <p:spPr>
+          <a:xfrm>
+            <a:off x="6001063" y="3408389"/>
+            <a:ext cx="674558" cy="652073"/>
+          </a:xfrm>
+          <a:prstGeom prst="ellipse">
+            <a:avLst/>
+          </a:prstGeom>
+          <a:solidFill>
+            <a:schemeClr val="accent6"/>
+          </a:solidFill>
+          <a:ln>
+            <a:solidFill>
+              <a:schemeClr val="tx1">
+                <a:lumMod val="50000"/>
+              </a:schemeClr>
+            </a:solidFill>
+          </a:ln>
+        </p:spPr>
+        <p:style>
+          <a:lnRef idx="2">
+            <a:schemeClr val="accent1">
+              <a:shade val="50000"/>
+            </a:schemeClr>
+          </a:lnRef>
+          <a:fillRef idx="1">
+            <a:schemeClr val="accent1"/>
+          </a:fillRef>
+          <a:effectRef idx="0">
+            <a:schemeClr val="accent1"/>
+          </a:effectRef>
+          <a:fontRef idx="minor">
+            <a:schemeClr val="lt1"/>
+          </a:fontRef>
+        </p:style>
+        <p:txBody>
+          <a:bodyPr rtlCol="0" anchor="ctr"/>
+          <a:lstStyle/>
+          <a:p>
+            <a:pPr algn="ctr"/>
+            <a:r>
+              <a:rPr lang="en-US" sz="1400" b="1" dirty="0"/>
+              <a:t>Y</a:t>
+            </a:r>
+            <a:r>
+              <a:rPr lang="en-US" sz="1400" b="1" baseline="-25000" dirty="0"/>
+              <a:t>2</a:t>
+            </a:r>
+            <a:endParaRPr lang="en-US" sz="1400" b="1" dirty="0"/>
+          </a:p>
+        </p:txBody>
+      </p:sp>
+      <p:cxnSp>
+        <p:nvCxnSpPr>
+          <p:cNvPr id="35" name="Straight Arrow Connector 34">
+            <a:extLst>
+              <a:ext uri="{FF2B5EF4-FFF2-40B4-BE49-F238E27FC236}">
+                <a16:creationId xmlns:a16="http://schemas.microsoft.com/office/drawing/2014/main" id="{20545845-D76D-8F42-B14B-AC9BA54B5AB7}"/>
+              </a:ext>
+            </a:extLst>
+          </p:cNvPr>
+          <p:cNvCxnSpPr>
+            <a:stCxn id="32" idx="6"/>
+            <a:endCxn id="33" idx="2"/>
+          </p:cNvCxnSpPr>
+          <p:nvPr/>
+        </p:nvCxnSpPr>
+        <p:spPr>
+          <a:xfrm>
+            <a:off x="2236034" y="3734427"/>
+            <a:ext cx="1479029" cy="0"/>
+          </a:xfrm>
+          <a:prstGeom prst="straightConnector1">
+            <a:avLst/>
+          </a:prstGeom>
+          <a:ln w="15875">
+            <a:solidFill>
+              <a:schemeClr val="tx1">
+                <a:lumMod val="50000"/>
+              </a:schemeClr>
+            </a:solidFill>
+            <a:headEnd w="lg" len="lg"/>
+            <a:tailEnd type="triangle" w="lg" len="lg"/>
+          </a:ln>
+        </p:spPr>
+        <p:style>
+          <a:lnRef idx="1">
+            <a:schemeClr val="accent1"/>
+          </a:lnRef>
+          <a:fillRef idx="0">
+            <a:schemeClr val="accent1"/>
+          </a:fillRef>
+          <a:effectRef idx="0">
+            <a:schemeClr val="accent1"/>
+          </a:effectRef>
+          <a:fontRef idx="minor">
+            <a:schemeClr val="tx1"/>
+          </a:fontRef>
+        </p:style>
+      </p:cxnSp>
+      <p:cxnSp>
+        <p:nvCxnSpPr>
+          <p:cNvPr id="36" name="Straight Arrow Connector 35">
+            <a:extLst>
+              <a:ext uri="{FF2B5EF4-FFF2-40B4-BE49-F238E27FC236}">
+                <a16:creationId xmlns:a16="http://schemas.microsoft.com/office/drawing/2014/main" id="{9CE581BD-EC71-EC40-9835-2253B9E62C56}"/>
+              </a:ext>
+            </a:extLst>
+          </p:cNvPr>
+          <p:cNvCxnSpPr>
+            <a:stCxn id="33" idx="6"/>
+            <a:endCxn id="34" idx="2"/>
+          </p:cNvCxnSpPr>
+          <p:nvPr/>
+        </p:nvCxnSpPr>
+        <p:spPr>
+          <a:xfrm flipV="1">
+            <a:off x="4389621" y="3734426"/>
+            <a:ext cx="1611442" cy="1"/>
+          </a:xfrm>
+          <a:prstGeom prst="straightConnector1">
+            <a:avLst/>
+          </a:prstGeom>
+          <a:ln w="15875">
+            <a:solidFill>
+              <a:schemeClr val="bg1">
+                <a:lumMod val="50000"/>
+                <a:lumOff val="50000"/>
+              </a:schemeClr>
+            </a:solidFill>
+            <a:headEnd w="lg" len="lg"/>
+            <a:tailEnd type="triangle" w="lg" len="lg"/>
+          </a:ln>
+        </p:spPr>
+        <p:style>
+          <a:lnRef idx="1">
+            <a:schemeClr val="accent1"/>
+          </a:lnRef>
+          <a:fillRef idx="0">
+            <a:schemeClr val="accent1"/>
+          </a:fillRef>
+          <a:effectRef idx="0">
+            <a:schemeClr val="accent1"/>
+          </a:effectRef>
+          <a:fontRef idx="minor">
+            <a:schemeClr val="tx1"/>
+          </a:fontRef>
+        </p:style>
+      </p:cxnSp>
+      <p:cxnSp>
+        <p:nvCxnSpPr>
+          <p:cNvPr id="37" name="Curved Connector 36">
+            <a:extLst>
+              <a:ext uri="{FF2B5EF4-FFF2-40B4-BE49-F238E27FC236}">
+                <a16:creationId xmlns:a16="http://schemas.microsoft.com/office/drawing/2014/main" id="{E1514C85-444D-A348-A8DB-BFEB4A818D59}"/>
+              </a:ext>
+            </a:extLst>
+          </p:cNvPr>
+          <p:cNvCxnSpPr>
+            <a:stCxn id="32" idx="0"/>
+            <a:endCxn id="34" idx="0"/>
+          </p:cNvCxnSpPr>
+          <p:nvPr/>
+        </p:nvCxnSpPr>
+        <p:spPr>
+          <a:xfrm rot="5400000" flipH="1" flipV="1">
+            <a:off x="4118548" y="1188597"/>
+            <a:ext cx="1" cy="4439587"/>
+          </a:xfrm>
+          <a:prstGeom prst="curvedConnector3">
+            <a:avLst>
+              <a:gd name="adj1" fmla="val 22860100000"/>
+            </a:avLst>
+          </a:prstGeom>
+          <a:ln w="15875">
+            <a:solidFill>
+              <a:schemeClr val="tx1">
+                <a:lumMod val="50000"/>
+              </a:schemeClr>
+            </a:solidFill>
+            <a:headEnd w="lg" len="lg"/>
+            <a:tailEnd type="triangle" w="lg" len="lg"/>
+          </a:ln>
+        </p:spPr>
+        <p:style>
+          <a:lnRef idx="1">
+            <a:schemeClr val="accent1"/>
+          </a:lnRef>
+          <a:fillRef idx="0">
+            <a:schemeClr val="accent1"/>
+          </a:fillRef>
+          <a:effectRef idx="0">
+            <a:schemeClr val="accent1"/>
+          </a:effectRef>
+          <a:fontRef idx="minor">
+            <a:schemeClr val="tx1"/>
+          </a:fontRef>
+        </p:style>
+      </p:cxnSp>
+      <p:sp>
+        <p:nvSpPr>
+          <p:cNvPr id="38" name="Oval 37">
+            <a:extLst>
+              <a:ext uri="{FF2B5EF4-FFF2-40B4-BE49-F238E27FC236}">
+                <a16:creationId xmlns:a16="http://schemas.microsoft.com/office/drawing/2014/main" id="{40ABAE23-8723-044D-88B9-2D5A901D8CE2}"/>
+              </a:ext>
+            </a:extLst>
+          </p:cNvPr>
+          <p:cNvSpPr/>
+          <p:nvPr/>
+        </p:nvSpPr>
+        <p:spPr>
+          <a:xfrm>
+            <a:off x="1561476" y="4680683"/>
+            <a:ext cx="674558" cy="652073"/>
+          </a:xfrm>
+          <a:prstGeom prst="ellipse">
+            <a:avLst/>
+          </a:prstGeom>
+          <a:solidFill>
+            <a:srgbClr val="7030A0"/>
+          </a:solidFill>
+          <a:ln>
+            <a:solidFill>
+              <a:schemeClr val="tx1">
+                <a:lumMod val="50000"/>
+              </a:schemeClr>
+            </a:solidFill>
+          </a:ln>
+        </p:spPr>
+        <p:style>
+          <a:lnRef idx="2">
+            <a:schemeClr val="accent1">
+              <a:shade val="50000"/>
+            </a:schemeClr>
+          </a:lnRef>
+          <a:fillRef idx="1">
+            <a:schemeClr val="accent1"/>
+          </a:fillRef>
+          <a:effectRef idx="0">
+            <a:schemeClr val="accent1"/>
+          </a:effectRef>
+          <a:fontRef idx="minor">
+            <a:schemeClr val="lt1"/>
+          </a:fontRef>
+        </p:style>
+        <p:txBody>
+          <a:bodyPr rtlCol="0" anchor="ctr"/>
+          <a:lstStyle/>
+          <a:p>
+            <a:pPr algn="ctr"/>
+            <a:r>
+              <a:rPr lang="en-US" sz="1200" b="1" dirty="0"/>
+              <a:t>L</a:t>
+            </a:r>
+            <a:r>
+              <a:rPr lang="en-US" sz="1200" b="1" baseline="-25000" dirty="0"/>
+              <a:t>3</a:t>
+            </a:r>
+            <a:endParaRPr lang="en-US" sz="1200" b="1" dirty="0"/>
+          </a:p>
+        </p:txBody>
+      </p:sp>
+      <p:sp>
+        <p:nvSpPr>
+          <p:cNvPr id="39" name="Oval 38">
+            <a:extLst>
+              <a:ext uri="{FF2B5EF4-FFF2-40B4-BE49-F238E27FC236}">
+                <a16:creationId xmlns:a16="http://schemas.microsoft.com/office/drawing/2014/main" id="{FBE9C7E1-CC14-B545-800F-842DB0873F57}"/>
+              </a:ext>
+            </a:extLst>
+          </p:cNvPr>
+          <p:cNvSpPr/>
+          <p:nvPr/>
+        </p:nvSpPr>
+        <p:spPr>
+          <a:xfrm>
+            <a:off x="3715063" y="4680683"/>
+            <a:ext cx="674558" cy="652073"/>
+          </a:xfrm>
+          <a:prstGeom prst="ellipse">
+            <a:avLst/>
+          </a:prstGeom>
+          <a:solidFill>
+            <a:srgbClr val="7030A0"/>
+          </a:solidFill>
+          <a:ln>
+            <a:solidFill>
+              <a:schemeClr val="tx1">
+                <a:lumMod val="50000"/>
+              </a:schemeClr>
+            </a:solidFill>
+          </a:ln>
+        </p:spPr>
+        <p:style>
+          <a:lnRef idx="2">
+            <a:schemeClr val="accent1">
+              <a:shade val="50000"/>
+            </a:schemeClr>
+          </a:lnRef>
+          <a:fillRef idx="1">
+            <a:schemeClr val="accent1"/>
+          </a:fillRef>
+          <a:effectRef idx="0">
+            <a:schemeClr val="accent1"/>
+          </a:effectRef>
+          <a:fontRef idx="minor">
+            <a:schemeClr val="lt1"/>
+          </a:fontRef>
+        </p:style>
+        <p:txBody>
+          <a:bodyPr rtlCol="0" anchor="ctr"/>
+          <a:lstStyle/>
+          <a:p>
+            <a:pPr algn="ctr"/>
+            <a:r>
+              <a:rPr lang="en-US" sz="1400" b="1" dirty="0"/>
+              <a:t>A</a:t>
+            </a:r>
+            <a:r>
+              <a:rPr lang="en-US" sz="1400" b="1" baseline="-25000" dirty="0"/>
+              <a:t>3</a:t>
+            </a:r>
+            <a:endParaRPr lang="en-US" sz="1400" b="1" dirty="0"/>
+          </a:p>
+        </p:txBody>
+      </p:sp>
+      <p:sp>
+        <p:nvSpPr>
+          <p:cNvPr id="40" name="Oval 39">
+            <a:extLst>
+              <a:ext uri="{FF2B5EF4-FFF2-40B4-BE49-F238E27FC236}">
+                <a16:creationId xmlns:a16="http://schemas.microsoft.com/office/drawing/2014/main" id="{54BFFD8C-8A2D-314F-B299-4ACABB352370}"/>
+              </a:ext>
+            </a:extLst>
+          </p:cNvPr>
+          <p:cNvSpPr/>
+          <p:nvPr/>
+        </p:nvSpPr>
+        <p:spPr>
+          <a:xfrm>
+            <a:off x="6001063" y="4680682"/>
+            <a:ext cx="674558" cy="652073"/>
+          </a:xfrm>
+          <a:prstGeom prst="ellipse">
+            <a:avLst/>
+          </a:prstGeom>
+          <a:solidFill>
+            <a:srgbClr val="7030A0"/>
+          </a:solidFill>
+          <a:ln>
+            <a:solidFill>
+              <a:schemeClr val="tx1">
+                <a:lumMod val="50000"/>
+              </a:schemeClr>
+            </a:solidFill>
+          </a:ln>
+        </p:spPr>
+        <p:style>
+          <a:lnRef idx="2">
+            <a:schemeClr val="accent1">
+              <a:shade val="50000"/>
+            </a:schemeClr>
+          </a:lnRef>
+          <a:fillRef idx="1">
+            <a:schemeClr val="accent1"/>
+          </a:fillRef>
+          <a:effectRef idx="0">
+            <a:schemeClr val="accent1"/>
+          </a:effectRef>
+          <a:fontRef idx="minor">
+            <a:schemeClr val="lt1"/>
+          </a:fontRef>
+        </p:style>
+        <p:txBody>
+          <a:bodyPr rtlCol="0" anchor="ctr"/>
+          <a:lstStyle/>
+          <a:p>
+            <a:pPr algn="ctr"/>
+            <a:r>
+              <a:rPr lang="en-US" sz="1400" b="1" dirty="0"/>
+              <a:t>Y</a:t>
+            </a:r>
+            <a:r>
+              <a:rPr lang="en-US" sz="1400" b="1" baseline="-25000" dirty="0"/>
+              <a:t>3</a:t>
+            </a:r>
+            <a:endParaRPr lang="en-US" sz="1400" b="1" dirty="0"/>
+          </a:p>
+        </p:txBody>
+      </p:sp>
+      <p:cxnSp>
+        <p:nvCxnSpPr>
+          <p:cNvPr id="41" name="Straight Arrow Connector 40">
+            <a:extLst>
+              <a:ext uri="{FF2B5EF4-FFF2-40B4-BE49-F238E27FC236}">
+                <a16:creationId xmlns:a16="http://schemas.microsoft.com/office/drawing/2014/main" id="{A2AAAE37-97FC-A240-8054-B71462A8E1BF}"/>
+              </a:ext>
+            </a:extLst>
+          </p:cNvPr>
+          <p:cNvCxnSpPr>
+            <a:stCxn id="38" idx="6"/>
+            <a:endCxn id="39" idx="2"/>
+          </p:cNvCxnSpPr>
+          <p:nvPr/>
+        </p:nvCxnSpPr>
+        <p:spPr>
+          <a:xfrm>
+            <a:off x="2236034" y="5006720"/>
+            <a:ext cx="1479029" cy="0"/>
+          </a:xfrm>
+          <a:prstGeom prst="straightConnector1">
+            <a:avLst/>
+          </a:prstGeom>
+          <a:ln w="15875">
+            <a:solidFill>
+              <a:schemeClr val="tx1">
+                <a:lumMod val="50000"/>
+              </a:schemeClr>
+            </a:solidFill>
+            <a:headEnd w="lg" len="lg"/>
+            <a:tailEnd type="triangle" w="lg" len="lg"/>
+          </a:ln>
+        </p:spPr>
+        <p:style>
+          <a:lnRef idx="1">
+            <a:schemeClr val="accent1"/>
+          </a:lnRef>
+          <a:fillRef idx="0">
+            <a:schemeClr val="accent1"/>
+          </a:fillRef>
+          <a:effectRef idx="0">
+            <a:schemeClr val="accent1"/>
+          </a:effectRef>
+          <a:fontRef idx="minor">
+            <a:schemeClr val="tx1"/>
+          </a:fontRef>
+        </p:style>
+      </p:cxnSp>
+      <p:cxnSp>
+        <p:nvCxnSpPr>
+          <p:cNvPr id="42" name="Straight Arrow Connector 41">
+            <a:extLst>
+              <a:ext uri="{FF2B5EF4-FFF2-40B4-BE49-F238E27FC236}">
+                <a16:creationId xmlns:a16="http://schemas.microsoft.com/office/drawing/2014/main" id="{D34A845B-94B6-4645-B203-8017C9700A9E}"/>
+              </a:ext>
+            </a:extLst>
+          </p:cNvPr>
+          <p:cNvCxnSpPr>
+            <a:stCxn id="39" idx="6"/>
+            <a:endCxn id="40" idx="2"/>
+          </p:cNvCxnSpPr>
+          <p:nvPr/>
+        </p:nvCxnSpPr>
+        <p:spPr>
+          <a:xfrm flipV="1">
+            <a:off x="4389621" y="5006719"/>
+            <a:ext cx="1611442" cy="1"/>
+          </a:xfrm>
+          <a:prstGeom prst="straightConnector1">
+            <a:avLst/>
+          </a:prstGeom>
+          <a:ln w="15875">
+            <a:solidFill>
+              <a:schemeClr val="bg1">
+                <a:lumMod val="50000"/>
+                <a:lumOff val="50000"/>
+              </a:schemeClr>
+            </a:solidFill>
+            <a:headEnd w="lg" len="lg"/>
+            <a:tailEnd type="triangle" w="lg" len="lg"/>
+          </a:ln>
+        </p:spPr>
+        <p:style>
+          <a:lnRef idx="1">
+            <a:schemeClr val="accent1"/>
+          </a:lnRef>
+          <a:fillRef idx="0">
+            <a:schemeClr val="accent1"/>
+          </a:fillRef>
+          <a:effectRef idx="0">
+            <a:schemeClr val="accent1"/>
+          </a:effectRef>
+          <a:fontRef idx="minor">
+            <a:schemeClr val="tx1"/>
+          </a:fontRef>
+        </p:style>
+      </p:cxnSp>
+      <p:cxnSp>
+        <p:nvCxnSpPr>
+          <p:cNvPr id="43" name="Curved Connector 42">
+            <a:extLst>
+              <a:ext uri="{FF2B5EF4-FFF2-40B4-BE49-F238E27FC236}">
+                <a16:creationId xmlns:a16="http://schemas.microsoft.com/office/drawing/2014/main" id="{4AED7402-62EE-AC40-872A-66B3B9384F68}"/>
+              </a:ext>
+            </a:extLst>
+          </p:cNvPr>
+          <p:cNvCxnSpPr>
+            <a:stCxn id="38" idx="0"/>
+            <a:endCxn id="40" idx="0"/>
+          </p:cNvCxnSpPr>
+          <p:nvPr/>
+        </p:nvCxnSpPr>
+        <p:spPr>
+          <a:xfrm rot="5400000" flipH="1" flipV="1">
+            <a:off x="4118548" y="2460890"/>
+            <a:ext cx="1" cy="4439587"/>
+          </a:xfrm>
+          <a:prstGeom prst="curvedConnector3">
+            <a:avLst>
+              <a:gd name="adj1" fmla="val 22860100000"/>
+            </a:avLst>
+          </a:prstGeom>
+          <a:ln w="15875">
+            <a:solidFill>
+              <a:schemeClr val="tx1">
+                <a:lumMod val="50000"/>
+              </a:schemeClr>
+            </a:solidFill>
+            <a:headEnd w="lg" len="lg"/>
+            <a:tailEnd type="triangle" w="lg" len="lg"/>
+          </a:ln>
+        </p:spPr>
+        <p:style>
+          <a:lnRef idx="1">
+            <a:schemeClr val="accent1"/>
+          </a:lnRef>
+          <a:fillRef idx="0">
+            <a:schemeClr val="accent1"/>
+          </a:fillRef>
+          <a:effectRef idx="0">
+            <a:schemeClr val="accent1"/>
+          </a:effectRef>
+          <a:fontRef idx="minor">
+            <a:schemeClr val="tx1"/>
+          </a:fontRef>
+        </p:style>
+      </p:cxnSp>
+      <p:pic>
+        <p:nvPicPr>
+          <p:cNvPr id="48" name="Graphic 47" descr="Man">
+            <a:extLst>
+              <a:ext uri="{FF2B5EF4-FFF2-40B4-BE49-F238E27FC236}">
+                <a16:creationId xmlns:a16="http://schemas.microsoft.com/office/drawing/2014/main" id="{E9B4AD2A-E4F0-DF4D-9BB5-2021570CEE35}"/>
+              </a:ext>
+            </a:extLst>
+          </p:cNvPr>
+          <p:cNvPicPr>
+            <a:picLocks noChangeAspect="1"/>
+          </p:cNvPicPr>
+          <p:nvPr/>
+        </p:nvPicPr>
+        <p:blipFill>
+          <a:blip r:embed="rId3">
+            <a:extLst>
+              <a:ext uri="{96DAC541-7B7A-43D3-8B79-37D633B846F1}">
+                <asvg:svgBlip xmlns:asvg="http://schemas.microsoft.com/office/drawing/2016/SVG/main" r:embed="rId4"/>
+              </a:ext>
+            </a:extLst>
+          </a:blip>
+          <a:stretch>
+            <a:fillRect/>
+          </a:stretch>
+        </p:blipFill>
+        <p:spPr>
+          <a:xfrm>
+            <a:off x="9145038" y="2026756"/>
+            <a:ext cx="914400" cy="914400"/>
+          </a:xfrm>
+          <a:prstGeom prst="rect">
+            <a:avLst/>
+          </a:prstGeom>
+        </p:spPr>
+      </p:pic>
+      <p:pic>
+        <p:nvPicPr>
+          <p:cNvPr id="49" name="Graphic 48" descr="Woman with cane">
+            <a:extLst>
+              <a:ext uri="{FF2B5EF4-FFF2-40B4-BE49-F238E27FC236}">
+                <a16:creationId xmlns:a16="http://schemas.microsoft.com/office/drawing/2014/main" id="{624A5400-0C83-4C4A-ABA7-DEFB9E90AFDD}"/>
+              </a:ext>
+            </a:extLst>
+          </p:cNvPr>
+          <p:cNvPicPr>
+            <a:picLocks noChangeAspect="1"/>
+          </p:cNvPicPr>
+          <p:nvPr/>
+        </p:nvPicPr>
+        <p:blipFill>
+          <a:blip r:embed="rId5">
+            <a:extLst>
+              <a:ext uri="{96DAC541-7B7A-43D3-8B79-37D633B846F1}">
+                <asvg:svgBlip xmlns:asvg="http://schemas.microsoft.com/office/drawing/2016/SVG/main" r:embed="rId6"/>
+              </a:ext>
+            </a:extLst>
+          </a:blip>
+          <a:stretch>
+            <a:fillRect/>
+          </a:stretch>
+        </p:blipFill>
+        <p:spPr>
+          <a:xfrm>
+            <a:off x="10440650" y="3150888"/>
+            <a:ext cx="914400" cy="914400"/>
+          </a:xfrm>
+          <a:prstGeom prst="rect">
+            <a:avLst/>
+          </a:prstGeom>
+        </p:spPr>
+      </p:pic>
+      <p:pic>
+        <p:nvPicPr>
+          <p:cNvPr id="50" name="Graphic 49" descr="Pregnant lady">
+            <a:extLst>
+              <a:ext uri="{FF2B5EF4-FFF2-40B4-BE49-F238E27FC236}">
+                <a16:creationId xmlns:a16="http://schemas.microsoft.com/office/drawing/2014/main" id="{61BF750A-75E2-E142-8C98-BACF84E31ADB}"/>
+              </a:ext>
+            </a:extLst>
+          </p:cNvPr>
+          <p:cNvPicPr>
+            <a:picLocks noChangeAspect="1"/>
+          </p:cNvPicPr>
+          <p:nvPr/>
+        </p:nvPicPr>
+        <p:blipFill>
+          <a:blip r:embed="rId7">
+            <a:extLst>
+              <a:ext uri="{96DAC541-7B7A-43D3-8B79-37D633B846F1}">
+                <asvg:svgBlip xmlns:asvg="http://schemas.microsoft.com/office/drawing/2016/SVG/main" r:embed="rId8"/>
+              </a:ext>
+            </a:extLst>
+          </a:blip>
+          <a:stretch>
+            <a:fillRect/>
+          </a:stretch>
+        </p:blipFill>
+        <p:spPr>
+          <a:xfrm>
+            <a:off x="9145038" y="4549517"/>
+            <a:ext cx="914400" cy="914400"/>
+          </a:xfrm>
+          <a:prstGeom prst="rect">
+            <a:avLst/>
+          </a:prstGeom>
+        </p:spPr>
+      </p:pic>
+      <p:cxnSp>
+        <p:nvCxnSpPr>
+          <p:cNvPr id="3" name="Straight Connector 2">
+            <a:extLst>
+              <a:ext uri="{FF2B5EF4-FFF2-40B4-BE49-F238E27FC236}">
+                <a16:creationId xmlns:a16="http://schemas.microsoft.com/office/drawing/2014/main" id="{5BD1A42D-ECD7-8B40-BA3A-EE856D190074}"/>
+              </a:ext>
+            </a:extLst>
+          </p:cNvPr>
+          <p:cNvCxnSpPr/>
+          <p:nvPr/>
+        </p:nvCxnSpPr>
+        <p:spPr>
+          <a:xfrm>
+            <a:off x="9986400" y="2714400"/>
+            <a:ext cx="561600" cy="576000"/>
+          </a:xfrm>
+          <a:prstGeom prst="line">
+            <a:avLst/>
+          </a:prstGeom>
+          <a:ln w="25400">
+            <a:solidFill>
+              <a:schemeClr val="bg1">
+                <a:lumMod val="50000"/>
+                <a:lumOff val="50000"/>
+              </a:schemeClr>
+            </a:solidFill>
+          </a:ln>
+        </p:spPr>
+        <p:style>
+          <a:lnRef idx="1">
+            <a:schemeClr val="accent1"/>
+          </a:lnRef>
+          <a:fillRef idx="0">
+            <a:schemeClr val="accent1"/>
+          </a:fillRef>
+          <a:effectRef idx="0">
+            <a:schemeClr val="accent1"/>
+          </a:effectRef>
+          <a:fontRef idx="minor">
+            <a:schemeClr val="tx1"/>
+          </a:fontRef>
+        </p:style>
+      </p:cxnSp>
+      <p:cxnSp>
+        <p:nvCxnSpPr>
+          <p:cNvPr id="25" name="Straight Connector 24">
+            <a:extLst>
+              <a:ext uri="{FF2B5EF4-FFF2-40B4-BE49-F238E27FC236}">
+                <a16:creationId xmlns:a16="http://schemas.microsoft.com/office/drawing/2014/main" id="{E9AF3E58-2C25-B94E-922F-75C4EDA7B072}"/>
+              </a:ext>
+            </a:extLst>
+          </p:cNvPr>
+          <p:cNvCxnSpPr>
+            <a:cxnSpLocks/>
+          </p:cNvCxnSpPr>
+          <p:nvPr/>
+        </p:nvCxnSpPr>
+        <p:spPr>
+          <a:xfrm flipH="1">
+            <a:off x="9986400" y="4213776"/>
+            <a:ext cx="750625" cy="667824"/>
+          </a:xfrm>
+          <a:prstGeom prst="line">
+            <a:avLst/>
+          </a:prstGeom>
+          <a:ln w="25400">
+            <a:solidFill>
+              <a:schemeClr val="bg1">
+                <a:lumMod val="50000"/>
+                <a:lumOff val="50000"/>
+              </a:schemeClr>
+            </a:solidFill>
+          </a:ln>
+        </p:spPr>
+        <p:style>
+          <a:lnRef idx="1">
+            <a:schemeClr val="accent1"/>
+          </a:lnRef>
+          <a:fillRef idx="0">
+            <a:schemeClr val="accent1"/>
+          </a:fillRef>
+          <a:effectRef idx="0">
+            <a:schemeClr val="accent1"/>
+          </a:effectRef>
+          <a:fontRef idx="minor">
+            <a:schemeClr val="tx1"/>
+          </a:fontRef>
+        </p:style>
+      </p:cxnSp>
+    </p:spTree>
+    <p:extLst>
+      <p:ext uri="{BB962C8B-B14F-4D97-AF65-F5344CB8AC3E}">
+        <p14:creationId xmlns:p14="http://schemas.microsoft.com/office/powerpoint/2010/main" val="1500246229"/>
+      </p:ext>
+    </p:extLst>
+  </p:cSld>
+  <p:clrMapOvr>
+    <a:masterClrMapping/>
+  </p:clrMapOvr>
+</p:sld>
+</file>
+
+<file path=ppt/slides/slide11.xml><?xml version="1.0" encoding="utf-8"?>
+<p:sld xmlns:a="http://schemas.openxmlformats.org/drawingml/2006/main" xmlns:r="http://schemas.openxmlformats.org/officeDocument/2006/relationships" xmlns:p="http://schemas.openxmlformats.org/presentationml/2006/main">
+  <p:cSld>
+    <p:spTree>
+      <p:nvGrpSpPr>
+        <p:cNvPr id="1" name=""/>
+        <p:cNvGrpSpPr/>
+        <p:nvPr/>
+      </p:nvGrpSpPr>
+      <p:grpSpPr>
+        <a:xfrm>
+          <a:off x="0" y="0"/>
+          <a:ext cx="0" cy="0"/>
+          <a:chOff x="0" y="0"/>
+          <a:chExt cx="0" cy="0"/>
+        </a:xfrm>
+      </p:grpSpPr>
+      <p:sp>
+        <p:nvSpPr>
+          <p:cNvPr id="4" name="Oval 3">
+            <a:extLst>
+              <a:ext uri="{FF2B5EF4-FFF2-40B4-BE49-F238E27FC236}">
+                <a16:creationId xmlns:a16="http://schemas.microsoft.com/office/drawing/2014/main" id="{C1BFA66F-668B-1044-8079-71C5BF0A9F70}"/>
+              </a:ext>
+            </a:extLst>
+          </p:cNvPr>
+          <p:cNvSpPr/>
+          <p:nvPr/>
+        </p:nvSpPr>
+        <p:spPr>
+          <a:xfrm>
+            <a:off x="1561476" y="2136097"/>
+            <a:ext cx="674558" cy="652073"/>
+          </a:xfrm>
+          <a:prstGeom prst="ellipse">
+            <a:avLst/>
+          </a:prstGeom>
+          <a:solidFill>
+            <a:srgbClr val="0070C0"/>
+          </a:solidFill>
+          <a:ln>
+            <a:solidFill>
+              <a:schemeClr val="tx1">
+                <a:lumMod val="50000"/>
+              </a:schemeClr>
+            </a:solidFill>
+          </a:ln>
+        </p:spPr>
+        <p:style>
+          <a:lnRef idx="2">
+            <a:schemeClr val="accent1">
+              <a:shade val="50000"/>
+            </a:schemeClr>
+          </a:lnRef>
+          <a:fillRef idx="1">
+            <a:schemeClr val="accent1"/>
+          </a:fillRef>
+          <a:effectRef idx="0">
+            <a:schemeClr val="accent1"/>
+          </a:effectRef>
+          <a:fontRef idx="minor">
+            <a:schemeClr val="lt1"/>
+          </a:fontRef>
+        </p:style>
+        <p:txBody>
+          <a:bodyPr rtlCol="0" anchor="ctr"/>
+          <a:lstStyle/>
+          <a:p>
+            <a:pPr algn="ctr"/>
+            <a:r>
+              <a:rPr lang="en-US" sz="1200" b="1" dirty="0"/>
+              <a:t>L</a:t>
+            </a:r>
+            <a:r>
+              <a:rPr lang="en-US" sz="1200" b="1" baseline="-25000" dirty="0"/>
+              <a:t>1</a:t>
+            </a:r>
+            <a:endParaRPr lang="en-US" sz="1200" b="1" dirty="0"/>
+          </a:p>
+        </p:txBody>
+      </p:sp>
+      <p:sp>
+        <p:nvSpPr>
+          <p:cNvPr id="5" name="Oval 4">
+            <a:extLst>
+              <a:ext uri="{FF2B5EF4-FFF2-40B4-BE49-F238E27FC236}">
+                <a16:creationId xmlns:a16="http://schemas.microsoft.com/office/drawing/2014/main" id="{26B7C5F9-88A2-7A46-AE1F-C9132CDCBEBD}"/>
+              </a:ext>
+            </a:extLst>
+          </p:cNvPr>
+          <p:cNvSpPr/>
+          <p:nvPr/>
+        </p:nvSpPr>
+        <p:spPr>
+          <a:xfrm>
+            <a:off x="3715063" y="2136097"/>
+            <a:ext cx="674558" cy="652073"/>
+          </a:xfrm>
+          <a:prstGeom prst="ellipse">
+            <a:avLst/>
+          </a:prstGeom>
+          <a:solidFill>
+            <a:srgbClr val="0070C0"/>
+          </a:solidFill>
+          <a:ln>
+            <a:solidFill>
+              <a:schemeClr val="tx1">
+                <a:lumMod val="50000"/>
+              </a:schemeClr>
+            </a:solidFill>
+          </a:ln>
+        </p:spPr>
+        <p:style>
+          <a:lnRef idx="2">
+            <a:schemeClr val="accent1">
+              <a:shade val="50000"/>
+            </a:schemeClr>
+          </a:lnRef>
+          <a:fillRef idx="1">
+            <a:schemeClr val="accent1"/>
+          </a:fillRef>
+          <a:effectRef idx="0">
+            <a:schemeClr val="accent1"/>
+          </a:effectRef>
+          <a:fontRef idx="minor">
+            <a:schemeClr val="lt1"/>
+          </a:fontRef>
+        </p:style>
+        <p:txBody>
+          <a:bodyPr rtlCol="0" anchor="ctr"/>
+          <a:lstStyle/>
+          <a:p>
+            <a:pPr algn="ctr"/>
+            <a:r>
+              <a:rPr lang="en-US" sz="1400" b="1" dirty="0"/>
+              <a:t>A</a:t>
+            </a:r>
+            <a:r>
+              <a:rPr lang="en-US" sz="1400" b="1" baseline="-25000" dirty="0"/>
+              <a:t>1</a:t>
+            </a:r>
+            <a:endParaRPr lang="en-US" sz="1400" b="1" dirty="0"/>
+          </a:p>
+        </p:txBody>
+      </p:sp>
+      <p:sp>
+        <p:nvSpPr>
+          <p:cNvPr id="6" name="Oval 5">
+            <a:extLst>
+              <a:ext uri="{FF2B5EF4-FFF2-40B4-BE49-F238E27FC236}">
+                <a16:creationId xmlns:a16="http://schemas.microsoft.com/office/drawing/2014/main" id="{04B1300C-5748-9544-8A69-9A456D296FB0}"/>
+              </a:ext>
+            </a:extLst>
+          </p:cNvPr>
+          <p:cNvSpPr/>
+          <p:nvPr/>
+        </p:nvSpPr>
+        <p:spPr>
+          <a:xfrm>
+            <a:off x="6001063" y="2136096"/>
+            <a:ext cx="674558" cy="652073"/>
+          </a:xfrm>
+          <a:prstGeom prst="ellipse">
+            <a:avLst/>
+          </a:prstGeom>
+          <a:solidFill>
+            <a:srgbClr val="0070C0"/>
+          </a:solidFill>
+          <a:ln>
+            <a:solidFill>
+              <a:schemeClr val="tx1">
+                <a:lumMod val="50000"/>
+              </a:schemeClr>
+            </a:solidFill>
+          </a:ln>
+        </p:spPr>
+        <p:style>
+          <a:lnRef idx="2">
+            <a:schemeClr val="accent1">
+              <a:shade val="50000"/>
+            </a:schemeClr>
+          </a:lnRef>
+          <a:fillRef idx="1">
+            <a:schemeClr val="accent1"/>
+          </a:fillRef>
+          <a:effectRef idx="0">
+            <a:schemeClr val="accent1"/>
+          </a:effectRef>
+          <a:fontRef idx="minor">
+            <a:schemeClr val="lt1"/>
+          </a:fontRef>
+        </p:style>
+        <p:txBody>
+          <a:bodyPr rtlCol="0" anchor="ctr"/>
+          <a:lstStyle/>
+          <a:p>
+            <a:pPr algn="ctr"/>
+            <a:r>
+              <a:rPr lang="en-US" sz="1400" b="1" dirty="0"/>
+              <a:t>Y</a:t>
+            </a:r>
+            <a:r>
+              <a:rPr lang="en-US" sz="1400" b="1" baseline="-25000" dirty="0"/>
+              <a:t>1</a:t>
+            </a:r>
+            <a:endParaRPr lang="en-US" sz="1400" b="1" dirty="0"/>
+          </a:p>
+        </p:txBody>
+      </p:sp>
+      <p:cxnSp>
+        <p:nvCxnSpPr>
+          <p:cNvPr id="8" name="Straight Arrow Connector 7">
+            <a:extLst>
+              <a:ext uri="{FF2B5EF4-FFF2-40B4-BE49-F238E27FC236}">
+                <a16:creationId xmlns:a16="http://schemas.microsoft.com/office/drawing/2014/main" id="{A885ADDE-AFC4-4C42-A004-AE14B21CD203}"/>
+              </a:ext>
+            </a:extLst>
+          </p:cNvPr>
+          <p:cNvCxnSpPr>
+            <a:stCxn id="4" idx="6"/>
+            <a:endCxn id="5" idx="2"/>
+          </p:cNvCxnSpPr>
+          <p:nvPr/>
+        </p:nvCxnSpPr>
+        <p:spPr>
+          <a:xfrm>
+            <a:off x="2236034" y="2462134"/>
+            <a:ext cx="1479029" cy="0"/>
+          </a:xfrm>
+          <a:prstGeom prst="straightConnector1">
+            <a:avLst/>
+          </a:prstGeom>
+          <a:ln w="15875">
+            <a:solidFill>
               <a:schemeClr val="bg1">
                 <a:lumMod val="85000"/>
                 <a:lumOff val="15000"/>
@@ -6858,7 +9086,7 @@
 </p:sld>
 </file>
 
-<file path=ppt/slides/slide11.xml><?xml version="1.0" encoding="utf-8"?>
+<file path=ppt/slides/slide12.xml><?xml version="1.0" encoding="utf-8"?>
 <p:sld xmlns:a="http://schemas.openxmlformats.org/drawingml/2006/main" xmlns:r="http://schemas.openxmlformats.org/officeDocument/2006/relationships" xmlns:p="http://schemas.openxmlformats.org/presentationml/2006/main">
   <p:cSld>
     <p:spTree>
@@ -8505,7 +10733,7 @@
 </p:sld>
 </file>
 
-<file path=ppt/slides/slide12.xml><?xml version="1.0" encoding="utf-8"?>
+<file path=ppt/slides/slide13.xml><?xml version="1.0" encoding="utf-8"?>
 <p:sld xmlns:a="http://schemas.openxmlformats.org/drawingml/2006/main" xmlns:r="http://schemas.openxmlformats.org/officeDocument/2006/relationships" xmlns:p="http://schemas.openxmlformats.org/presentationml/2006/main">
   <p:cSld>
     <p:spTree>
@@ -10352,7 +12580,7 @@
 </p:sld>
 </file>
 
-<file path=ppt/slides/slide13.xml><?xml version="1.0" encoding="utf-8"?>
+<file path=ppt/slides/slide14.xml><?xml version="1.0" encoding="utf-8"?>
 <p:sld xmlns:a="http://schemas.openxmlformats.org/drawingml/2006/main" xmlns:r="http://schemas.openxmlformats.org/officeDocument/2006/relationships" xmlns:p="http://schemas.openxmlformats.org/presentationml/2006/main">
   <p:cSld>
     <p:spTree>
@@ -12491,7 +14719,7 @@
 </p:sld>
 </file>
 
-<file path=ppt/slides/slide14.xml><?xml version="1.0" encoding="utf-8"?>
+<file path=ppt/slides/slide15.xml><?xml version="1.0" encoding="utf-8"?>
 <p:sld xmlns:a="http://schemas.openxmlformats.org/drawingml/2006/main" xmlns:r="http://schemas.openxmlformats.org/officeDocument/2006/relationships" xmlns:p="http://schemas.openxmlformats.org/presentationml/2006/main">
   <p:cSld>
     <p:spTree>
@@ -13391,7 +15619,7 @@
 </p:sld>
 </file>
 
-<file path=ppt/slides/slide15.xml><?xml version="1.0" encoding="utf-8"?>
+<file path=ppt/slides/slide16.xml><?xml version="1.0" encoding="utf-8"?>
 <p:sld xmlns:a="http://schemas.openxmlformats.org/drawingml/2006/main" xmlns:r="http://schemas.openxmlformats.org/officeDocument/2006/relationships" xmlns:p="http://schemas.openxmlformats.org/presentationml/2006/main">
   <p:cSld>
     <p:spTree>
@@ -16372,7 +18600,7 @@
 </p:sld>
 </file>
 
-<file path=ppt/slides/slide16.xml><?xml version="1.0" encoding="utf-8"?>
+<file path=ppt/slides/slide17.xml><?xml version="1.0" encoding="utf-8"?>
 <p:sld xmlns:a="http://schemas.openxmlformats.org/drawingml/2006/main" xmlns:r="http://schemas.openxmlformats.org/officeDocument/2006/relationships" xmlns:p="http://schemas.openxmlformats.org/presentationml/2006/main">
   <p:cSld>
     <p:spTree>
@@ -20254,7 +22482,7 @@
 </p:sld>
 </file>
 
-<file path=ppt/slides/slide17.xml><?xml version="1.0" encoding="utf-8"?>
+<file path=ppt/slides/slide18.xml><?xml version="1.0" encoding="utf-8"?>
 <p:sld xmlns:a="http://schemas.openxmlformats.org/drawingml/2006/main" xmlns:r="http://schemas.openxmlformats.org/officeDocument/2006/relationships" xmlns:p="http://schemas.openxmlformats.org/presentationml/2006/main">
   <p:cSld>
     <p:spTree>
@@ -24040,7 +26268,7 @@
 </p:sld>
 </file>
 
-<file path=ppt/slides/slide18.xml><?xml version="1.0" encoding="utf-8"?>
+<file path=ppt/slides/slide19.xml><?xml version="1.0" encoding="utf-8"?>
 <p:sld xmlns:a="http://schemas.openxmlformats.org/drawingml/2006/main" xmlns:r="http://schemas.openxmlformats.org/officeDocument/2006/relationships" xmlns:p="http://schemas.openxmlformats.org/presentationml/2006/main">
   <p:cSld>
     <p:spTree>
@@ -27877,7 +30105,230 @@
 </p:sld>
 </file>
 
-<file path=ppt/slides/slide19.xml><?xml version="1.0" encoding="utf-8"?>
+<file path=ppt/slides/slide2.xml><?xml version="1.0" encoding="utf-8"?>
+<p:sld xmlns:a="http://schemas.openxmlformats.org/drawingml/2006/main" xmlns:r="http://schemas.openxmlformats.org/officeDocument/2006/relationships" xmlns:p="http://schemas.openxmlformats.org/presentationml/2006/main">
+  <p:cSld>
+    <p:spTree>
+      <p:nvGrpSpPr>
+        <p:cNvPr id="1" name=""/>
+        <p:cNvGrpSpPr/>
+        <p:nvPr/>
+      </p:nvGrpSpPr>
+      <p:grpSpPr>
+        <a:xfrm>
+          <a:off x="0" y="0"/>
+          <a:ext cx="0" cy="0"/>
+          <a:chOff x="0" y="0"/>
+          <a:chExt cx="0" cy="0"/>
+        </a:xfrm>
+      </p:grpSpPr>
+      <p:sp>
+        <p:nvSpPr>
+          <p:cNvPr id="4" name="Rectangle 3">
+            <a:extLst>
+              <a:ext uri="{FF2B5EF4-FFF2-40B4-BE49-F238E27FC236}">
+                <a16:creationId xmlns:a16="http://schemas.microsoft.com/office/drawing/2014/main" id="{CD717B1A-5C8D-1248-B81A-1C461921C05B}"/>
+              </a:ext>
+            </a:extLst>
+          </p:cNvPr>
+          <p:cNvSpPr/>
+          <p:nvPr/>
+        </p:nvSpPr>
+        <p:spPr>
+          <a:xfrm>
+            <a:off x="3574474" y="2559760"/>
+            <a:ext cx="5146980" cy="1678007"/>
+          </a:xfrm>
+          <a:prstGeom prst="rect">
+            <a:avLst/>
+          </a:prstGeom>
+          <a:noFill/>
+          <a:ln>
+            <a:noFill/>
+          </a:ln>
+        </p:spPr>
+        <p:style>
+          <a:lnRef idx="2">
+            <a:schemeClr val="accent1">
+              <a:shade val="50000"/>
+            </a:schemeClr>
+          </a:lnRef>
+          <a:fillRef idx="1">
+            <a:schemeClr val="accent1"/>
+          </a:fillRef>
+          <a:effectRef idx="0">
+            <a:schemeClr val="accent1"/>
+          </a:effectRef>
+          <a:fontRef idx="minor">
+            <a:schemeClr val="lt1"/>
+          </a:fontRef>
+        </p:style>
+        <p:txBody>
+          <a:bodyPr rtlCol="0" anchor="ctr"/>
+          <a:lstStyle/>
+          <a:p>
+            <a:pPr algn="ctr"/>
+            <a:r>
+              <a:rPr lang="en-US" sz="2400" dirty="0">
+                <a:solidFill>
+                  <a:schemeClr val="tx1">
+                    <a:lumMod val="65000"/>
+                  </a:schemeClr>
+                </a:solidFill>
+                <a:latin typeface="Arial" panose="020B0604020202020204" pitchFamily="34" charset="0"/>
+                <a:cs typeface="Arial" panose="020B0604020202020204" pitchFamily="34" charset="0"/>
+              </a:rPr>
+              <a:t>Network Causal Inference</a:t>
+            </a:r>
+          </a:p>
+          <a:p>
+            <a:pPr algn="ctr"/>
+            <a:endParaRPr lang="en-US" sz="3200" b="1" dirty="0">
+              <a:solidFill>
+                <a:schemeClr val="tx1">
+                  <a:lumMod val="65000"/>
+                </a:schemeClr>
+              </a:solidFill>
+              <a:latin typeface="Arial" panose="020B0604020202020204" pitchFamily="34" charset="0"/>
+              <a:cs typeface="Arial" panose="020B0604020202020204" pitchFamily="34" charset="0"/>
+            </a:endParaRPr>
+          </a:p>
+          <a:p>
+            <a:pPr algn="ctr"/>
+            <a:r>
+              <a:rPr lang="en-US" sz="1400" dirty="0">
+                <a:solidFill>
+                  <a:schemeClr val="tx1">
+                    <a:lumMod val="65000"/>
+                  </a:schemeClr>
+                </a:solidFill>
+                <a:latin typeface="Arial" panose="020B0604020202020204" pitchFamily="34" charset="0"/>
+                <a:cs typeface="Arial" panose="020B0604020202020204" pitchFamily="34" charset="0"/>
+              </a:rPr>
+              <a:t>Keletso Makofane, MPH</a:t>
+            </a:r>
+          </a:p>
+          <a:p>
+            <a:pPr algn="ctr"/>
+            <a:endParaRPr lang="en-US" sz="1400" dirty="0">
+              <a:solidFill>
+                <a:schemeClr val="tx1">
+                  <a:lumMod val="65000"/>
+                </a:schemeClr>
+              </a:solidFill>
+              <a:latin typeface="Arial" panose="020B0604020202020204" pitchFamily="34" charset="0"/>
+              <a:cs typeface="Arial" panose="020B0604020202020204" pitchFamily="34" charset="0"/>
+            </a:endParaRPr>
+          </a:p>
+          <a:p>
+            <a:pPr algn="ctr"/>
+            <a:r>
+              <a:rPr lang="en-US" sz="1400" dirty="0">
+                <a:solidFill>
+                  <a:schemeClr val="tx1">
+                    <a:lumMod val="65000"/>
+                  </a:schemeClr>
+                </a:solidFill>
+                <a:latin typeface="Arial" panose="020B0604020202020204" pitchFamily="34" charset="0"/>
+                <a:cs typeface="Arial" panose="020B0604020202020204" pitchFamily="34" charset="0"/>
+              </a:rPr>
+              <a:t>PhD Candidate in Social Epidemiology</a:t>
+            </a:r>
+          </a:p>
+          <a:p>
+            <a:pPr algn="ctr"/>
+            <a:r>
+              <a:rPr lang="en-US" sz="1400" dirty="0">
+                <a:solidFill>
+                  <a:schemeClr val="tx1">
+                    <a:lumMod val="65000"/>
+                  </a:schemeClr>
+                </a:solidFill>
+                <a:latin typeface="Arial" panose="020B0604020202020204" pitchFamily="34" charset="0"/>
+                <a:cs typeface="Arial" panose="020B0604020202020204" pitchFamily="34" charset="0"/>
+              </a:rPr>
+              <a:t>Harvard University</a:t>
+            </a:r>
+          </a:p>
+          <a:p>
+            <a:pPr algn="ctr"/>
+            <a:endParaRPr lang="en-US" sz="1400" b="1" dirty="0">
+              <a:solidFill>
+                <a:schemeClr val="tx1">
+                  <a:lumMod val="65000"/>
+                </a:schemeClr>
+              </a:solidFill>
+              <a:latin typeface="Arial" panose="020B0604020202020204" pitchFamily="34" charset="0"/>
+              <a:cs typeface="Arial" panose="020B0604020202020204" pitchFamily="34" charset="0"/>
+            </a:endParaRPr>
+          </a:p>
+          <a:p>
+            <a:pPr algn="ctr"/>
+            <a:endParaRPr lang="en-US" sz="1400" dirty="0">
+              <a:solidFill>
+                <a:schemeClr val="tx1">
+                  <a:lumMod val="65000"/>
+                </a:schemeClr>
+              </a:solidFill>
+              <a:latin typeface="Arial" panose="020B0604020202020204" pitchFamily="34" charset="0"/>
+              <a:cs typeface="Arial" panose="020B0604020202020204" pitchFamily="34" charset="0"/>
+            </a:endParaRPr>
+          </a:p>
+          <a:p>
+            <a:pPr algn="ctr"/>
+            <a:r>
+              <a:rPr lang="en-US" sz="1400" dirty="0" err="1">
+                <a:solidFill>
+                  <a:schemeClr val="tx1">
+                    <a:lumMod val="65000"/>
+                  </a:schemeClr>
+                </a:solidFill>
+                <a:latin typeface="Arial" panose="020B0604020202020204" pitchFamily="34" charset="0"/>
+                <a:cs typeface="Arial" panose="020B0604020202020204" pitchFamily="34" charset="0"/>
+              </a:rPr>
+              <a:t>www.keletsomakofane.com</a:t>
+            </a:r>
+            <a:endParaRPr lang="en-US" sz="1400" dirty="0">
+              <a:solidFill>
+                <a:schemeClr val="tx1">
+                  <a:lumMod val="65000"/>
+                </a:schemeClr>
+              </a:solidFill>
+              <a:latin typeface="Arial" panose="020B0604020202020204" pitchFamily="34" charset="0"/>
+              <a:cs typeface="Arial" panose="020B0604020202020204" pitchFamily="34" charset="0"/>
+            </a:endParaRPr>
+          </a:p>
+          <a:p>
+            <a:pPr algn="ctr"/>
+            <a:r>
+              <a:rPr lang="en-US" sz="1400" dirty="0">
+                <a:solidFill>
+                  <a:schemeClr val="tx1">
+                    <a:lumMod val="65000"/>
+                  </a:schemeClr>
+                </a:solidFill>
+                <a:latin typeface="Arial" panose="020B0604020202020204" pitchFamily="34" charset="0"/>
+                <a:cs typeface="Arial" panose="020B0604020202020204" pitchFamily="34" charset="0"/>
+              </a:rPr>
+              <a:t>@klts0</a:t>
+            </a:r>
+          </a:p>
+        </p:txBody>
+      </p:sp>
+    </p:spTree>
+    <p:extLst>
+      <p:ext uri="{BB962C8B-B14F-4D97-AF65-F5344CB8AC3E}">
+        <p14:creationId xmlns:p14="http://schemas.microsoft.com/office/powerpoint/2010/main" val="2992488037"/>
+      </p:ext>
+    </p:extLst>
+  </p:cSld>
+  <p:clrMapOvr>
+    <a:masterClrMapping/>
+  </p:clrMapOvr>
+</p:sld>
+</file>
+
+<file path=ppt/slides/slide20.xml><?xml version="1.0" encoding="utf-8"?>
 <p:sld xmlns:a="http://schemas.openxmlformats.org/drawingml/2006/main" xmlns:r="http://schemas.openxmlformats.org/officeDocument/2006/relationships" xmlns:p="http://schemas.openxmlformats.org/presentationml/2006/main">
   <p:cSld>
     <p:spTree>
@@ -29514,7 +31965,7 @@
 </p:sld>
 </file>
 
-<file path=ppt/slides/slide2.xml><?xml version="1.0" encoding="utf-8"?>
+<file path=ppt/slides/slide3.xml><?xml version="1.0" encoding="utf-8"?>
 <p:sld xmlns:a="http://schemas.openxmlformats.org/drawingml/2006/main" xmlns:r="http://schemas.openxmlformats.org/officeDocument/2006/relationships" xmlns:p="http://schemas.openxmlformats.org/presentationml/2006/main">
   <p:cSld>
     <p:spTree>
@@ -29584,7 +32035,7 @@
 </p:sld>
 </file>
 
-<file path=ppt/slides/slide3.xml><?xml version="1.0" encoding="utf-8"?>
+<file path=ppt/slides/slide4.xml><?xml version="1.0" encoding="utf-8"?>
 <p:sld xmlns:a="http://schemas.openxmlformats.org/drawingml/2006/main" xmlns:r="http://schemas.openxmlformats.org/officeDocument/2006/relationships" xmlns:p="http://schemas.openxmlformats.org/presentationml/2006/main">
   <p:cSld>
     <p:spTree>
@@ -29986,7 +32437,7 @@
 </p:sld>
 </file>
 
-<file path=ppt/slides/slide4.xml><?xml version="1.0" encoding="utf-8"?>
+<file path=ppt/slides/slide5.xml><?xml version="1.0" encoding="utf-8"?>
 <p:sld xmlns:a="http://schemas.openxmlformats.org/drawingml/2006/main" xmlns:r="http://schemas.openxmlformats.org/officeDocument/2006/relationships" xmlns:p="http://schemas.openxmlformats.org/presentationml/2006/main">
   <p:cSld>
     <p:spTree>
@@ -31132,7 +33583,7 @@
 </p:sld>
 </file>
 
-<file path=ppt/slides/slide5.xml><?xml version="1.0" encoding="utf-8"?>
+<file path=ppt/slides/slide6.xml><?xml version="1.0" encoding="utf-8"?>
 <p:sld xmlns:a="http://schemas.openxmlformats.org/drawingml/2006/main" xmlns:r="http://schemas.openxmlformats.org/officeDocument/2006/relationships" xmlns:p="http://schemas.openxmlformats.org/presentationml/2006/main">
   <p:cSld>
     <p:spTree>
@@ -33263,7 +35714,7 @@
 </p:sld>
 </file>
 
-<file path=ppt/slides/slide6.xml><?xml version="1.0" encoding="utf-8"?>
+<file path=ppt/slides/slide7.xml><?xml version="1.0" encoding="utf-8"?>
 <p:sld xmlns:a="http://schemas.openxmlformats.org/drawingml/2006/main" xmlns:r="http://schemas.openxmlformats.org/officeDocument/2006/relationships" xmlns:p="http://schemas.openxmlformats.org/presentationml/2006/main">
   <p:cSld>
     <p:spTree>
@@ -36059,7 +38510,7 @@
 </p:sld>
 </file>
 
-<file path=ppt/slides/slide7.xml><?xml version="1.0" encoding="utf-8"?>
+<file path=ppt/slides/slide8.xml><?xml version="1.0" encoding="utf-8"?>
 <p:sld xmlns:a="http://schemas.openxmlformats.org/drawingml/2006/main" xmlns:r="http://schemas.openxmlformats.org/officeDocument/2006/relationships" xmlns:p="http://schemas.openxmlformats.org/presentationml/2006/main">
   <p:cSld>
     <p:spTree>
@@ -36692,7 +39143,7 @@
 </p:sld>
 </file>
 
-<file path=ppt/slides/slide8.xml><?xml version="1.0" encoding="utf-8"?>
+<file path=ppt/slides/slide9.xml><?xml version="1.0" encoding="utf-8"?>
 <p:sld xmlns:a="http://schemas.openxmlformats.org/drawingml/2006/main" xmlns:r="http://schemas.openxmlformats.org/officeDocument/2006/relationships" xmlns:p="http://schemas.openxmlformats.org/presentationml/2006/main">
   <p:cSld>
     <p:spTree>
@@ -36753,1251 +39204,6 @@
     <p:extLst>
       <p:ext uri="{BB962C8B-B14F-4D97-AF65-F5344CB8AC3E}">
         <p14:creationId xmlns:p14="http://schemas.microsoft.com/office/powerpoint/2010/main" val="178185623"/>
-      </p:ext>
-    </p:extLst>
-  </p:cSld>
-  <p:clrMapOvr>
-    <a:masterClrMapping/>
-  </p:clrMapOvr>
-</p:sld>
-</file>
-
-<file path=ppt/slides/slide9.xml><?xml version="1.0" encoding="utf-8"?>
-<p:sld xmlns:a="http://schemas.openxmlformats.org/drawingml/2006/main" xmlns:r="http://schemas.openxmlformats.org/officeDocument/2006/relationships" xmlns:p="http://schemas.openxmlformats.org/presentationml/2006/main">
-  <p:cSld>
-    <p:spTree>
-      <p:nvGrpSpPr>
-        <p:cNvPr id="1" name=""/>
-        <p:cNvGrpSpPr/>
-        <p:nvPr/>
-      </p:nvGrpSpPr>
-      <p:grpSpPr>
-        <a:xfrm>
-          <a:off x="0" y="0"/>
-          <a:ext cx="0" cy="0"/>
-          <a:chOff x="0" y="0"/>
-          <a:chExt cx="0" cy="0"/>
-        </a:xfrm>
-      </p:grpSpPr>
-      <p:sp>
-        <p:nvSpPr>
-          <p:cNvPr id="4" name="Oval 3">
-            <a:extLst>
-              <a:ext uri="{FF2B5EF4-FFF2-40B4-BE49-F238E27FC236}">
-                <a16:creationId xmlns:a16="http://schemas.microsoft.com/office/drawing/2014/main" id="{C1BFA66F-668B-1044-8079-71C5BF0A9F70}"/>
-              </a:ext>
-            </a:extLst>
-          </p:cNvPr>
-          <p:cNvSpPr/>
-          <p:nvPr/>
-        </p:nvSpPr>
-        <p:spPr>
-          <a:xfrm>
-            <a:off x="1561476" y="2136097"/>
-            <a:ext cx="674558" cy="652073"/>
-          </a:xfrm>
-          <a:prstGeom prst="ellipse">
-            <a:avLst/>
-          </a:prstGeom>
-          <a:solidFill>
-            <a:srgbClr val="0070C0"/>
-          </a:solidFill>
-          <a:ln>
-            <a:solidFill>
-              <a:schemeClr val="tx1">
-                <a:lumMod val="50000"/>
-              </a:schemeClr>
-            </a:solidFill>
-          </a:ln>
-        </p:spPr>
-        <p:style>
-          <a:lnRef idx="2">
-            <a:schemeClr val="accent1">
-              <a:shade val="50000"/>
-            </a:schemeClr>
-          </a:lnRef>
-          <a:fillRef idx="1">
-            <a:schemeClr val="accent1"/>
-          </a:fillRef>
-          <a:effectRef idx="0">
-            <a:schemeClr val="accent1"/>
-          </a:effectRef>
-          <a:fontRef idx="minor">
-            <a:schemeClr val="lt1"/>
-          </a:fontRef>
-        </p:style>
-        <p:txBody>
-          <a:bodyPr rtlCol="0" anchor="ctr"/>
-          <a:lstStyle/>
-          <a:p>
-            <a:pPr algn="ctr"/>
-            <a:r>
-              <a:rPr lang="en-US" sz="1200" b="1" dirty="0"/>
-              <a:t>L</a:t>
-            </a:r>
-            <a:r>
-              <a:rPr lang="en-US" sz="1200" b="1" baseline="-25000" dirty="0"/>
-              <a:t>1</a:t>
-            </a:r>
-            <a:endParaRPr lang="en-US" sz="1200" b="1" dirty="0"/>
-          </a:p>
-        </p:txBody>
-      </p:sp>
-      <p:sp>
-        <p:nvSpPr>
-          <p:cNvPr id="5" name="Oval 4">
-            <a:extLst>
-              <a:ext uri="{FF2B5EF4-FFF2-40B4-BE49-F238E27FC236}">
-                <a16:creationId xmlns:a16="http://schemas.microsoft.com/office/drawing/2014/main" id="{26B7C5F9-88A2-7A46-AE1F-C9132CDCBEBD}"/>
-              </a:ext>
-            </a:extLst>
-          </p:cNvPr>
-          <p:cNvSpPr/>
-          <p:nvPr/>
-        </p:nvSpPr>
-        <p:spPr>
-          <a:xfrm>
-            <a:off x="3715063" y="2136097"/>
-            <a:ext cx="674558" cy="652073"/>
-          </a:xfrm>
-          <a:prstGeom prst="ellipse">
-            <a:avLst/>
-          </a:prstGeom>
-          <a:solidFill>
-            <a:srgbClr val="0070C0"/>
-          </a:solidFill>
-          <a:ln>
-            <a:solidFill>
-              <a:schemeClr val="tx1">
-                <a:lumMod val="50000"/>
-              </a:schemeClr>
-            </a:solidFill>
-          </a:ln>
-        </p:spPr>
-        <p:style>
-          <a:lnRef idx="2">
-            <a:schemeClr val="accent1">
-              <a:shade val="50000"/>
-            </a:schemeClr>
-          </a:lnRef>
-          <a:fillRef idx="1">
-            <a:schemeClr val="accent1"/>
-          </a:fillRef>
-          <a:effectRef idx="0">
-            <a:schemeClr val="accent1"/>
-          </a:effectRef>
-          <a:fontRef idx="minor">
-            <a:schemeClr val="lt1"/>
-          </a:fontRef>
-        </p:style>
-        <p:txBody>
-          <a:bodyPr rtlCol="0" anchor="ctr"/>
-          <a:lstStyle/>
-          <a:p>
-            <a:pPr algn="ctr"/>
-            <a:r>
-              <a:rPr lang="en-US" sz="1400" b="1" dirty="0"/>
-              <a:t>A</a:t>
-            </a:r>
-            <a:r>
-              <a:rPr lang="en-US" sz="1400" b="1" baseline="-25000" dirty="0"/>
-              <a:t>1</a:t>
-            </a:r>
-            <a:endParaRPr lang="en-US" sz="1400" b="1" dirty="0"/>
-          </a:p>
-        </p:txBody>
-      </p:sp>
-      <p:sp>
-        <p:nvSpPr>
-          <p:cNvPr id="6" name="Oval 5">
-            <a:extLst>
-              <a:ext uri="{FF2B5EF4-FFF2-40B4-BE49-F238E27FC236}">
-                <a16:creationId xmlns:a16="http://schemas.microsoft.com/office/drawing/2014/main" id="{04B1300C-5748-9544-8A69-9A456D296FB0}"/>
-              </a:ext>
-            </a:extLst>
-          </p:cNvPr>
-          <p:cNvSpPr/>
-          <p:nvPr/>
-        </p:nvSpPr>
-        <p:spPr>
-          <a:xfrm>
-            <a:off x="6001063" y="2136096"/>
-            <a:ext cx="674558" cy="652073"/>
-          </a:xfrm>
-          <a:prstGeom prst="ellipse">
-            <a:avLst/>
-          </a:prstGeom>
-          <a:solidFill>
-            <a:srgbClr val="0070C0"/>
-          </a:solidFill>
-          <a:ln>
-            <a:solidFill>
-              <a:schemeClr val="tx1">
-                <a:lumMod val="50000"/>
-              </a:schemeClr>
-            </a:solidFill>
-          </a:ln>
-        </p:spPr>
-        <p:style>
-          <a:lnRef idx="2">
-            <a:schemeClr val="accent1">
-              <a:shade val="50000"/>
-            </a:schemeClr>
-          </a:lnRef>
-          <a:fillRef idx="1">
-            <a:schemeClr val="accent1"/>
-          </a:fillRef>
-          <a:effectRef idx="0">
-            <a:schemeClr val="accent1"/>
-          </a:effectRef>
-          <a:fontRef idx="minor">
-            <a:schemeClr val="lt1"/>
-          </a:fontRef>
-        </p:style>
-        <p:txBody>
-          <a:bodyPr rtlCol="0" anchor="ctr"/>
-          <a:lstStyle/>
-          <a:p>
-            <a:pPr algn="ctr"/>
-            <a:r>
-              <a:rPr lang="en-US" sz="1400" b="1" dirty="0"/>
-              <a:t>Y</a:t>
-            </a:r>
-            <a:r>
-              <a:rPr lang="en-US" sz="1400" b="1" baseline="-25000" dirty="0"/>
-              <a:t>1</a:t>
-            </a:r>
-            <a:endParaRPr lang="en-US" sz="1400" b="1" dirty="0"/>
-          </a:p>
-        </p:txBody>
-      </p:sp>
-      <p:cxnSp>
-        <p:nvCxnSpPr>
-          <p:cNvPr id="8" name="Straight Arrow Connector 7">
-            <a:extLst>
-              <a:ext uri="{FF2B5EF4-FFF2-40B4-BE49-F238E27FC236}">
-                <a16:creationId xmlns:a16="http://schemas.microsoft.com/office/drawing/2014/main" id="{A885ADDE-AFC4-4C42-A004-AE14B21CD203}"/>
-              </a:ext>
-            </a:extLst>
-          </p:cNvPr>
-          <p:cNvCxnSpPr>
-            <a:stCxn id="4" idx="6"/>
-            <a:endCxn id="5" idx="2"/>
-          </p:cNvCxnSpPr>
-          <p:nvPr/>
-        </p:nvCxnSpPr>
-        <p:spPr>
-          <a:xfrm>
-            <a:off x="2236034" y="2462134"/>
-            <a:ext cx="1479029" cy="0"/>
-          </a:xfrm>
-          <a:prstGeom prst="straightConnector1">
-            <a:avLst/>
-          </a:prstGeom>
-          <a:ln w="15875">
-            <a:solidFill>
-              <a:schemeClr val="tx1">
-                <a:lumMod val="50000"/>
-              </a:schemeClr>
-            </a:solidFill>
-            <a:headEnd w="lg" len="lg"/>
-            <a:tailEnd type="triangle" w="lg" len="lg"/>
-          </a:ln>
-        </p:spPr>
-        <p:style>
-          <a:lnRef idx="1">
-            <a:schemeClr val="accent1"/>
-          </a:lnRef>
-          <a:fillRef idx="0">
-            <a:schemeClr val="accent1"/>
-          </a:fillRef>
-          <a:effectRef idx="0">
-            <a:schemeClr val="accent1"/>
-          </a:effectRef>
-          <a:fontRef idx="minor">
-            <a:schemeClr val="tx1"/>
-          </a:fontRef>
-        </p:style>
-      </p:cxnSp>
-      <p:cxnSp>
-        <p:nvCxnSpPr>
-          <p:cNvPr id="10" name="Straight Arrow Connector 9">
-            <a:extLst>
-              <a:ext uri="{FF2B5EF4-FFF2-40B4-BE49-F238E27FC236}">
-                <a16:creationId xmlns:a16="http://schemas.microsoft.com/office/drawing/2014/main" id="{A65EF20A-851F-D84E-9F83-DCA465D9F64D}"/>
-              </a:ext>
-            </a:extLst>
-          </p:cNvPr>
-          <p:cNvCxnSpPr>
-            <a:stCxn id="5" idx="6"/>
-            <a:endCxn id="6" idx="2"/>
-          </p:cNvCxnSpPr>
-          <p:nvPr/>
-        </p:nvCxnSpPr>
-        <p:spPr>
-          <a:xfrm flipV="1">
-            <a:off x="4389621" y="2462133"/>
-            <a:ext cx="1611442" cy="1"/>
-          </a:xfrm>
-          <a:prstGeom prst="straightConnector1">
-            <a:avLst/>
-          </a:prstGeom>
-          <a:ln w="15875">
-            <a:solidFill>
-              <a:schemeClr val="bg1">
-                <a:lumMod val="50000"/>
-                <a:lumOff val="50000"/>
-              </a:schemeClr>
-            </a:solidFill>
-            <a:headEnd w="lg" len="lg"/>
-            <a:tailEnd type="triangle" w="lg" len="lg"/>
-          </a:ln>
-        </p:spPr>
-        <p:style>
-          <a:lnRef idx="1">
-            <a:schemeClr val="accent1"/>
-          </a:lnRef>
-          <a:fillRef idx="0">
-            <a:schemeClr val="accent1"/>
-          </a:fillRef>
-          <a:effectRef idx="0">
-            <a:schemeClr val="accent1"/>
-          </a:effectRef>
-          <a:fontRef idx="minor">
-            <a:schemeClr val="tx1"/>
-          </a:fontRef>
-        </p:style>
-      </p:cxnSp>
-      <p:cxnSp>
-        <p:nvCxnSpPr>
-          <p:cNvPr id="20" name="Curved Connector 19">
-            <a:extLst>
-              <a:ext uri="{FF2B5EF4-FFF2-40B4-BE49-F238E27FC236}">
-                <a16:creationId xmlns:a16="http://schemas.microsoft.com/office/drawing/2014/main" id="{457E3962-76A8-D04B-B89E-7EF46E8426FE}"/>
-              </a:ext>
-            </a:extLst>
-          </p:cNvPr>
-          <p:cNvCxnSpPr>
-            <a:stCxn id="4" idx="0"/>
-            <a:endCxn id="6" idx="0"/>
-          </p:cNvCxnSpPr>
-          <p:nvPr/>
-        </p:nvCxnSpPr>
-        <p:spPr>
-          <a:xfrm rot="5400000" flipH="1" flipV="1">
-            <a:off x="4118548" y="-83696"/>
-            <a:ext cx="1" cy="4439587"/>
-          </a:xfrm>
-          <a:prstGeom prst="curvedConnector3">
-            <a:avLst>
-              <a:gd name="adj1" fmla="val 22860100000"/>
-            </a:avLst>
-          </a:prstGeom>
-          <a:ln w="15875">
-            <a:solidFill>
-              <a:schemeClr val="tx1">
-                <a:lumMod val="50000"/>
-              </a:schemeClr>
-            </a:solidFill>
-            <a:headEnd w="lg" len="lg"/>
-            <a:tailEnd type="triangle" w="lg" len="lg"/>
-          </a:ln>
-        </p:spPr>
-        <p:style>
-          <a:lnRef idx="1">
-            <a:schemeClr val="accent1"/>
-          </a:lnRef>
-          <a:fillRef idx="0">
-            <a:schemeClr val="accent1"/>
-          </a:fillRef>
-          <a:effectRef idx="0">
-            <a:schemeClr val="accent1"/>
-          </a:effectRef>
-          <a:fontRef idx="minor">
-            <a:schemeClr val="tx1"/>
-          </a:fontRef>
-        </p:style>
-      </p:cxnSp>
-      <p:sp>
-        <p:nvSpPr>
-          <p:cNvPr id="32" name="Oval 31">
-            <a:extLst>
-              <a:ext uri="{FF2B5EF4-FFF2-40B4-BE49-F238E27FC236}">
-                <a16:creationId xmlns:a16="http://schemas.microsoft.com/office/drawing/2014/main" id="{8F8D22E1-BD74-C344-9E92-256C4F7B2F1A}"/>
-              </a:ext>
-            </a:extLst>
-          </p:cNvPr>
-          <p:cNvSpPr/>
-          <p:nvPr/>
-        </p:nvSpPr>
-        <p:spPr>
-          <a:xfrm>
-            <a:off x="1561476" y="3408390"/>
-            <a:ext cx="674558" cy="652073"/>
-          </a:xfrm>
-          <a:prstGeom prst="ellipse">
-            <a:avLst/>
-          </a:prstGeom>
-          <a:solidFill>
-            <a:schemeClr val="accent6"/>
-          </a:solidFill>
-          <a:ln>
-            <a:solidFill>
-              <a:schemeClr val="tx1">
-                <a:lumMod val="50000"/>
-              </a:schemeClr>
-            </a:solidFill>
-          </a:ln>
-        </p:spPr>
-        <p:style>
-          <a:lnRef idx="2">
-            <a:schemeClr val="accent1">
-              <a:shade val="50000"/>
-            </a:schemeClr>
-          </a:lnRef>
-          <a:fillRef idx="1">
-            <a:schemeClr val="accent1"/>
-          </a:fillRef>
-          <a:effectRef idx="0">
-            <a:schemeClr val="accent1"/>
-          </a:effectRef>
-          <a:fontRef idx="minor">
-            <a:schemeClr val="lt1"/>
-          </a:fontRef>
-        </p:style>
-        <p:txBody>
-          <a:bodyPr rtlCol="0" anchor="ctr"/>
-          <a:lstStyle/>
-          <a:p>
-            <a:pPr algn="ctr"/>
-            <a:r>
-              <a:rPr lang="en-US" sz="1200" b="1" dirty="0"/>
-              <a:t>L</a:t>
-            </a:r>
-            <a:r>
-              <a:rPr lang="en-US" sz="1200" b="1" baseline="-25000" dirty="0"/>
-              <a:t>2</a:t>
-            </a:r>
-            <a:endParaRPr lang="en-US" sz="1200" b="1" dirty="0"/>
-          </a:p>
-        </p:txBody>
-      </p:sp>
-      <p:sp>
-        <p:nvSpPr>
-          <p:cNvPr id="33" name="Oval 32">
-            <a:extLst>
-              <a:ext uri="{FF2B5EF4-FFF2-40B4-BE49-F238E27FC236}">
-                <a16:creationId xmlns:a16="http://schemas.microsoft.com/office/drawing/2014/main" id="{692A2CF4-F284-6343-9DC2-2C2A6A2E9E34}"/>
-              </a:ext>
-            </a:extLst>
-          </p:cNvPr>
-          <p:cNvSpPr/>
-          <p:nvPr/>
-        </p:nvSpPr>
-        <p:spPr>
-          <a:xfrm>
-            <a:off x="3715063" y="3408390"/>
-            <a:ext cx="674558" cy="652073"/>
-          </a:xfrm>
-          <a:prstGeom prst="ellipse">
-            <a:avLst/>
-          </a:prstGeom>
-          <a:solidFill>
-            <a:schemeClr val="accent6"/>
-          </a:solidFill>
-          <a:ln>
-            <a:solidFill>
-              <a:schemeClr val="tx1">
-                <a:lumMod val="50000"/>
-              </a:schemeClr>
-            </a:solidFill>
-          </a:ln>
-        </p:spPr>
-        <p:style>
-          <a:lnRef idx="2">
-            <a:schemeClr val="accent1">
-              <a:shade val="50000"/>
-            </a:schemeClr>
-          </a:lnRef>
-          <a:fillRef idx="1">
-            <a:schemeClr val="accent1"/>
-          </a:fillRef>
-          <a:effectRef idx="0">
-            <a:schemeClr val="accent1"/>
-          </a:effectRef>
-          <a:fontRef idx="minor">
-            <a:schemeClr val="lt1"/>
-          </a:fontRef>
-        </p:style>
-        <p:txBody>
-          <a:bodyPr rtlCol="0" anchor="ctr"/>
-          <a:lstStyle/>
-          <a:p>
-            <a:pPr algn="ctr"/>
-            <a:r>
-              <a:rPr lang="en-US" sz="1400" b="1" dirty="0"/>
-              <a:t>A</a:t>
-            </a:r>
-            <a:r>
-              <a:rPr lang="en-US" sz="1400" b="1" baseline="-25000" dirty="0"/>
-              <a:t>2</a:t>
-            </a:r>
-            <a:endParaRPr lang="en-US" sz="1400" b="1" dirty="0"/>
-          </a:p>
-        </p:txBody>
-      </p:sp>
-      <p:sp>
-        <p:nvSpPr>
-          <p:cNvPr id="34" name="Oval 33">
-            <a:extLst>
-              <a:ext uri="{FF2B5EF4-FFF2-40B4-BE49-F238E27FC236}">
-                <a16:creationId xmlns:a16="http://schemas.microsoft.com/office/drawing/2014/main" id="{CBD2311A-19DA-8B43-AB9C-C4A9DDD0041F}"/>
-              </a:ext>
-            </a:extLst>
-          </p:cNvPr>
-          <p:cNvSpPr/>
-          <p:nvPr/>
-        </p:nvSpPr>
-        <p:spPr>
-          <a:xfrm>
-            <a:off x="6001063" y="3408389"/>
-            <a:ext cx="674558" cy="652073"/>
-          </a:xfrm>
-          <a:prstGeom prst="ellipse">
-            <a:avLst/>
-          </a:prstGeom>
-          <a:solidFill>
-            <a:schemeClr val="accent6"/>
-          </a:solidFill>
-          <a:ln>
-            <a:solidFill>
-              <a:schemeClr val="tx1">
-                <a:lumMod val="50000"/>
-              </a:schemeClr>
-            </a:solidFill>
-          </a:ln>
-        </p:spPr>
-        <p:style>
-          <a:lnRef idx="2">
-            <a:schemeClr val="accent1">
-              <a:shade val="50000"/>
-            </a:schemeClr>
-          </a:lnRef>
-          <a:fillRef idx="1">
-            <a:schemeClr val="accent1"/>
-          </a:fillRef>
-          <a:effectRef idx="0">
-            <a:schemeClr val="accent1"/>
-          </a:effectRef>
-          <a:fontRef idx="minor">
-            <a:schemeClr val="lt1"/>
-          </a:fontRef>
-        </p:style>
-        <p:txBody>
-          <a:bodyPr rtlCol="0" anchor="ctr"/>
-          <a:lstStyle/>
-          <a:p>
-            <a:pPr algn="ctr"/>
-            <a:r>
-              <a:rPr lang="en-US" sz="1400" b="1" dirty="0"/>
-              <a:t>Y</a:t>
-            </a:r>
-            <a:r>
-              <a:rPr lang="en-US" sz="1400" b="1" baseline="-25000" dirty="0"/>
-              <a:t>2</a:t>
-            </a:r>
-            <a:endParaRPr lang="en-US" sz="1400" b="1" dirty="0"/>
-          </a:p>
-        </p:txBody>
-      </p:sp>
-      <p:cxnSp>
-        <p:nvCxnSpPr>
-          <p:cNvPr id="35" name="Straight Arrow Connector 34">
-            <a:extLst>
-              <a:ext uri="{FF2B5EF4-FFF2-40B4-BE49-F238E27FC236}">
-                <a16:creationId xmlns:a16="http://schemas.microsoft.com/office/drawing/2014/main" id="{20545845-D76D-8F42-B14B-AC9BA54B5AB7}"/>
-              </a:ext>
-            </a:extLst>
-          </p:cNvPr>
-          <p:cNvCxnSpPr>
-            <a:stCxn id="32" idx="6"/>
-            <a:endCxn id="33" idx="2"/>
-          </p:cNvCxnSpPr>
-          <p:nvPr/>
-        </p:nvCxnSpPr>
-        <p:spPr>
-          <a:xfrm>
-            <a:off x="2236034" y="3734427"/>
-            <a:ext cx="1479029" cy="0"/>
-          </a:xfrm>
-          <a:prstGeom prst="straightConnector1">
-            <a:avLst/>
-          </a:prstGeom>
-          <a:ln w="15875">
-            <a:solidFill>
-              <a:schemeClr val="tx1">
-                <a:lumMod val="50000"/>
-              </a:schemeClr>
-            </a:solidFill>
-            <a:headEnd w="lg" len="lg"/>
-            <a:tailEnd type="triangle" w="lg" len="lg"/>
-          </a:ln>
-        </p:spPr>
-        <p:style>
-          <a:lnRef idx="1">
-            <a:schemeClr val="accent1"/>
-          </a:lnRef>
-          <a:fillRef idx="0">
-            <a:schemeClr val="accent1"/>
-          </a:fillRef>
-          <a:effectRef idx="0">
-            <a:schemeClr val="accent1"/>
-          </a:effectRef>
-          <a:fontRef idx="minor">
-            <a:schemeClr val="tx1"/>
-          </a:fontRef>
-        </p:style>
-      </p:cxnSp>
-      <p:cxnSp>
-        <p:nvCxnSpPr>
-          <p:cNvPr id="36" name="Straight Arrow Connector 35">
-            <a:extLst>
-              <a:ext uri="{FF2B5EF4-FFF2-40B4-BE49-F238E27FC236}">
-                <a16:creationId xmlns:a16="http://schemas.microsoft.com/office/drawing/2014/main" id="{9CE581BD-EC71-EC40-9835-2253B9E62C56}"/>
-              </a:ext>
-            </a:extLst>
-          </p:cNvPr>
-          <p:cNvCxnSpPr>
-            <a:stCxn id="33" idx="6"/>
-            <a:endCxn id="34" idx="2"/>
-          </p:cNvCxnSpPr>
-          <p:nvPr/>
-        </p:nvCxnSpPr>
-        <p:spPr>
-          <a:xfrm flipV="1">
-            <a:off x="4389621" y="3734426"/>
-            <a:ext cx="1611442" cy="1"/>
-          </a:xfrm>
-          <a:prstGeom prst="straightConnector1">
-            <a:avLst/>
-          </a:prstGeom>
-          <a:ln w="15875">
-            <a:solidFill>
-              <a:schemeClr val="bg1">
-                <a:lumMod val="50000"/>
-                <a:lumOff val="50000"/>
-              </a:schemeClr>
-            </a:solidFill>
-            <a:headEnd w="lg" len="lg"/>
-            <a:tailEnd type="triangle" w="lg" len="lg"/>
-          </a:ln>
-        </p:spPr>
-        <p:style>
-          <a:lnRef idx="1">
-            <a:schemeClr val="accent1"/>
-          </a:lnRef>
-          <a:fillRef idx="0">
-            <a:schemeClr val="accent1"/>
-          </a:fillRef>
-          <a:effectRef idx="0">
-            <a:schemeClr val="accent1"/>
-          </a:effectRef>
-          <a:fontRef idx="minor">
-            <a:schemeClr val="tx1"/>
-          </a:fontRef>
-        </p:style>
-      </p:cxnSp>
-      <p:cxnSp>
-        <p:nvCxnSpPr>
-          <p:cNvPr id="37" name="Curved Connector 36">
-            <a:extLst>
-              <a:ext uri="{FF2B5EF4-FFF2-40B4-BE49-F238E27FC236}">
-                <a16:creationId xmlns:a16="http://schemas.microsoft.com/office/drawing/2014/main" id="{E1514C85-444D-A348-A8DB-BFEB4A818D59}"/>
-              </a:ext>
-            </a:extLst>
-          </p:cNvPr>
-          <p:cNvCxnSpPr>
-            <a:stCxn id="32" idx="0"/>
-            <a:endCxn id="34" idx="0"/>
-          </p:cNvCxnSpPr>
-          <p:nvPr/>
-        </p:nvCxnSpPr>
-        <p:spPr>
-          <a:xfrm rot="5400000" flipH="1" flipV="1">
-            <a:off x="4118548" y="1188597"/>
-            <a:ext cx="1" cy="4439587"/>
-          </a:xfrm>
-          <a:prstGeom prst="curvedConnector3">
-            <a:avLst>
-              <a:gd name="adj1" fmla="val 22860100000"/>
-            </a:avLst>
-          </a:prstGeom>
-          <a:ln w="15875">
-            <a:solidFill>
-              <a:schemeClr val="tx1">
-                <a:lumMod val="50000"/>
-              </a:schemeClr>
-            </a:solidFill>
-            <a:headEnd w="lg" len="lg"/>
-            <a:tailEnd type="triangle" w="lg" len="lg"/>
-          </a:ln>
-        </p:spPr>
-        <p:style>
-          <a:lnRef idx="1">
-            <a:schemeClr val="accent1"/>
-          </a:lnRef>
-          <a:fillRef idx="0">
-            <a:schemeClr val="accent1"/>
-          </a:fillRef>
-          <a:effectRef idx="0">
-            <a:schemeClr val="accent1"/>
-          </a:effectRef>
-          <a:fontRef idx="minor">
-            <a:schemeClr val="tx1"/>
-          </a:fontRef>
-        </p:style>
-      </p:cxnSp>
-      <p:sp>
-        <p:nvSpPr>
-          <p:cNvPr id="38" name="Oval 37">
-            <a:extLst>
-              <a:ext uri="{FF2B5EF4-FFF2-40B4-BE49-F238E27FC236}">
-                <a16:creationId xmlns:a16="http://schemas.microsoft.com/office/drawing/2014/main" id="{40ABAE23-8723-044D-88B9-2D5A901D8CE2}"/>
-              </a:ext>
-            </a:extLst>
-          </p:cNvPr>
-          <p:cNvSpPr/>
-          <p:nvPr/>
-        </p:nvSpPr>
-        <p:spPr>
-          <a:xfrm>
-            <a:off x="1561476" y="4680683"/>
-            <a:ext cx="674558" cy="652073"/>
-          </a:xfrm>
-          <a:prstGeom prst="ellipse">
-            <a:avLst/>
-          </a:prstGeom>
-          <a:solidFill>
-            <a:srgbClr val="7030A0"/>
-          </a:solidFill>
-          <a:ln>
-            <a:solidFill>
-              <a:schemeClr val="tx1">
-                <a:lumMod val="50000"/>
-              </a:schemeClr>
-            </a:solidFill>
-          </a:ln>
-        </p:spPr>
-        <p:style>
-          <a:lnRef idx="2">
-            <a:schemeClr val="accent1">
-              <a:shade val="50000"/>
-            </a:schemeClr>
-          </a:lnRef>
-          <a:fillRef idx="1">
-            <a:schemeClr val="accent1"/>
-          </a:fillRef>
-          <a:effectRef idx="0">
-            <a:schemeClr val="accent1"/>
-          </a:effectRef>
-          <a:fontRef idx="minor">
-            <a:schemeClr val="lt1"/>
-          </a:fontRef>
-        </p:style>
-        <p:txBody>
-          <a:bodyPr rtlCol="0" anchor="ctr"/>
-          <a:lstStyle/>
-          <a:p>
-            <a:pPr algn="ctr"/>
-            <a:r>
-              <a:rPr lang="en-US" sz="1200" b="1" dirty="0"/>
-              <a:t>L</a:t>
-            </a:r>
-            <a:r>
-              <a:rPr lang="en-US" sz="1200" b="1" baseline="-25000" dirty="0"/>
-              <a:t>3</a:t>
-            </a:r>
-            <a:endParaRPr lang="en-US" sz="1200" b="1" dirty="0"/>
-          </a:p>
-        </p:txBody>
-      </p:sp>
-      <p:sp>
-        <p:nvSpPr>
-          <p:cNvPr id="39" name="Oval 38">
-            <a:extLst>
-              <a:ext uri="{FF2B5EF4-FFF2-40B4-BE49-F238E27FC236}">
-                <a16:creationId xmlns:a16="http://schemas.microsoft.com/office/drawing/2014/main" id="{FBE9C7E1-CC14-B545-800F-842DB0873F57}"/>
-              </a:ext>
-            </a:extLst>
-          </p:cNvPr>
-          <p:cNvSpPr/>
-          <p:nvPr/>
-        </p:nvSpPr>
-        <p:spPr>
-          <a:xfrm>
-            <a:off x="3715063" y="4680683"/>
-            <a:ext cx="674558" cy="652073"/>
-          </a:xfrm>
-          <a:prstGeom prst="ellipse">
-            <a:avLst/>
-          </a:prstGeom>
-          <a:solidFill>
-            <a:srgbClr val="7030A0"/>
-          </a:solidFill>
-          <a:ln>
-            <a:solidFill>
-              <a:schemeClr val="tx1">
-                <a:lumMod val="50000"/>
-              </a:schemeClr>
-            </a:solidFill>
-          </a:ln>
-        </p:spPr>
-        <p:style>
-          <a:lnRef idx="2">
-            <a:schemeClr val="accent1">
-              <a:shade val="50000"/>
-            </a:schemeClr>
-          </a:lnRef>
-          <a:fillRef idx="1">
-            <a:schemeClr val="accent1"/>
-          </a:fillRef>
-          <a:effectRef idx="0">
-            <a:schemeClr val="accent1"/>
-          </a:effectRef>
-          <a:fontRef idx="minor">
-            <a:schemeClr val="lt1"/>
-          </a:fontRef>
-        </p:style>
-        <p:txBody>
-          <a:bodyPr rtlCol="0" anchor="ctr"/>
-          <a:lstStyle/>
-          <a:p>
-            <a:pPr algn="ctr"/>
-            <a:r>
-              <a:rPr lang="en-US" sz="1400" b="1" dirty="0"/>
-              <a:t>A</a:t>
-            </a:r>
-            <a:r>
-              <a:rPr lang="en-US" sz="1400" b="1" baseline="-25000" dirty="0"/>
-              <a:t>3</a:t>
-            </a:r>
-            <a:endParaRPr lang="en-US" sz="1400" b="1" dirty="0"/>
-          </a:p>
-        </p:txBody>
-      </p:sp>
-      <p:sp>
-        <p:nvSpPr>
-          <p:cNvPr id="40" name="Oval 39">
-            <a:extLst>
-              <a:ext uri="{FF2B5EF4-FFF2-40B4-BE49-F238E27FC236}">
-                <a16:creationId xmlns:a16="http://schemas.microsoft.com/office/drawing/2014/main" id="{54BFFD8C-8A2D-314F-B299-4ACABB352370}"/>
-              </a:ext>
-            </a:extLst>
-          </p:cNvPr>
-          <p:cNvSpPr/>
-          <p:nvPr/>
-        </p:nvSpPr>
-        <p:spPr>
-          <a:xfrm>
-            <a:off x="6001063" y="4680682"/>
-            <a:ext cx="674558" cy="652073"/>
-          </a:xfrm>
-          <a:prstGeom prst="ellipse">
-            <a:avLst/>
-          </a:prstGeom>
-          <a:solidFill>
-            <a:srgbClr val="7030A0"/>
-          </a:solidFill>
-          <a:ln>
-            <a:solidFill>
-              <a:schemeClr val="tx1">
-                <a:lumMod val="50000"/>
-              </a:schemeClr>
-            </a:solidFill>
-          </a:ln>
-        </p:spPr>
-        <p:style>
-          <a:lnRef idx="2">
-            <a:schemeClr val="accent1">
-              <a:shade val="50000"/>
-            </a:schemeClr>
-          </a:lnRef>
-          <a:fillRef idx="1">
-            <a:schemeClr val="accent1"/>
-          </a:fillRef>
-          <a:effectRef idx="0">
-            <a:schemeClr val="accent1"/>
-          </a:effectRef>
-          <a:fontRef idx="minor">
-            <a:schemeClr val="lt1"/>
-          </a:fontRef>
-        </p:style>
-        <p:txBody>
-          <a:bodyPr rtlCol="0" anchor="ctr"/>
-          <a:lstStyle/>
-          <a:p>
-            <a:pPr algn="ctr"/>
-            <a:r>
-              <a:rPr lang="en-US" sz="1400" b="1" dirty="0"/>
-              <a:t>Y</a:t>
-            </a:r>
-            <a:r>
-              <a:rPr lang="en-US" sz="1400" b="1" baseline="-25000" dirty="0"/>
-              <a:t>3</a:t>
-            </a:r>
-            <a:endParaRPr lang="en-US" sz="1400" b="1" dirty="0"/>
-          </a:p>
-        </p:txBody>
-      </p:sp>
-      <p:cxnSp>
-        <p:nvCxnSpPr>
-          <p:cNvPr id="41" name="Straight Arrow Connector 40">
-            <a:extLst>
-              <a:ext uri="{FF2B5EF4-FFF2-40B4-BE49-F238E27FC236}">
-                <a16:creationId xmlns:a16="http://schemas.microsoft.com/office/drawing/2014/main" id="{A2AAAE37-97FC-A240-8054-B71462A8E1BF}"/>
-              </a:ext>
-            </a:extLst>
-          </p:cNvPr>
-          <p:cNvCxnSpPr>
-            <a:stCxn id="38" idx="6"/>
-            <a:endCxn id="39" idx="2"/>
-          </p:cNvCxnSpPr>
-          <p:nvPr/>
-        </p:nvCxnSpPr>
-        <p:spPr>
-          <a:xfrm>
-            <a:off x="2236034" y="5006720"/>
-            <a:ext cx="1479029" cy="0"/>
-          </a:xfrm>
-          <a:prstGeom prst="straightConnector1">
-            <a:avLst/>
-          </a:prstGeom>
-          <a:ln w="15875">
-            <a:solidFill>
-              <a:schemeClr val="tx1">
-                <a:lumMod val="50000"/>
-              </a:schemeClr>
-            </a:solidFill>
-            <a:headEnd w="lg" len="lg"/>
-            <a:tailEnd type="triangle" w="lg" len="lg"/>
-          </a:ln>
-        </p:spPr>
-        <p:style>
-          <a:lnRef idx="1">
-            <a:schemeClr val="accent1"/>
-          </a:lnRef>
-          <a:fillRef idx="0">
-            <a:schemeClr val="accent1"/>
-          </a:fillRef>
-          <a:effectRef idx="0">
-            <a:schemeClr val="accent1"/>
-          </a:effectRef>
-          <a:fontRef idx="minor">
-            <a:schemeClr val="tx1"/>
-          </a:fontRef>
-        </p:style>
-      </p:cxnSp>
-      <p:cxnSp>
-        <p:nvCxnSpPr>
-          <p:cNvPr id="42" name="Straight Arrow Connector 41">
-            <a:extLst>
-              <a:ext uri="{FF2B5EF4-FFF2-40B4-BE49-F238E27FC236}">
-                <a16:creationId xmlns:a16="http://schemas.microsoft.com/office/drawing/2014/main" id="{D34A845B-94B6-4645-B203-8017C9700A9E}"/>
-              </a:ext>
-            </a:extLst>
-          </p:cNvPr>
-          <p:cNvCxnSpPr>
-            <a:stCxn id="39" idx="6"/>
-            <a:endCxn id="40" idx="2"/>
-          </p:cNvCxnSpPr>
-          <p:nvPr/>
-        </p:nvCxnSpPr>
-        <p:spPr>
-          <a:xfrm flipV="1">
-            <a:off x="4389621" y="5006719"/>
-            <a:ext cx="1611442" cy="1"/>
-          </a:xfrm>
-          <a:prstGeom prst="straightConnector1">
-            <a:avLst/>
-          </a:prstGeom>
-          <a:ln w="15875">
-            <a:solidFill>
-              <a:schemeClr val="bg1">
-                <a:lumMod val="50000"/>
-                <a:lumOff val="50000"/>
-              </a:schemeClr>
-            </a:solidFill>
-            <a:headEnd w="lg" len="lg"/>
-            <a:tailEnd type="triangle" w="lg" len="lg"/>
-          </a:ln>
-        </p:spPr>
-        <p:style>
-          <a:lnRef idx="1">
-            <a:schemeClr val="accent1"/>
-          </a:lnRef>
-          <a:fillRef idx="0">
-            <a:schemeClr val="accent1"/>
-          </a:fillRef>
-          <a:effectRef idx="0">
-            <a:schemeClr val="accent1"/>
-          </a:effectRef>
-          <a:fontRef idx="minor">
-            <a:schemeClr val="tx1"/>
-          </a:fontRef>
-        </p:style>
-      </p:cxnSp>
-      <p:cxnSp>
-        <p:nvCxnSpPr>
-          <p:cNvPr id="43" name="Curved Connector 42">
-            <a:extLst>
-              <a:ext uri="{FF2B5EF4-FFF2-40B4-BE49-F238E27FC236}">
-                <a16:creationId xmlns:a16="http://schemas.microsoft.com/office/drawing/2014/main" id="{4AED7402-62EE-AC40-872A-66B3B9384F68}"/>
-              </a:ext>
-            </a:extLst>
-          </p:cNvPr>
-          <p:cNvCxnSpPr>
-            <a:stCxn id="38" idx="0"/>
-            <a:endCxn id="40" idx="0"/>
-          </p:cNvCxnSpPr>
-          <p:nvPr/>
-        </p:nvCxnSpPr>
-        <p:spPr>
-          <a:xfrm rot="5400000" flipH="1" flipV="1">
-            <a:off x="4118548" y="2460890"/>
-            <a:ext cx="1" cy="4439587"/>
-          </a:xfrm>
-          <a:prstGeom prst="curvedConnector3">
-            <a:avLst>
-              <a:gd name="adj1" fmla="val 22860100000"/>
-            </a:avLst>
-          </a:prstGeom>
-          <a:ln w="15875">
-            <a:solidFill>
-              <a:schemeClr val="tx1">
-                <a:lumMod val="50000"/>
-              </a:schemeClr>
-            </a:solidFill>
-            <a:headEnd w="lg" len="lg"/>
-            <a:tailEnd type="triangle" w="lg" len="lg"/>
-          </a:ln>
-        </p:spPr>
-        <p:style>
-          <a:lnRef idx="1">
-            <a:schemeClr val="accent1"/>
-          </a:lnRef>
-          <a:fillRef idx="0">
-            <a:schemeClr val="accent1"/>
-          </a:fillRef>
-          <a:effectRef idx="0">
-            <a:schemeClr val="accent1"/>
-          </a:effectRef>
-          <a:fontRef idx="minor">
-            <a:schemeClr val="tx1"/>
-          </a:fontRef>
-        </p:style>
-      </p:cxnSp>
-      <p:pic>
-        <p:nvPicPr>
-          <p:cNvPr id="48" name="Graphic 47" descr="Man">
-            <a:extLst>
-              <a:ext uri="{FF2B5EF4-FFF2-40B4-BE49-F238E27FC236}">
-                <a16:creationId xmlns:a16="http://schemas.microsoft.com/office/drawing/2014/main" id="{E9B4AD2A-E4F0-DF4D-9BB5-2021570CEE35}"/>
-              </a:ext>
-            </a:extLst>
-          </p:cNvPr>
-          <p:cNvPicPr>
-            <a:picLocks noChangeAspect="1"/>
-          </p:cNvPicPr>
-          <p:nvPr/>
-        </p:nvPicPr>
-        <p:blipFill>
-          <a:blip r:embed="rId3">
-            <a:extLst>
-              <a:ext uri="{96DAC541-7B7A-43D3-8B79-37D633B846F1}">
-                <asvg:svgBlip xmlns:asvg="http://schemas.microsoft.com/office/drawing/2016/SVG/main" r:embed="rId4"/>
-              </a:ext>
-            </a:extLst>
-          </a:blip>
-          <a:stretch>
-            <a:fillRect/>
-          </a:stretch>
-        </p:blipFill>
-        <p:spPr>
-          <a:xfrm>
-            <a:off x="9145038" y="2026756"/>
-            <a:ext cx="914400" cy="914400"/>
-          </a:xfrm>
-          <a:prstGeom prst="rect">
-            <a:avLst/>
-          </a:prstGeom>
-        </p:spPr>
-      </p:pic>
-      <p:pic>
-        <p:nvPicPr>
-          <p:cNvPr id="49" name="Graphic 48" descr="Woman with cane">
-            <a:extLst>
-              <a:ext uri="{FF2B5EF4-FFF2-40B4-BE49-F238E27FC236}">
-                <a16:creationId xmlns:a16="http://schemas.microsoft.com/office/drawing/2014/main" id="{624A5400-0C83-4C4A-ABA7-DEFB9E90AFDD}"/>
-              </a:ext>
-            </a:extLst>
-          </p:cNvPr>
-          <p:cNvPicPr>
-            <a:picLocks noChangeAspect="1"/>
-          </p:cNvPicPr>
-          <p:nvPr/>
-        </p:nvPicPr>
-        <p:blipFill>
-          <a:blip r:embed="rId5">
-            <a:extLst>
-              <a:ext uri="{96DAC541-7B7A-43D3-8B79-37D633B846F1}">
-                <asvg:svgBlip xmlns:asvg="http://schemas.microsoft.com/office/drawing/2016/SVG/main" r:embed="rId6"/>
-              </a:ext>
-            </a:extLst>
-          </a:blip>
-          <a:stretch>
-            <a:fillRect/>
-          </a:stretch>
-        </p:blipFill>
-        <p:spPr>
-          <a:xfrm>
-            <a:off x="10440650" y="3150888"/>
-            <a:ext cx="914400" cy="914400"/>
-          </a:xfrm>
-          <a:prstGeom prst="rect">
-            <a:avLst/>
-          </a:prstGeom>
-        </p:spPr>
-      </p:pic>
-      <p:pic>
-        <p:nvPicPr>
-          <p:cNvPr id="50" name="Graphic 49" descr="Pregnant lady">
-            <a:extLst>
-              <a:ext uri="{FF2B5EF4-FFF2-40B4-BE49-F238E27FC236}">
-                <a16:creationId xmlns:a16="http://schemas.microsoft.com/office/drawing/2014/main" id="{61BF750A-75E2-E142-8C98-BACF84E31ADB}"/>
-              </a:ext>
-            </a:extLst>
-          </p:cNvPr>
-          <p:cNvPicPr>
-            <a:picLocks noChangeAspect="1"/>
-          </p:cNvPicPr>
-          <p:nvPr/>
-        </p:nvPicPr>
-        <p:blipFill>
-          <a:blip r:embed="rId7">
-            <a:extLst>
-              <a:ext uri="{96DAC541-7B7A-43D3-8B79-37D633B846F1}">
-                <asvg:svgBlip xmlns:asvg="http://schemas.microsoft.com/office/drawing/2016/SVG/main" r:embed="rId8"/>
-              </a:ext>
-            </a:extLst>
-          </a:blip>
-          <a:stretch>
-            <a:fillRect/>
-          </a:stretch>
-        </p:blipFill>
-        <p:spPr>
-          <a:xfrm>
-            <a:off x="9145038" y="4549517"/>
-            <a:ext cx="914400" cy="914400"/>
-          </a:xfrm>
-          <a:prstGeom prst="rect">
-            <a:avLst/>
-          </a:prstGeom>
-        </p:spPr>
-      </p:pic>
-      <p:cxnSp>
-        <p:nvCxnSpPr>
-          <p:cNvPr id="3" name="Straight Connector 2">
-            <a:extLst>
-              <a:ext uri="{FF2B5EF4-FFF2-40B4-BE49-F238E27FC236}">
-                <a16:creationId xmlns:a16="http://schemas.microsoft.com/office/drawing/2014/main" id="{5BD1A42D-ECD7-8B40-BA3A-EE856D190074}"/>
-              </a:ext>
-            </a:extLst>
-          </p:cNvPr>
-          <p:cNvCxnSpPr/>
-          <p:nvPr/>
-        </p:nvCxnSpPr>
-        <p:spPr>
-          <a:xfrm>
-            <a:off x="9986400" y="2714400"/>
-            <a:ext cx="561600" cy="576000"/>
-          </a:xfrm>
-          <a:prstGeom prst="line">
-            <a:avLst/>
-          </a:prstGeom>
-          <a:ln w="25400">
-            <a:solidFill>
-              <a:schemeClr val="bg1">
-                <a:lumMod val="50000"/>
-                <a:lumOff val="50000"/>
-              </a:schemeClr>
-            </a:solidFill>
-          </a:ln>
-        </p:spPr>
-        <p:style>
-          <a:lnRef idx="1">
-            <a:schemeClr val="accent1"/>
-          </a:lnRef>
-          <a:fillRef idx="0">
-            <a:schemeClr val="accent1"/>
-          </a:fillRef>
-          <a:effectRef idx="0">
-            <a:schemeClr val="accent1"/>
-          </a:effectRef>
-          <a:fontRef idx="minor">
-            <a:schemeClr val="tx1"/>
-          </a:fontRef>
-        </p:style>
-      </p:cxnSp>
-      <p:cxnSp>
-        <p:nvCxnSpPr>
-          <p:cNvPr id="25" name="Straight Connector 24">
-            <a:extLst>
-              <a:ext uri="{FF2B5EF4-FFF2-40B4-BE49-F238E27FC236}">
-                <a16:creationId xmlns:a16="http://schemas.microsoft.com/office/drawing/2014/main" id="{E9AF3E58-2C25-B94E-922F-75C4EDA7B072}"/>
-              </a:ext>
-            </a:extLst>
-          </p:cNvPr>
-          <p:cNvCxnSpPr>
-            <a:cxnSpLocks/>
-          </p:cNvCxnSpPr>
-          <p:nvPr/>
-        </p:nvCxnSpPr>
-        <p:spPr>
-          <a:xfrm flipH="1">
-            <a:off x="9986400" y="4213776"/>
-            <a:ext cx="750625" cy="667824"/>
-          </a:xfrm>
-          <a:prstGeom prst="line">
-            <a:avLst/>
-          </a:prstGeom>
-          <a:ln w="25400">
-            <a:solidFill>
-              <a:schemeClr val="bg1">
-                <a:lumMod val="50000"/>
-                <a:lumOff val="50000"/>
-              </a:schemeClr>
-            </a:solidFill>
-          </a:ln>
-        </p:spPr>
-        <p:style>
-          <a:lnRef idx="1">
-            <a:schemeClr val="accent1"/>
-          </a:lnRef>
-          <a:fillRef idx="0">
-            <a:schemeClr val="accent1"/>
-          </a:fillRef>
-          <a:effectRef idx="0">
-            <a:schemeClr val="accent1"/>
-          </a:effectRef>
-          <a:fontRef idx="minor">
-            <a:schemeClr val="tx1"/>
-          </a:fontRef>
-        </p:style>
-      </p:cxnSp>
-    </p:spTree>
-    <p:extLst>
-      <p:ext uri="{BB962C8B-B14F-4D97-AF65-F5344CB8AC3E}">
-        <p14:creationId xmlns:p14="http://schemas.microsoft.com/office/powerpoint/2010/main" val="1500246229"/>
       </p:ext>
     </p:extLst>
   </p:cSld>

--- a/Network Causal Inference.pptx
+++ b/Network Causal Inference.pptx
@@ -5,29 +5,28 @@
     <p:sldMasterId id="2147483660" r:id="rId1"/>
   </p:sldMasterIdLst>
   <p:notesMasterIdLst>
-    <p:notesMasterId r:id="rId22"/>
+    <p:notesMasterId r:id="rId21"/>
   </p:notesMasterIdLst>
   <p:sldIdLst>
     <p:sldId id="256" r:id="rId2"/>
-    <p:sldId id="703" r:id="rId3"/>
-    <p:sldId id="668" r:id="rId4"/>
-    <p:sldId id="469" r:id="rId5"/>
-    <p:sldId id="470" r:id="rId6"/>
-    <p:sldId id="676" r:id="rId7"/>
-    <p:sldId id="677" r:id="rId8"/>
-    <p:sldId id="698" r:id="rId9"/>
-    <p:sldId id="690" r:id="rId10"/>
-    <p:sldId id="682" r:id="rId11"/>
-    <p:sldId id="683" r:id="rId12"/>
-    <p:sldId id="684" r:id="rId13"/>
-    <p:sldId id="685" r:id="rId14"/>
-    <p:sldId id="686" r:id="rId15"/>
-    <p:sldId id="700" r:id="rId16"/>
-    <p:sldId id="702" r:id="rId17"/>
-    <p:sldId id="701" r:id="rId18"/>
-    <p:sldId id="687" r:id="rId19"/>
-    <p:sldId id="699" r:id="rId20"/>
-    <p:sldId id="697" r:id="rId21"/>
+    <p:sldId id="668" r:id="rId3"/>
+    <p:sldId id="469" r:id="rId4"/>
+    <p:sldId id="470" r:id="rId5"/>
+    <p:sldId id="676" r:id="rId6"/>
+    <p:sldId id="677" r:id="rId7"/>
+    <p:sldId id="698" r:id="rId8"/>
+    <p:sldId id="690" r:id="rId9"/>
+    <p:sldId id="682" r:id="rId10"/>
+    <p:sldId id="683" r:id="rId11"/>
+    <p:sldId id="684" r:id="rId12"/>
+    <p:sldId id="685" r:id="rId13"/>
+    <p:sldId id="686" r:id="rId14"/>
+    <p:sldId id="700" r:id="rId15"/>
+    <p:sldId id="702" r:id="rId16"/>
+    <p:sldId id="701" r:id="rId17"/>
+    <p:sldId id="687" r:id="rId18"/>
+    <p:sldId id="699" r:id="rId19"/>
+    <p:sldId id="697" r:id="rId20"/>
   </p:sldIdLst>
   <p:sldSz cx="12192000" cy="6858000"/>
   <p:notesSz cx="6858000" cy="9144000"/>
@@ -646,7 +645,7 @@
           <a:p>
             <a:fld id="{9F440F99-C813-7A46-95E3-58DEAD1F1F30}" type="slidenum">
               <a:rPr lang="en-US" smtClean="0"/>
-              <a:t>11</a:t>
+              <a:t>10</a:t>
             </a:fld>
             <a:endParaRPr lang="en-US"/>
           </a:p>
@@ -733,7 +732,7 @@
           <a:p>
             <a:fld id="{9F440F99-C813-7A46-95E3-58DEAD1F1F30}" type="slidenum">
               <a:rPr lang="en-US" smtClean="0"/>
-              <a:t>12</a:t>
+              <a:t>11</a:t>
             </a:fld>
             <a:endParaRPr lang="en-US"/>
           </a:p>
@@ -820,7 +819,7 @@
           <a:p>
             <a:fld id="{9F440F99-C813-7A46-95E3-58DEAD1F1F30}" type="slidenum">
               <a:rPr lang="en-US" smtClean="0"/>
-              <a:t>13</a:t>
+              <a:t>12</a:t>
             </a:fld>
             <a:endParaRPr lang="en-US"/>
           </a:p>
@@ -907,7 +906,7 @@
           <a:p>
             <a:fld id="{9F440F99-C813-7A46-95E3-58DEAD1F1F30}" type="slidenum">
               <a:rPr lang="en-US" smtClean="0"/>
-              <a:t>14</a:t>
+              <a:t>13</a:t>
             </a:fld>
             <a:endParaRPr lang="en-US"/>
           </a:p>
@@ -1003,7 +1002,7 @@
           <a:p>
             <a:fld id="{AD2D3025-5639-2D40-9FA5-204CFF788E79}" type="slidenum">
               <a:rPr lang="en-US" smtClean="0"/>
-              <a:t>15</a:t>
+              <a:t>14</a:t>
             </a:fld>
             <a:endParaRPr lang="en-US"/>
           </a:p>
@@ -1123,7 +1122,7 @@
           <a:p>
             <a:fld id="{AD2D3025-5639-2D40-9FA5-204CFF788E79}" type="slidenum">
               <a:rPr lang="en-US" smtClean="0"/>
-              <a:t>16</a:t>
+              <a:t>15</a:t>
             </a:fld>
             <a:endParaRPr lang="en-US"/>
           </a:p>
@@ -1210,7 +1209,7 @@
           <a:p>
             <a:fld id="{9F440F99-C813-7A46-95E3-58DEAD1F1F30}" type="slidenum">
               <a:rPr lang="en-US" smtClean="0"/>
-              <a:t>17</a:t>
+              <a:t>16</a:t>
             </a:fld>
             <a:endParaRPr lang="en-US"/>
           </a:p>
@@ -1297,7 +1296,7 @@
           <a:p>
             <a:fld id="{9F440F99-C813-7A46-95E3-58DEAD1F1F30}" type="slidenum">
               <a:rPr lang="en-US" smtClean="0"/>
-              <a:t>18</a:t>
+              <a:t>17</a:t>
             </a:fld>
             <a:endParaRPr lang="en-US"/>
           </a:p>
@@ -1384,7 +1383,7 @@
           <a:p>
             <a:fld id="{9F440F99-C813-7A46-95E3-58DEAD1F1F30}" type="slidenum">
               <a:rPr lang="en-US" smtClean="0"/>
-              <a:t>19</a:t>
+              <a:t>18</a:t>
             </a:fld>
             <a:endParaRPr lang="en-US"/>
           </a:p>
@@ -1513,7 +1512,7 @@
           <a:p>
             <a:fld id="{AD2D3025-5639-2D40-9FA5-204CFF788E79}" type="slidenum">
               <a:rPr lang="en-US" smtClean="0"/>
-              <a:t>20</a:t>
+              <a:t>19</a:t>
             </a:fld>
             <a:endParaRPr lang="en-US"/>
           </a:p>
@@ -1600,7 +1599,7 @@
           <a:p>
             <a:fld id="{AD2D3025-5639-2D40-9FA5-204CFF788E79}" type="slidenum">
               <a:rPr lang="en-US" smtClean="0"/>
-              <a:t>3</a:t>
+              <a:t>2</a:t>
             </a:fld>
             <a:endParaRPr lang="en-US"/>
           </a:p>
@@ -1687,7 +1686,7 @@
           <a:p>
             <a:fld id="{9F440F99-C813-7A46-95E3-58DEAD1F1F30}" type="slidenum">
               <a:rPr lang="en-US" smtClean="0"/>
-              <a:t>4</a:t>
+              <a:t>3</a:t>
             </a:fld>
             <a:endParaRPr lang="en-US"/>
           </a:p>
@@ -1774,7 +1773,7 @@
           <a:p>
             <a:fld id="{9F440F99-C813-7A46-95E3-58DEAD1F1F30}" type="slidenum">
               <a:rPr lang="en-US" smtClean="0"/>
-              <a:t>5</a:t>
+              <a:t>4</a:t>
             </a:fld>
             <a:endParaRPr lang="en-US"/>
           </a:p>
@@ -1929,7 +1928,7 @@
           <a:p>
             <a:fld id="{AD2D3025-5639-2D40-9FA5-204CFF788E79}" type="slidenum">
               <a:rPr lang="en-US" smtClean="0"/>
-              <a:t>6</a:t>
+              <a:t>5</a:t>
             </a:fld>
             <a:endParaRPr lang="en-US"/>
           </a:p>
@@ -2016,7 +2015,7 @@
           <a:p>
             <a:fld id="{AD2D3025-5639-2D40-9FA5-204CFF788E79}" type="slidenum">
               <a:rPr lang="en-US" smtClean="0"/>
-              <a:t>7</a:t>
+              <a:t>6</a:t>
             </a:fld>
             <a:endParaRPr lang="en-US"/>
           </a:p>
@@ -2103,7 +2102,7 @@
           <a:p>
             <a:fld id="{AD2D3025-5639-2D40-9FA5-204CFF788E79}" type="slidenum">
               <a:rPr lang="en-US" smtClean="0"/>
-              <a:t>8</a:t>
+              <a:t>7</a:t>
             </a:fld>
             <a:endParaRPr lang="en-US"/>
           </a:p>
@@ -2190,7 +2189,7 @@
           <a:p>
             <a:fld id="{AD2D3025-5639-2D40-9FA5-204CFF788E79}" type="slidenum">
               <a:rPr lang="en-US" smtClean="0"/>
-              <a:t>9</a:t>
+              <a:t>8</a:t>
             </a:fld>
             <a:endParaRPr lang="en-US"/>
           </a:p>
@@ -2277,7 +2276,7 @@
           <a:p>
             <a:fld id="{9F440F99-C813-7A46-95E3-58DEAD1F1F30}" type="slidenum">
               <a:rPr lang="en-US" smtClean="0"/>
-              <a:t>10</a:t>
+              <a:t>9</a:t>
             </a:fld>
             <a:endParaRPr lang="en-US"/>
           </a:p>
@@ -6628,8 +6627,9 @@
           </a:prstGeom>
           <a:ln w="15875">
             <a:solidFill>
-              <a:schemeClr val="tx1">
-                <a:lumMod val="50000"/>
+              <a:schemeClr val="bg1">
+                <a:lumMod val="85000"/>
+                <a:lumOff val="15000"/>
               </a:schemeClr>
             </a:solidFill>
             <a:headEnd w="lg" len="lg"/>
@@ -6677,8 +6677,8 @@
           <a:ln w="15875">
             <a:solidFill>
               <a:schemeClr val="bg1">
-                <a:lumMod val="50000"/>
-                <a:lumOff val="50000"/>
+                <a:lumMod val="85000"/>
+                <a:lumOff val="15000"/>
               </a:schemeClr>
             </a:solidFill>
             <a:headEnd w="lg" len="lg"/>
@@ -6727,8 +6727,9 @@
           </a:prstGeom>
           <a:ln w="15875">
             <a:solidFill>
-              <a:schemeClr val="tx1">
-                <a:lumMod val="50000"/>
+              <a:schemeClr val="bg1">
+                <a:lumMod val="85000"/>
+                <a:lumOff val="15000"/>
               </a:schemeClr>
             </a:solidFill>
             <a:headEnd w="lg" len="lg"/>
@@ -6967,8 +6968,9 @@
           </a:prstGeom>
           <a:ln w="15875">
             <a:solidFill>
-              <a:schemeClr val="tx1">
-                <a:lumMod val="50000"/>
+              <a:schemeClr val="bg1">
+                <a:lumMod val="85000"/>
+                <a:lumOff val="15000"/>
               </a:schemeClr>
             </a:solidFill>
             <a:headEnd w="lg" len="lg"/>
@@ -7016,8 +7018,8 @@
           <a:ln w="15875">
             <a:solidFill>
               <a:schemeClr val="bg1">
-                <a:lumMod val="50000"/>
-                <a:lumOff val="50000"/>
+                <a:lumMod val="85000"/>
+                <a:lumOff val="15000"/>
               </a:schemeClr>
             </a:solidFill>
             <a:headEnd w="lg" len="lg"/>
@@ -7066,8 +7068,9 @@
           </a:prstGeom>
           <a:ln w="15875">
             <a:solidFill>
-              <a:schemeClr val="tx1">
-                <a:lumMod val="50000"/>
+              <a:schemeClr val="bg1">
+                <a:lumMod val="85000"/>
+                <a:lumOff val="15000"/>
               </a:schemeClr>
             </a:solidFill>
             <a:headEnd w="lg" len="lg"/>
@@ -7306,8 +7309,9 @@
           </a:prstGeom>
           <a:ln w="15875">
             <a:solidFill>
-              <a:schemeClr val="tx1">
-                <a:lumMod val="50000"/>
+              <a:schemeClr val="bg1">
+                <a:lumMod val="85000"/>
+                <a:lumOff val="15000"/>
               </a:schemeClr>
             </a:solidFill>
             <a:headEnd w="lg" len="lg"/>
@@ -7355,8 +7359,8 @@
           <a:ln w="15875">
             <a:solidFill>
               <a:schemeClr val="bg1">
-                <a:lumMod val="50000"/>
-                <a:lumOff val="50000"/>
+                <a:lumMod val="85000"/>
+                <a:lumOff val="15000"/>
               </a:schemeClr>
             </a:solidFill>
             <a:headEnd w="lg" len="lg"/>
@@ -7405,8 +7409,9 @@
           </a:prstGeom>
           <a:ln w="15875">
             <a:solidFill>
-              <a:schemeClr val="tx1">
-                <a:lumMod val="50000"/>
+              <a:schemeClr val="bg1">
+                <a:lumMod val="85000"/>
+                <a:lumOff val="15000"/>
               </a:schemeClr>
             </a:solidFill>
             <a:headEnd w="lg" len="lg"/>
@@ -7626,10 +7631,247 @@
           </a:fontRef>
         </p:style>
       </p:cxnSp>
+      <p:cxnSp>
+        <p:nvCxnSpPr>
+          <p:cNvPr id="26" name="Straight Arrow Connector 25">
+            <a:extLst>
+              <a:ext uri="{FF2B5EF4-FFF2-40B4-BE49-F238E27FC236}">
+                <a16:creationId xmlns:a16="http://schemas.microsoft.com/office/drawing/2014/main" id="{6F46C21C-A1D1-8C49-9888-FFF76E4C9C6C}"/>
+              </a:ext>
+            </a:extLst>
+          </p:cNvPr>
+          <p:cNvCxnSpPr>
+            <a:cxnSpLocks/>
+            <a:stCxn id="33" idx="7"/>
+            <a:endCxn id="6" idx="3"/>
+          </p:cNvCxnSpPr>
+          <p:nvPr/>
+        </p:nvCxnSpPr>
+        <p:spPr>
+          <a:xfrm flipV="1">
+            <a:off x="4290834" y="2692675"/>
+            <a:ext cx="1809016" cy="811209"/>
+          </a:xfrm>
+          <a:prstGeom prst="straightConnector1">
+            <a:avLst/>
+          </a:prstGeom>
+          <a:ln w="15875">
+            <a:solidFill>
+              <a:schemeClr val="tx1">
+                <a:lumMod val="75000"/>
+              </a:schemeClr>
+            </a:solidFill>
+            <a:headEnd w="lg" len="lg"/>
+            <a:tailEnd type="triangle" w="lg" len="lg"/>
+          </a:ln>
+        </p:spPr>
+        <p:style>
+          <a:lnRef idx="1">
+            <a:schemeClr val="accent1"/>
+          </a:lnRef>
+          <a:fillRef idx="0">
+            <a:schemeClr val="accent1"/>
+          </a:fillRef>
+          <a:effectRef idx="0">
+            <a:schemeClr val="accent1"/>
+          </a:effectRef>
+          <a:fontRef idx="minor">
+            <a:schemeClr val="tx1"/>
+          </a:fontRef>
+        </p:style>
+      </p:cxnSp>
+      <p:cxnSp>
+        <p:nvCxnSpPr>
+          <p:cNvPr id="28" name="Straight Arrow Connector 27">
+            <a:extLst>
+              <a:ext uri="{FF2B5EF4-FFF2-40B4-BE49-F238E27FC236}">
+                <a16:creationId xmlns:a16="http://schemas.microsoft.com/office/drawing/2014/main" id="{76581964-41B0-7843-B6DC-F716A5F3CD4A}"/>
+              </a:ext>
+            </a:extLst>
+          </p:cNvPr>
+          <p:cNvCxnSpPr>
+            <a:cxnSpLocks/>
+            <a:stCxn id="39" idx="7"/>
+            <a:endCxn id="34" idx="3"/>
+          </p:cNvCxnSpPr>
+          <p:nvPr/>
+        </p:nvCxnSpPr>
+        <p:spPr>
+          <a:xfrm flipV="1">
+            <a:off x="4290834" y="3964968"/>
+            <a:ext cx="1809016" cy="811209"/>
+          </a:xfrm>
+          <a:prstGeom prst="straightConnector1">
+            <a:avLst/>
+          </a:prstGeom>
+          <a:ln w="15875">
+            <a:solidFill>
+              <a:schemeClr val="tx1">
+                <a:lumMod val="75000"/>
+              </a:schemeClr>
+            </a:solidFill>
+            <a:headEnd w="lg" len="lg"/>
+            <a:tailEnd type="triangle" w="lg" len="lg"/>
+          </a:ln>
+        </p:spPr>
+        <p:style>
+          <a:lnRef idx="1">
+            <a:schemeClr val="accent1"/>
+          </a:lnRef>
+          <a:fillRef idx="0">
+            <a:schemeClr val="accent1"/>
+          </a:fillRef>
+          <a:effectRef idx="0">
+            <a:schemeClr val="accent1"/>
+          </a:effectRef>
+          <a:fontRef idx="minor">
+            <a:schemeClr val="tx1"/>
+          </a:fontRef>
+        </p:style>
+      </p:cxnSp>
+      <p:cxnSp>
+        <p:nvCxnSpPr>
+          <p:cNvPr id="31" name="Straight Arrow Connector 30">
+            <a:extLst>
+              <a:ext uri="{FF2B5EF4-FFF2-40B4-BE49-F238E27FC236}">
+                <a16:creationId xmlns:a16="http://schemas.microsoft.com/office/drawing/2014/main" id="{548B2420-0FE3-3540-8613-032A2C8ACED4}"/>
+              </a:ext>
+            </a:extLst>
+          </p:cNvPr>
+          <p:cNvCxnSpPr>
+            <a:cxnSpLocks/>
+            <a:stCxn id="33" idx="5"/>
+            <a:endCxn id="40" idx="1"/>
+          </p:cNvCxnSpPr>
+          <p:nvPr/>
+        </p:nvCxnSpPr>
+        <p:spPr>
+          <a:xfrm>
+            <a:off x="4290834" y="3964969"/>
+            <a:ext cx="1809016" cy="811207"/>
+          </a:xfrm>
+          <a:prstGeom prst="straightConnector1">
+            <a:avLst/>
+          </a:prstGeom>
+          <a:ln w="15875">
+            <a:solidFill>
+              <a:schemeClr val="tx1">
+                <a:lumMod val="75000"/>
+              </a:schemeClr>
+            </a:solidFill>
+            <a:headEnd w="lg" len="lg"/>
+            <a:tailEnd type="triangle" w="lg" len="lg"/>
+          </a:ln>
+        </p:spPr>
+        <p:style>
+          <a:lnRef idx="1">
+            <a:schemeClr val="accent1"/>
+          </a:lnRef>
+          <a:fillRef idx="0">
+            <a:schemeClr val="accent1"/>
+          </a:fillRef>
+          <a:effectRef idx="0">
+            <a:schemeClr val="accent1"/>
+          </a:effectRef>
+          <a:fontRef idx="minor">
+            <a:schemeClr val="tx1"/>
+          </a:fontRef>
+        </p:style>
+      </p:cxnSp>
+      <p:cxnSp>
+        <p:nvCxnSpPr>
+          <p:cNvPr id="44" name="Straight Arrow Connector 43">
+            <a:extLst>
+              <a:ext uri="{FF2B5EF4-FFF2-40B4-BE49-F238E27FC236}">
+                <a16:creationId xmlns:a16="http://schemas.microsoft.com/office/drawing/2014/main" id="{B0B882CD-E944-CB4E-A694-48C872850295}"/>
+              </a:ext>
+            </a:extLst>
+          </p:cNvPr>
+          <p:cNvCxnSpPr>
+            <a:cxnSpLocks/>
+            <a:stCxn id="5" idx="5"/>
+            <a:endCxn id="34" idx="1"/>
+          </p:cNvCxnSpPr>
+          <p:nvPr/>
+        </p:nvCxnSpPr>
+        <p:spPr>
+          <a:xfrm>
+            <a:off x="4290834" y="2692676"/>
+            <a:ext cx="1809016" cy="811207"/>
+          </a:xfrm>
+          <a:prstGeom prst="straightConnector1">
+            <a:avLst/>
+          </a:prstGeom>
+          <a:ln w="15875">
+            <a:solidFill>
+              <a:schemeClr val="tx1">
+                <a:lumMod val="75000"/>
+              </a:schemeClr>
+            </a:solidFill>
+            <a:headEnd w="lg" len="lg"/>
+            <a:tailEnd type="triangle" w="lg" len="lg"/>
+          </a:ln>
+        </p:spPr>
+        <p:style>
+          <a:lnRef idx="1">
+            <a:schemeClr val="accent1"/>
+          </a:lnRef>
+          <a:fillRef idx="0">
+            <a:schemeClr val="accent1"/>
+          </a:fillRef>
+          <a:effectRef idx="0">
+            <a:schemeClr val="accent1"/>
+          </a:effectRef>
+          <a:fontRef idx="minor">
+            <a:schemeClr val="tx1"/>
+          </a:fontRef>
+        </p:style>
+      </p:cxnSp>
+      <p:sp>
+        <p:nvSpPr>
+          <p:cNvPr id="29" name="Rectangle 28">
+            <a:extLst>
+              <a:ext uri="{FF2B5EF4-FFF2-40B4-BE49-F238E27FC236}">
+                <a16:creationId xmlns:a16="http://schemas.microsoft.com/office/drawing/2014/main" id="{1003F476-AA5F-C846-90CC-A4FB8E425A71}"/>
+              </a:ext>
+            </a:extLst>
+          </p:cNvPr>
+          <p:cNvSpPr/>
+          <p:nvPr/>
+        </p:nvSpPr>
+        <p:spPr>
+          <a:xfrm>
+            <a:off x="89473" y="6473309"/>
+            <a:ext cx="1976823" cy="261610"/>
+          </a:xfrm>
+          <a:prstGeom prst="rect">
+            <a:avLst/>
+          </a:prstGeom>
+        </p:spPr>
+        <p:txBody>
+          <a:bodyPr wrap="none">
+            <a:spAutoFit/>
+          </a:bodyPr>
+          <a:lstStyle/>
+          <a:p>
+            <a:r>
+              <a:rPr lang="en-US" sz="1100" dirty="0">
+                <a:solidFill>
+                  <a:schemeClr val="bg1">
+                    <a:lumMod val="65000"/>
+                    <a:lumOff val="35000"/>
+                  </a:schemeClr>
+                </a:solidFill>
+              </a:rPr>
+              <a:t>Keletso Makofane, March 2021</a:t>
+            </a:r>
+          </a:p>
+        </p:txBody>
+      </p:sp>
     </p:spTree>
     <p:extLst>
       <p:ext uri="{BB962C8B-B14F-4D97-AF65-F5344CB8AC3E}">
-        <p14:creationId xmlns:p14="http://schemas.microsoft.com/office/powerpoint/2010/main" val="1500246229"/>
+        <p14:creationId xmlns:p14="http://schemas.microsoft.com/office/powerpoint/2010/main" val="2667639447"/>
       </p:ext>
     </p:extLst>
   </p:cSld>
@@ -8903,8 +9145,9 @@
           </a:prstGeom>
           <a:ln w="15875">
             <a:solidFill>
-              <a:schemeClr val="tx1">
-                <a:lumMod val="75000"/>
+              <a:schemeClr val="bg1">
+                <a:lumMod val="85000"/>
+                <a:lumOff val="15000"/>
               </a:schemeClr>
             </a:solidFill>
             <a:headEnd w="lg" len="lg"/>
@@ -8946,6 +9189,156 @@
           <a:xfrm flipV="1">
             <a:off x="4290834" y="3964968"/>
             <a:ext cx="1809016" cy="811209"/>
+          </a:xfrm>
+          <a:prstGeom prst="straightConnector1">
+            <a:avLst/>
+          </a:prstGeom>
+          <a:ln w="15875">
+            <a:solidFill>
+              <a:schemeClr val="bg1">
+                <a:lumMod val="85000"/>
+                <a:lumOff val="15000"/>
+              </a:schemeClr>
+            </a:solidFill>
+            <a:headEnd w="lg" len="lg"/>
+            <a:tailEnd type="triangle" w="lg" len="lg"/>
+          </a:ln>
+        </p:spPr>
+        <p:style>
+          <a:lnRef idx="1">
+            <a:schemeClr val="accent1"/>
+          </a:lnRef>
+          <a:fillRef idx="0">
+            <a:schemeClr val="accent1"/>
+          </a:fillRef>
+          <a:effectRef idx="0">
+            <a:schemeClr val="accent1"/>
+          </a:effectRef>
+          <a:fontRef idx="minor">
+            <a:schemeClr val="tx1"/>
+          </a:fontRef>
+        </p:style>
+      </p:cxnSp>
+      <p:cxnSp>
+        <p:nvCxnSpPr>
+          <p:cNvPr id="31" name="Straight Arrow Connector 30">
+            <a:extLst>
+              <a:ext uri="{FF2B5EF4-FFF2-40B4-BE49-F238E27FC236}">
+                <a16:creationId xmlns:a16="http://schemas.microsoft.com/office/drawing/2014/main" id="{548B2420-0FE3-3540-8613-032A2C8ACED4}"/>
+              </a:ext>
+            </a:extLst>
+          </p:cNvPr>
+          <p:cNvCxnSpPr>
+            <a:cxnSpLocks/>
+            <a:stCxn id="33" idx="5"/>
+            <a:endCxn id="40" idx="1"/>
+          </p:cNvCxnSpPr>
+          <p:nvPr/>
+        </p:nvCxnSpPr>
+        <p:spPr>
+          <a:xfrm>
+            <a:off x="4290834" y="3964969"/>
+            <a:ext cx="1809016" cy="811207"/>
+          </a:xfrm>
+          <a:prstGeom prst="straightConnector1">
+            <a:avLst/>
+          </a:prstGeom>
+          <a:ln w="15875">
+            <a:solidFill>
+              <a:schemeClr val="bg1">
+                <a:lumMod val="85000"/>
+                <a:lumOff val="15000"/>
+              </a:schemeClr>
+            </a:solidFill>
+            <a:headEnd w="lg" len="lg"/>
+            <a:tailEnd type="triangle" w="lg" len="lg"/>
+          </a:ln>
+        </p:spPr>
+        <p:style>
+          <a:lnRef idx="1">
+            <a:schemeClr val="accent1"/>
+          </a:lnRef>
+          <a:fillRef idx="0">
+            <a:schemeClr val="accent1"/>
+          </a:fillRef>
+          <a:effectRef idx="0">
+            <a:schemeClr val="accent1"/>
+          </a:effectRef>
+          <a:fontRef idx="minor">
+            <a:schemeClr val="tx1"/>
+          </a:fontRef>
+        </p:style>
+      </p:cxnSp>
+      <p:cxnSp>
+        <p:nvCxnSpPr>
+          <p:cNvPr id="44" name="Straight Arrow Connector 43">
+            <a:extLst>
+              <a:ext uri="{FF2B5EF4-FFF2-40B4-BE49-F238E27FC236}">
+                <a16:creationId xmlns:a16="http://schemas.microsoft.com/office/drawing/2014/main" id="{B0B882CD-E944-CB4E-A694-48C872850295}"/>
+              </a:ext>
+            </a:extLst>
+          </p:cNvPr>
+          <p:cNvCxnSpPr>
+            <a:cxnSpLocks/>
+            <a:stCxn id="5" idx="5"/>
+            <a:endCxn id="34" idx="1"/>
+          </p:cNvCxnSpPr>
+          <p:nvPr/>
+        </p:nvCxnSpPr>
+        <p:spPr>
+          <a:xfrm>
+            <a:off x="4290834" y="2692676"/>
+            <a:ext cx="1809016" cy="811207"/>
+          </a:xfrm>
+          <a:prstGeom prst="straightConnector1">
+            <a:avLst/>
+          </a:prstGeom>
+          <a:ln w="15875">
+            <a:solidFill>
+              <a:schemeClr val="bg1">
+                <a:lumMod val="85000"/>
+                <a:lumOff val="15000"/>
+              </a:schemeClr>
+            </a:solidFill>
+            <a:headEnd w="lg" len="lg"/>
+            <a:tailEnd type="triangle" w="lg" len="lg"/>
+          </a:ln>
+        </p:spPr>
+        <p:style>
+          <a:lnRef idx="1">
+            <a:schemeClr val="accent1"/>
+          </a:lnRef>
+          <a:fillRef idx="0">
+            <a:schemeClr val="accent1"/>
+          </a:fillRef>
+          <a:effectRef idx="0">
+            <a:schemeClr val="accent1"/>
+          </a:effectRef>
+          <a:fontRef idx="minor">
+            <a:schemeClr val="tx1"/>
+          </a:fontRef>
+        </p:style>
+      </p:cxnSp>
+      <p:cxnSp>
+        <p:nvCxnSpPr>
+          <p:cNvPr id="29" name="Straight Arrow Connector 28">
+            <a:extLst>
+              <a:ext uri="{FF2B5EF4-FFF2-40B4-BE49-F238E27FC236}">
+                <a16:creationId xmlns:a16="http://schemas.microsoft.com/office/drawing/2014/main" id="{44E4F624-042B-9145-8035-080C00E25D41}"/>
+              </a:ext>
+            </a:extLst>
+          </p:cNvPr>
+          <p:cNvCxnSpPr>
+            <a:cxnSpLocks/>
+            <a:stCxn id="32" idx="7"/>
+            <a:endCxn id="5" idx="3"/>
+          </p:cNvCxnSpPr>
+          <p:nvPr/>
+        </p:nvCxnSpPr>
+        <p:spPr>
+          <a:xfrm flipV="1">
+            <a:off x="2137247" y="2692676"/>
+            <a:ext cx="1676603" cy="811208"/>
           </a:xfrm>
           <a:prstGeom prst="straightConnector1">
             <a:avLst/>
@@ -8977,24 +9370,24 @@
       </p:cxnSp>
       <p:cxnSp>
         <p:nvCxnSpPr>
-          <p:cNvPr id="31" name="Straight Arrow Connector 30">
+          <p:cNvPr id="45" name="Straight Arrow Connector 44">
             <a:extLst>
               <a:ext uri="{FF2B5EF4-FFF2-40B4-BE49-F238E27FC236}">
-                <a16:creationId xmlns:a16="http://schemas.microsoft.com/office/drawing/2014/main" id="{548B2420-0FE3-3540-8613-032A2C8ACED4}"/>
+                <a16:creationId xmlns:a16="http://schemas.microsoft.com/office/drawing/2014/main" id="{764B4CDB-A4F4-0C40-AE70-7EA425120FF6}"/>
               </a:ext>
             </a:extLst>
           </p:cNvPr>
           <p:cNvCxnSpPr>
             <a:cxnSpLocks/>
-            <a:stCxn id="33" idx="5"/>
-            <a:endCxn id="40" idx="1"/>
+            <a:stCxn id="38" idx="7"/>
+            <a:endCxn id="33" idx="3"/>
           </p:cNvCxnSpPr>
           <p:nvPr/>
         </p:nvCxnSpPr>
         <p:spPr>
-          <a:xfrm>
-            <a:off x="4290834" y="3964969"/>
-            <a:ext cx="1809016" cy="811207"/>
+          <a:xfrm flipV="1">
+            <a:off x="2137247" y="3964969"/>
+            <a:ext cx="1676603" cy="811208"/>
           </a:xfrm>
           <a:prstGeom prst="straightConnector1">
             <a:avLst/>
@@ -9026,24 +9419,24 @@
       </p:cxnSp>
       <p:cxnSp>
         <p:nvCxnSpPr>
-          <p:cNvPr id="44" name="Straight Arrow Connector 43">
+          <p:cNvPr id="46" name="Straight Arrow Connector 45">
             <a:extLst>
               <a:ext uri="{FF2B5EF4-FFF2-40B4-BE49-F238E27FC236}">
-                <a16:creationId xmlns:a16="http://schemas.microsoft.com/office/drawing/2014/main" id="{B0B882CD-E944-CB4E-A694-48C872850295}"/>
+                <a16:creationId xmlns:a16="http://schemas.microsoft.com/office/drawing/2014/main" id="{829886C6-C4A0-2542-B0CD-C26FBBBF6B16}"/>
               </a:ext>
             </a:extLst>
           </p:cNvPr>
           <p:cNvCxnSpPr>
             <a:cxnSpLocks/>
-            <a:stCxn id="5" idx="5"/>
-            <a:endCxn id="34" idx="1"/>
+            <a:stCxn id="4" idx="5"/>
+            <a:endCxn id="33" idx="1"/>
           </p:cNvCxnSpPr>
           <p:nvPr/>
         </p:nvCxnSpPr>
         <p:spPr>
           <a:xfrm>
-            <a:off x="4290834" y="2692676"/>
-            <a:ext cx="1809016" cy="811207"/>
+            <a:off x="2137247" y="2692676"/>
+            <a:ext cx="1676603" cy="811208"/>
           </a:xfrm>
           <a:prstGeom prst="straightConnector1">
             <a:avLst/>
@@ -9073,10 +9466,100 @@
           </a:fontRef>
         </p:style>
       </p:cxnSp>
+      <p:cxnSp>
+        <p:nvCxnSpPr>
+          <p:cNvPr id="47" name="Straight Arrow Connector 46">
+            <a:extLst>
+              <a:ext uri="{FF2B5EF4-FFF2-40B4-BE49-F238E27FC236}">
+                <a16:creationId xmlns:a16="http://schemas.microsoft.com/office/drawing/2014/main" id="{C755BA18-DD1E-774C-8833-E516EC7B3CC9}"/>
+              </a:ext>
+            </a:extLst>
+          </p:cNvPr>
+          <p:cNvCxnSpPr>
+            <a:cxnSpLocks/>
+            <a:stCxn id="32" idx="5"/>
+            <a:endCxn id="39" idx="1"/>
+          </p:cNvCxnSpPr>
+          <p:nvPr/>
+        </p:nvCxnSpPr>
+        <p:spPr>
+          <a:xfrm>
+            <a:off x="2137247" y="3964969"/>
+            <a:ext cx="1676603" cy="811208"/>
+          </a:xfrm>
+          <a:prstGeom prst="straightConnector1">
+            <a:avLst/>
+          </a:prstGeom>
+          <a:ln w="15875">
+            <a:solidFill>
+              <a:schemeClr val="tx1">
+                <a:lumMod val="75000"/>
+              </a:schemeClr>
+            </a:solidFill>
+            <a:headEnd w="lg" len="lg"/>
+            <a:tailEnd type="triangle" w="lg" len="lg"/>
+          </a:ln>
+        </p:spPr>
+        <p:style>
+          <a:lnRef idx="1">
+            <a:schemeClr val="accent1"/>
+          </a:lnRef>
+          <a:fillRef idx="0">
+            <a:schemeClr val="accent1"/>
+          </a:fillRef>
+          <a:effectRef idx="0">
+            <a:schemeClr val="accent1"/>
+          </a:effectRef>
+          <a:fontRef idx="minor">
+            <a:schemeClr val="tx1"/>
+          </a:fontRef>
+        </p:style>
+      </p:cxnSp>
+      <p:sp>
+        <p:nvSpPr>
+          <p:cNvPr id="51" name="Rectangle 50">
+            <a:extLst>
+              <a:ext uri="{FF2B5EF4-FFF2-40B4-BE49-F238E27FC236}">
+                <a16:creationId xmlns:a16="http://schemas.microsoft.com/office/drawing/2014/main" id="{9E3E72CA-5A84-3444-9471-ABA66C01F08A}"/>
+              </a:ext>
+            </a:extLst>
+          </p:cNvPr>
+          <p:cNvSpPr/>
+          <p:nvPr/>
+        </p:nvSpPr>
+        <p:spPr>
+          <a:xfrm>
+            <a:off x="89473" y="6473309"/>
+            <a:ext cx="1976823" cy="261610"/>
+          </a:xfrm>
+          <a:prstGeom prst="rect">
+            <a:avLst/>
+          </a:prstGeom>
+        </p:spPr>
+        <p:txBody>
+          <a:bodyPr wrap="none">
+            <a:spAutoFit/>
+          </a:bodyPr>
+          <a:lstStyle/>
+          <a:p>
+            <a:r>
+              <a:rPr lang="en-US" sz="1100" dirty="0">
+                <a:solidFill>
+                  <a:schemeClr val="bg1">
+                    <a:lumMod val="65000"/>
+                    <a:lumOff val="35000"/>
+                  </a:schemeClr>
+                </a:solidFill>
+              </a:rPr>
+              <a:t>Keletso Makofane, March 2021</a:t>
+            </a:r>
+          </a:p>
+        </p:txBody>
+      </p:sp>
     </p:spTree>
     <p:extLst>
       <p:ext uri="{BB962C8B-B14F-4D97-AF65-F5344CB8AC3E}">
-        <p14:creationId xmlns:p14="http://schemas.microsoft.com/office/powerpoint/2010/main" val="2667639447"/>
+        <p14:creationId xmlns:p14="http://schemas.microsoft.com/office/powerpoint/2010/main" val="2884136543"/>
       </p:ext>
     </p:extLst>
   </p:cSld>
@@ -10550,8 +11033,9 @@
           </a:prstGeom>
           <a:ln w="15875">
             <a:solidFill>
-              <a:schemeClr val="tx1">
-                <a:lumMod val="75000"/>
+              <a:schemeClr val="bg1">
+                <a:lumMod val="85000"/>
+                <a:lumOff val="15000"/>
               </a:schemeClr>
             </a:solidFill>
             <a:headEnd w="lg" len="lg"/>
@@ -10593,6 +11077,156 @@
           <a:xfrm flipV="1">
             <a:off x="2137247" y="3964969"/>
             <a:ext cx="1676603" cy="811208"/>
+          </a:xfrm>
+          <a:prstGeom prst="straightConnector1">
+            <a:avLst/>
+          </a:prstGeom>
+          <a:ln w="15875">
+            <a:solidFill>
+              <a:schemeClr val="bg1">
+                <a:lumMod val="85000"/>
+                <a:lumOff val="15000"/>
+              </a:schemeClr>
+            </a:solidFill>
+            <a:headEnd w="lg" len="lg"/>
+            <a:tailEnd type="triangle" w="lg" len="lg"/>
+          </a:ln>
+        </p:spPr>
+        <p:style>
+          <a:lnRef idx="1">
+            <a:schemeClr val="accent1"/>
+          </a:lnRef>
+          <a:fillRef idx="0">
+            <a:schemeClr val="accent1"/>
+          </a:fillRef>
+          <a:effectRef idx="0">
+            <a:schemeClr val="accent1"/>
+          </a:effectRef>
+          <a:fontRef idx="minor">
+            <a:schemeClr val="tx1"/>
+          </a:fontRef>
+        </p:style>
+      </p:cxnSp>
+      <p:cxnSp>
+        <p:nvCxnSpPr>
+          <p:cNvPr id="46" name="Straight Arrow Connector 45">
+            <a:extLst>
+              <a:ext uri="{FF2B5EF4-FFF2-40B4-BE49-F238E27FC236}">
+                <a16:creationId xmlns:a16="http://schemas.microsoft.com/office/drawing/2014/main" id="{829886C6-C4A0-2542-B0CD-C26FBBBF6B16}"/>
+              </a:ext>
+            </a:extLst>
+          </p:cNvPr>
+          <p:cNvCxnSpPr>
+            <a:cxnSpLocks/>
+            <a:stCxn id="4" idx="5"/>
+            <a:endCxn id="33" idx="1"/>
+          </p:cNvCxnSpPr>
+          <p:nvPr/>
+        </p:nvCxnSpPr>
+        <p:spPr>
+          <a:xfrm>
+            <a:off x="2137247" y="2692676"/>
+            <a:ext cx="1676603" cy="811208"/>
+          </a:xfrm>
+          <a:prstGeom prst="straightConnector1">
+            <a:avLst/>
+          </a:prstGeom>
+          <a:ln w="15875">
+            <a:solidFill>
+              <a:schemeClr val="bg1">
+                <a:lumMod val="85000"/>
+                <a:lumOff val="15000"/>
+              </a:schemeClr>
+            </a:solidFill>
+            <a:headEnd w="lg" len="lg"/>
+            <a:tailEnd type="triangle" w="lg" len="lg"/>
+          </a:ln>
+        </p:spPr>
+        <p:style>
+          <a:lnRef idx="1">
+            <a:schemeClr val="accent1"/>
+          </a:lnRef>
+          <a:fillRef idx="0">
+            <a:schemeClr val="accent1"/>
+          </a:fillRef>
+          <a:effectRef idx="0">
+            <a:schemeClr val="accent1"/>
+          </a:effectRef>
+          <a:fontRef idx="minor">
+            <a:schemeClr val="tx1"/>
+          </a:fontRef>
+        </p:style>
+      </p:cxnSp>
+      <p:cxnSp>
+        <p:nvCxnSpPr>
+          <p:cNvPr id="47" name="Straight Arrow Connector 46">
+            <a:extLst>
+              <a:ext uri="{FF2B5EF4-FFF2-40B4-BE49-F238E27FC236}">
+                <a16:creationId xmlns:a16="http://schemas.microsoft.com/office/drawing/2014/main" id="{C755BA18-DD1E-774C-8833-E516EC7B3CC9}"/>
+              </a:ext>
+            </a:extLst>
+          </p:cNvPr>
+          <p:cNvCxnSpPr>
+            <a:cxnSpLocks/>
+            <a:stCxn id="32" idx="5"/>
+            <a:endCxn id="39" idx="1"/>
+          </p:cNvCxnSpPr>
+          <p:nvPr/>
+        </p:nvCxnSpPr>
+        <p:spPr>
+          <a:xfrm>
+            <a:off x="2137247" y="3964969"/>
+            <a:ext cx="1676603" cy="811208"/>
+          </a:xfrm>
+          <a:prstGeom prst="straightConnector1">
+            <a:avLst/>
+          </a:prstGeom>
+          <a:ln w="15875">
+            <a:solidFill>
+              <a:schemeClr val="bg1">
+                <a:lumMod val="85000"/>
+                <a:lumOff val="15000"/>
+              </a:schemeClr>
+            </a:solidFill>
+            <a:headEnd w="lg" len="lg"/>
+            <a:tailEnd type="triangle" w="lg" len="lg"/>
+          </a:ln>
+        </p:spPr>
+        <p:style>
+          <a:lnRef idx="1">
+            <a:schemeClr val="accent1"/>
+          </a:lnRef>
+          <a:fillRef idx="0">
+            <a:schemeClr val="accent1"/>
+          </a:fillRef>
+          <a:effectRef idx="0">
+            <a:schemeClr val="accent1"/>
+          </a:effectRef>
+          <a:fontRef idx="minor">
+            <a:schemeClr val="tx1"/>
+          </a:fontRef>
+        </p:style>
+      </p:cxnSp>
+      <p:cxnSp>
+        <p:nvCxnSpPr>
+          <p:cNvPr id="51" name="Straight Arrow Connector 50">
+            <a:extLst>
+              <a:ext uri="{FF2B5EF4-FFF2-40B4-BE49-F238E27FC236}">
+                <a16:creationId xmlns:a16="http://schemas.microsoft.com/office/drawing/2014/main" id="{A0DDF31F-1A7C-4847-9D14-15EC318A83D9}"/>
+              </a:ext>
+            </a:extLst>
+          </p:cNvPr>
+          <p:cNvCxnSpPr>
+            <a:cxnSpLocks/>
+            <a:stCxn id="32" idx="7"/>
+            <a:endCxn id="6" idx="2"/>
+          </p:cNvCxnSpPr>
+          <p:nvPr/>
+        </p:nvCxnSpPr>
+        <p:spPr>
+          <a:xfrm flipV="1">
+            <a:off x="2137247" y="2462133"/>
+            <a:ext cx="3863816" cy="1041751"/>
           </a:xfrm>
           <a:prstGeom prst="straightConnector1">
             <a:avLst/>
@@ -10624,24 +11258,24 @@
       </p:cxnSp>
       <p:cxnSp>
         <p:nvCxnSpPr>
-          <p:cNvPr id="46" name="Straight Arrow Connector 45">
+          <p:cNvPr id="52" name="Straight Arrow Connector 51">
             <a:extLst>
               <a:ext uri="{FF2B5EF4-FFF2-40B4-BE49-F238E27FC236}">
-                <a16:creationId xmlns:a16="http://schemas.microsoft.com/office/drawing/2014/main" id="{829886C6-C4A0-2542-B0CD-C26FBBBF6B16}"/>
+                <a16:creationId xmlns:a16="http://schemas.microsoft.com/office/drawing/2014/main" id="{C209DC4E-5BAC-4F42-93D7-664BBA212851}"/>
               </a:ext>
             </a:extLst>
           </p:cNvPr>
           <p:cNvCxnSpPr>
             <a:cxnSpLocks/>
-            <a:stCxn id="4" idx="5"/>
-            <a:endCxn id="33" idx="1"/>
+            <a:stCxn id="32" idx="5"/>
+            <a:endCxn id="40" idx="2"/>
           </p:cNvCxnSpPr>
           <p:nvPr/>
         </p:nvCxnSpPr>
         <p:spPr>
           <a:xfrm>
-            <a:off x="2137247" y="2692676"/>
-            <a:ext cx="1676603" cy="811208"/>
+            <a:off x="2137247" y="3964969"/>
+            <a:ext cx="3863816" cy="1041750"/>
           </a:xfrm>
           <a:prstGeom prst="straightConnector1">
             <a:avLst/>
@@ -10673,24 +11307,24 @@
       </p:cxnSp>
       <p:cxnSp>
         <p:nvCxnSpPr>
-          <p:cNvPr id="47" name="Straight Arrow Connector 46">
+          <p:cNvPr id="53" name="Straight Arrow Connector 52">
             <a:extLst>
               <a:ext uri="{FF2B5EF4-FFF2-40B4-BE49-F238E27FC236}">
-                <a16:creationId xmlns:a16="http://schemas.microsoft.com/office/drawing/2014/main" id="{C755BA18-DD1E-774C-8833-E516EC7B3CC9}"/>
+                <a16:creationId xmlns:a16="http://schemas.microsoft.com/office/drawing/2014/main" id="{A023677D-77D7-E04F-83B2-72D23262517C}"/>
               </a:ext>
             </a:extLst>
           </p:cNvPr>
           <p:cNvCxnSpPr>
             <a:cxnSpLocks/>
-            <a:stCxn id="32" idx="5"/>
-            <a:endCxn id="39" idx="1"/>
+            <a:stCxn id="38" idx="6"/>
+            <a:endCxn id="34" idx="2"/>
           </p:cNvCxnSpPr>
           <p:nvPr/>
         </p:nvCxnSpPr>
         <p:spPr>
-          <a:xfrm>
-            <a:off x="2137247" y="3964969"/>
-            <a:ext cx="1676603" cy="811208"/>
+          <a:xfrm flipV="1">
+            <a:off x="2236034" y="3734426"/>
+            <a:ext cx="3765029" cy="1272294"/>
           </a:xfrm>
           <a:prstGeom prst="straightConnector1">
             <a:avLst/>
@@ -10720,10 +11354,100 @@
           </a:fontRef>
         </p:style>
       </p:cxnSp>
+      <p:cxnSp>
+        <p:nvCxnSpPr>
+          <p:cNvPr id="54" name="Straight Arrow Connector 53">
+            <a:extLst>
+              <a:ext uri="{FF2B5EF4-FFF2-40B4-BE49-F238E27FC236}">
+                <a16:creationId xmlns:a16="http://schemas.microsoft.com/office/drawing/2014/main" id="{7A8AD106-FB42-3742-89BB-7570F81926B9}"/>
+              </a:ext>
+            </a:extLst>
+          </p:cNvPr>
+          <p:cNvCxnSpPr>
+            <a:cxnSpLocks/>
+            <a:stCxn id="4" idx="6"/>
+            <a:endCxn id="34" idx="2"/>
+          </p:cNvCxnSpPr>
+          <p:nvPr/>
+        </p:nvCxnSpPr>
+        <p:spPr>
+          <a:xfrm>
+            <a:off x="2236034" y="2462134"/>
+            <a:ext cx="3765029" cy="1272292"/>
+          </a:xfrm>
+          <a:prstGeom prst="straightConnector1">
+            <a:avLst/>
+          </a:prstGeom>
+          <a:ln w="15875">
+            <a:solidFill>
+              <a:schemeClr val="tx1">
+                <a:lumMod val="75000"/>
+              </a:schemeClr>
+            </a:solidFill>
+            <a:headEnd w="lg" len="lg"/>
+            <a:tailEnd type="triangle" w="lg" len="lg"/>
+          </a:ln>
+        </p:spPr>
+        <p:style>
+          <a:lnRef idx="1">
+            <a:schemeClr val="accent1"/>
+          </a:lnRef>
+          <a:fillRef idx="0">
+            <a:schemeClr val="accent1"/>
+          </a:fillRef>
+          <a:effectRef idx="0">
+            <a:schemeClr val="accent1"/>
+          </a:effectRef>
+          <a:fontRef idx="minor">
+            <a:schemeClr val="tx1"/>
+          </a:fontRef>
+        </p:style>
+      </p:cxnSp>
+      <p:sp>
+        <p:nvSpPr>
+          <p:cNvPr id="55" name="Rectangle 54">
+            <a:extLst>
+              <a:ext uri="{FF2B5EF4-FFF2-40B4-BE49-F238E27FC236}">
+                <a16:creationId xmlns:a16="http://schemas.microsoft.com/office/drawing/2014/main" id="{2DC65CFA-D753-BB4E-A6EE-045B1B28B415}"/>
+              </a:ext>
+            </a:extLst>
+          </p:cNvPr>
+          <p:cNvSpPr/>
+          <p:nvPr/>
+        </p:nvSpPr>
+        <p:spPr>
+          <a:xfrm>
+            <a:off x="89473" y="6473309"/>
+            <a:ext cx="1976823" cy="261610"/>
+          </a:xfrm>
+          <a:prstGeom prst="rect">
+            <a:avLst/>
+          </a:prstGeom>
+        </p:spPr>
+        <p:txBody>
+          <a:bodyPr wrap="none">
+            <a:spAutoFit/>
+          </a:bodyPr>
+          <a:lstStyle/>
+          <a:p>
+            <a:r>
+              <a:rPr lang="en-US" sz="1100" dirty="0">
+                <a:solidFill>
+                  <a:schemeClr val="bg1">
+                    <a:lumMod val="65000"/>
+                    <a:lumOff val="35000"/>
+                  </a:schemeClr>
+                </a:solidFill>
+              </a:rPr>
+              <a:t>Keletso Makofane, March 2021</a:t>
+            </a:r>
+          </a:p>
+        </p:txBody>
+      </p:sp>
     </p:spTree>
     <p:extLst>
       <p:ext uri="{BB962C8B-B14F-4D97-AF65-F5344CB8AC3E}">
-        <p14:creationId xmlns:p14="http://schemas.microsoft.com/office/powerpoint/2010/main" val="2884136543"/>
+        <p14:creationId xmlns:p14="http://schemas.microsoft.com/office/powerpoint/2010/main" val="4001250603"/>
       </p:ext>
     </p:extLst>
   </p:cSld>
@@ -12397,8 +13121,9 @@
           </a:prstGeom>
           <a:ln w="15875">
             <a:solidFill>
-              <a:schemeClr val="tx1">
-                <a:lumMod val="75000"/>
+              <a:schemeClr val="bg1">
+                <a:lumMod val="85000"/>
+                <a:lumOff val="15000"/>
               </a:schemeClr>
             </a:solidFill>
             <a:headEnd w="lg" len="lg"/>
@@ -12440,374 +13165,6 @@
           <a:xfrm>
             <a:off x="2137247" y="3964969"/>
             <a:ext cx="3863816" cy="1041750"/>
-          </a:xfrm>
-          <a:prstGeom prst="straightConnector1">
-            <a:avLst/>
-          </a:prstGeom>
-          <a:ln w="15875">
-            <a:solidFill>
-              <a:schemeClr val="tx1">
-                <a:lumMod val="75000"/>
-              </a:schemeClr>
-            </a:solidFill>
-            <a:headEnd w="lg" len="lg"/>
-            <a:tailEnd type="triangle" w="lg" len="lg"/>
-          </a:ln>
-        </p:spPr>
-        <p:style>
-          <a:lnRef idx="1">
-            <a:schemeClr val="accent1"/>
-          </a:lnRef>
-          <a:fillRef idx="0">
-            <a:schemeClr val="accent1"/>
-          </a:fillRef>
-          <a:effectRef idx="0">
-            <a:schemeClr val="accent1"/>
-          </a:effectRef>
-          <a:fontRef idx="minor">
-            <a:schemeClr val="tx1"/>
-          </a:fontRef>
-        </p:style>
-      </p:cxnSp>
-      <p:cxnSp>
-        <p:nvCxnSpPr>
-          <p:cNvPr id="53" name="Straight Arrow Connector 52">
-            <a:extLst>
-              <a:ext uri="{FF2B5EF4-FFF2-40B4-BE49-F238E27FC236}">
-                <a16:creationId xmlns:a16="http://schemas.microsoft.com/office/drawing/2014/main" id="{A023677D-77D7-E04F-83B2-72D23262517C}"/>
-              </a:ext>
-            </a:extLst>
-          </p:cNvPr>
-          <p:cNvCxnSpPr>
-            <a:cxnSpLocks/>
-            <a:stCxn id="38" idx="6"/>
-            <a:endCxn id="34" idx="2"/>
-          </p:cNvCxnSpPr>
-          <p:nvPr/>
-        </p:nvCxnSpPr>
-        <p:spPr>
-          <a:xfrm flipV="1">
-            <a:off x="2236034" y="3734426"/>
-            <a:ext cx="3765029" cy="1272294"/>
-          </a:xfrm>
-          <a:prstGeom prst="straightConnector1">
-            <a:avLst/>
-          </a:prstGeom>
-          <a:ln w="15875">
-            <a:solidFill>
-              <a:schemeClr val="tx1">
-                <a:lumMod val="75000"/>
-              </a:schemeClr>
-            </a:solidFill>
-            <a:headEnd w="lg" len="lg"/>
-            <a:tailEnd type="triangle" w="lg" len="lg"/>
-          </a:ln>
-        </p:spPr>
-        <p:style>
-          <a:lnRef idx="1">
-            <a:schemeClr val="accent1"/>
-          </a:lnRef>
-          <a:fillRef idx="0">
-            <a:schemeClr val="accent1"/>
-          </a:fillRef>
-          <a:effectRef idx="0">
-            <a:schemeClr val="accent1"/>
-          </a:effectRef>
-          <a:fontRef idx="minor">
-            <a:schemeClr val="tx1"/>
-          </a:fontRef>
-        </p:style>
-      </p:cxnSp>
-      <p:cxnSp>
-        <p:nvCxnSpPr>
-          <p:cNvPr id="54" name="Straight Arrow Connector 53">
-            <a:extLst>
-              <a:ext uri="{FF2B5EF4-FFF2-40B4-BE49-F238E27FC236}">
-                <a16:creationId xmlns:a16="http://schemas.microsoft.com/office/drawing/2014/main" id="{7A8AD106-FB42-3742-89BB-7570F81926B9}"/>
-              </a:ext>
-            </a:extLst>
-          </p:cNvPr>
-          <p:cNvCxnSpPr>
-            <a:cxnSpLocks/>
-            <a:stCxn id="4" idx="6"/>
-            <a:endCxn id="34" idx="2"/>
-          </p:cNvCxnSpPr>
-          <p:nvPr/>
-        </p:nvCxnSpPr>
-        <p:spPr>
-          <a:xfrm>
-            <a:off x="2236034" y="2462134"/>
-            <a:ext cx="3765029" cy="1272292"/>
-          </a:xfrm>
-          <a:prstGeom prst="straightConnector1">
-            <a:avLst/>
-          </a:prstGeom>
-          <a:ln w="15875">
-            <a:solidFill>
-              <a:schemeClr val="tx1">
-                <a:lumMod val="75000"/>
-              </a:schemeClr>
-            </a:solidFill>
-            <a:headEnd w="lg" len="lg"/>
-            <a:tailEnd type="triangle" w="lg" len="lg"/>
-          </a:ln>
-        </p:spPr>
-        <p:style>
-          <a:lnRef idx="1">
-            <a:schemeClr val="accent1"/>
-          </a:lnRef>
-          <a:fillRef idx="0">
-            <a:schemeClr val="accent1"/>
-          </a:fillRef>
-          <a:effectRef idx="0">
-            <a:schemeClr val="accent1"/>
-          </a:effectRef>
-          <a:fontRef idx="minor">
-            <a:schemeClr val="tx1"/>
-          </a:fontRef>
-        </p:style>
-      </p:cxnSp>
-    </p:spTree>
-    <p:extLst>
-      <p:ext uri="{BB962C8B-B14F-4D97-AF65-F5344CB8AC3E}">
-        <p14:creationId xmlns:p14="http://schemas.microsoft.com/office/powerpoint/2010/main" val="4001250603"/>
-      </p:ext>
-    </p:extLst>
-  </p:cSld>
-  <p:clrMapOvr>
-    <a:masterClrMapping/>
-  </p:clrMapOvr>
-</p:sld>
-</file>
-
-<file path=ppt/slides/slide14.xml><?xml version="1.0" encoding="utf-8"?>
-<p:sld xmlns:a="http://schemas.openxmlformats.org/drawingml/2006/main" xmlns:r="http://schemas.openxmlformats.org/officeDocument/2006/relationships" xmlns:p="http://schemas.openxmlformats.org/presentationml/2006/main">
-  <p:cSld>
-    <p:spTree>
-      <p:nvGrpSpPr>
-        <p:cNvPr id="1" name=""/>
-        <p:cNvGrpSpPr/>
-        <p:nvPr/>
-      </p:nvGrpSpPr>
-      <p:grpSpPr>
-        <a:xfrm>
-          <a:off x="0" y="0"/>
-          <a:ext cx="0" cy="0"/>
-          <a:chOff x="0" y="0"/>
-          <a:chExt cx="0" cy="0"/>
-        </a:xfrm>
-      </p:grpSpPr>
-      <p:sp>
-        <p:nvSpPr>
-          <p:cNvPr id="4" name="Oval 3">
-            <a:extLst>
-              <a:ext uri="{FF2B5EF4-FFF2-40B4-BE49-F238E27FC236}">
-                <a16:creationId xmlns:a16="http://schemas.microsoft.com/office/drawing/2014/main" id="{C1BFA66F-668B-1044-8079-71C5BF0A9F70}"/>
-              </a:ext>
-            </a:extLst>
-          </p:cNvPr>
-          <p:cNvSpPr/>
-          <p:nvPr/>
-        </p:nvSpPr>
-        <p:spPr>
-          <a:xfrm>
-            <a:off x="1561476" y="2136097"/>
-            <a:ext cx="674558" cy="652073"/>
-          </a:xfrm>
-          <a:prstGeom prst="ellipse">
-            <a:avLst/>
-          </a:prstGeom>
-          <a:solidFill>
-            <a:srgbClr val="0070C0"/>
-          </a:solidFill>
-          <a:ln>
-            <a:solidFill>
-              <a:schemeClr val="tx1">
-                <a:lumMod val="50000"/>
-              </a:schemeClr>
-            </a:solidFill>
-          </a:ln>
-        </p:spPr>
-        <p:style>
-          <a:lnRef idx="2">
-            <a:schemeClr val="accent1">
-              <a:shade val="50000"/>
-            </a:schemeClr>
-          </a:lnRef>
-          <a:fillRef idx="1">
-            <a:schemeClr val="accent1"/>
-          </a:fillRef>
-          <a:effectRef idx="0">
-            <a:schemeClr val="accent1"/>
-          </a:effectRef>
-          <a:fontRef idx="minor">
-            <a:schemeClr val="lt1"/>
-          </a:fontRef>
-        </p:style>
-        <p:txBody>
-          <a:bodyPr rtlCol="0" anchor="ctr"/>
-          <a:lstStyle/>
-          <a:p>
-            <a:pPr algn="ctr"/>
-            <a:r>
-              <a:rPr lang="en-US" sz="1200" b="1" dirty="0"/>
-              <a:t>L</a:t>
-            </a:r>
-            <a:r>
-              <a:rPr lang="en-US" sz="1200" b="1" baseline="-25000" dirty="0"/>
-              <a:t>1</a:t>
-            </a:r>
-            <a:endParaRPr lang="en-US" sz="1200" b="1" dirty="0"/>
-          </a:p>
-        </p:txBody>
-      </p:sp>
-      <p:sp>
-        <p:nvSpPr>
-          <p:cNvPr id="5" name="Oval 4">
-            <a:extLst>
-              <a:ext uri="{FF2B5EF4-FFF2-40B4-BE49-F238E27FC236}">
-                <a16:creationId xmlns:a16="http://schemas.microsoft.com/office/drawing/2014/main" id="{26B7C5F9-88A2-7A46-AE1F-C9132CDCBEBD}"/>
-              </a:ext>
-            </a:extLst>
-          </p:cNvPr>
-          <p:cNvSpPr/>
-          <p:nvPr/>
-        </p:nvSpPr>
-        <p:spPr>
-          <a:xfrm>
-            <a:off x="3715063" y="2136097"/>
-            <a:ext cx="674558" cy="652073"/>
-          </a:xfrm>
-          <a:prstGeom prst="ellipse">
-            <a:avLst/>
-          </a:prstGeom>
-          <a:solidFill>
-            <a:srgbClr val="0070C0"/>
-          </a:solidFill>
-          <a:ln>
-            <a:solidFill>
-              <a:schemeClr val="tx1">
-                <a:lumMod val="50000"/>
-              </a:schemeClr>
-            </a:solidFill>
-          </a:ln>
-        </p:spPr>
-        <p:style>
-          <a:lnRef idx="2">
-            <a:schemeClr val="accent1">
-              <a:shade val="50000"/>
-            </a:schemeClr>
-          </a:lnRef>
-          <a:fillRef idx="1">
-            <a:schemeClr val="accent1"/>
-          </a:fillRef>
-          <a:effectRef idx="0">
-            <a:schemeClr val="accent1"/>
-          </a:effectRef>
-          <a:fontRef idx="minor">
-            <a:schemeClr val="lt1"/>
-          </a:fontRef>
-        </p:style>
-        <p:txBody>
-          <a:bodyPr rtlCol="0" anchor="ctr"/>
-          <a:lstStyle/>
-          <a:p>
-            <a:pPr algn="ctr"/>
-            <a:r>
-              <a:rPr lang="en-US" sz="1400" b="1" dirty="0"/>
-              <a:t>A</a:t>
-            </a:r>
-            <a:r>
-              <a:rPr lang="en-US" sz="1400" b="1" baseline="-25000" dirty="0"/>
-              <a:t>1</a:t>
-            </a:r>
-            <a:endParaRPr lang="en-US" sz="1400" b="1" dirty="0"/>
-          </a:p>
-        </p:txBody>
-      </p:sp>
-      <p:sp>
-        <p:nvSpPr>
-          <p:cNvPr id="6" name="Oval 5">
-            <a:extLst>
-              <a:ext uri="{FF2B5EF4-FFF2-40B4-BE49-F238E27FC236}">
-                <a16:creationId xmlns:a16="http://schemas.microsoft.com/office/drawing/2014/main" id="{04B1300C-5748-9544-8A69-9A456D296FB0}"/>
-              </a:ext>
-            </a:extLst>
-          </p:cNvPr>
-          <p:cNvSpPr/>
-          <p:nvPr/>
-        </p:nvSpPr>
-        <p:spPr>
-          <a:xfrm>
-            <a:off x="6001063" y="2136096"/>
-            <a:ext cx="674558" cy="652073"/>
-          </a:xfrm>
-          <a:prstGeom prst="ellipse">
-            <a:avLst/>
-          </a:prstGeom>
-          <a:solidFill>
-            <a:srgbClr val="0070C0"/>
-          </a:solidFill>
-          <a:ln>
-            <a:solidFill>
-              <a:schemeClr val="tx1">
-                <a:lumMod val="50000"/>
-              </a:schemeClr>
-            </a:solidFill>
-          </a:ln>
-        </p:spPr>
-        <p:style>
-          <a:lnRef idx="2">
-            <a:schemeClr val="accent1">
-              <a:shade val="50000"/>
-            </a:schemeClr>
-          </a:lnRef>
-          <a:fillRef idx="1">
-            <a:schemeClr val="accent1"/>
-          </a:fillRef>
-          <a:effectRef idx="0">
-            <a:schemeClr val="accent1"/>
-          </a:effectRef>
-          <a:fontRef idx="minor">
-            <a:schemeClr val="lt1"/>
-          </a:fontRef>
-        </p:style>
-        <p:txBody>
-          <a:bodyPr rtlCol="0" anchor="ctr"/>
-          <a:lstStyle/>
-          <a:p>
-            <a:pPr algn="ctr"/>
-            <a:r>
-              <a:rPr lang="en-US" sz="1400" b="1" dirty="0"/>
-              <a:t>Y</a:t>
-            </a:r>
-            <a:r>
-              <a:rPr lang="en-US" sz="1400" b="1" baseline="-25000" dirty="0"/>
-              <a:t>1</a:t>
-            </a:r>
-            <a:endParaRPr lang="en-US" sz="1400" b="1" dirty="0"/>
-          </a:p>
-        </p:txBody>
-      </p:sp>
-      <p:cxnSp>
-        <p:nvCxnSpPr>
-          <p:cNvPr id="8" name="Straight Arrow Connector 7">
-            <a:extLst>
-              <a:ext uri="{FF2B5EF4-FFF2-40B4-BE49-F238E27FC236}">
-                <a16:creationId xmlns:a16="http://schemas.microsoft.com/office/drawing/2014/main" id="{A885ADDE-AFC4-4C42-A004-AE14B21CD203}"/>
-              </a:ext>
-            </a:extLst>
-          </p:cNvPr>
-          <p:cNvCxnSpPr>
-            <a:stCxn id="4" idx="6"/>
-            <a:endCxn id="5" idx="2"/>
-          </p:cNvCxnSpPr>
-          <p:nvPr/>
-        </p:nvCxnSpPr>
-        <p:spPr>
-          <a:xfrm>
-            <a:off x="2236034" y="2462134"/>
-            <a:ext cx="1479029" cy="0"/>
           </a:xfrm>
           <a:prstGeom prst="straightConnector1">
             <a:avLst/>
@@ -12840,23 +13197,24 @@
       </p:cxnSp>
       <p:cxnSp>
         <p:nvCxnSpPr>
-          <p:cNvPr id="10" name="Straight Arrow Connector 9">
+          <p:cNvPr id="53" name="Straight Arrow Connector 52">
             <a:extLst>
               <a:ext uri="{FF2B5EF4-FFF2-40B4-BE49-F238E27FC236}">
-                <a16:creationId xmlns:a16="http://schemas.microsoft.com/office/drawing/2014/main" id="{A65EF20A-851F-D84E-9F83-DCA465D9F64D}"/>
+                <a16:creationId xmlns:a16="http://schemas.microsoft.com/office/drawing/2014/main" id="{A023677D-77D7-E04F-83B2-72D23262517C}"/>
               </a:ext>
             </a:extLst>
           </p:cNvPr>
           <p:cNvCxnSpPr>
-            <a:stCxn id="5" idx="6"/>
-            <a:endCxn id="6" idx="2"/>
+            <a:cxnSpLocks/>
+            <a:stCxn id="38" idx="6"/>
+            <a:endCxn id="34" idx="2"/>
           </p:cNvCxnSpPr>
           <p:nvPr/>
         </p:nvCxnSpPr>
         <p:spPr>
           <a:xfrm flipV="1">
-            <a:off x="4389621" y="2462133"/>
-            <a:ext cx="1611442" cy="1"/>
+            <a:off x="2236034" y="3734426"/>
+            <a:ext cx="3765029" cy="1272294"/>
           </a:xfrm>
           <a:prstGeom prst="straightConnector1">
             <a:avLst/>
@@ -12889,266 +13247,24 @@
       </p:cxnSp>
       <p:cxnSp>
         <p:nvCxnSpPr>
-          <p:cNvPr id="20" name="Curved Connector 19">
+          <p:cNvPr id="54" name="Straight Arrow Connector 53">
             <a:extLst>
               <a:ext uri="{FF2B5EF4-FFF2-40B4-BE49-F238E27FC236}">
-                <a16:creationId xmlns:a16="http://schemas.microsoft.com/office/drawing/2014/main" id="{457E3962-76A8-D04B-B89E-7EF46E8426FE}"/>
+                <a16:creationId xmlns:a16="http://schemas.microsoft.com/office/drawing/2014/main" id="{7A8AD106-FB42-3742-89BB-7570F81926B9}"/>
               </a:ext>
             </a:extLst>
           </p:cNvPr>
           <p:cNvCxnSpPr>
-            <a:stCxn id="4" idx="0"/>
-            <a:endCxn id="6" idx="0"/>
+            <a:cxnSpLocks/>
+            <a:stCxn id="4" idx="6"/>
+            <a:endCxn id="34" idx="2"/>
           </p:cNvCxnSpPr>
           <p:nvPr/>
         </p:nvCxnSpPr>
         <p:spPr>
-          <a:xfrm rot="5400000" flipH="1" flipV="1">
-            <a:off x="4118548" y="-83696"/>
-            <a:ext cx="1" cy="4439587"/>
-          </a:xfrm>
-          <a:prstGeom prst="curvedConnector3">
-            <a:avLst>
-              <a:gd name="adj1" fmla="val 22860100000"/>
-            </a:avLst>
-          </a:prstGeom>
-          <a:ln w="15875">
-            <a:solidFill>
-              <a:schemeClr val="bg1">
-                <a:lumMod val="85000"/>
-                <a:lumOff val="15000"/>
-              </a:schemeClr>
-            </a:solidFill>
-            <a:headEnd w="lg" len="lg"/>
-            <a:tailEnd type="triangle" w="lg" len="lg"/>
-          </a:ln>
-        </p:spPr>
-        <p:style>
-          <a:lnRef idx="1">
-            <a:schemeClr val="accent1"/>
-          </a:lnRef>
-          <a:fillRef idx="0">
-            <a:schemeClr val="accent1"/>
-          </a:fillRef>
-          <a:effectRef idx="0">
-            <a:schemeClr val="accent1"/>
-          </a:effectRef>
-          <a:fontRef idx="minor">
-            <a:schemeClr val="tx1"/>
-          </a:fontRef>
-        </p:style>
-      </p:cxnSp>
-      <p:sp>
-        <p:nvSpPr>
-          <p:cNvPr id="32" name="Oval 31">
-            <a:extLst>
-              <a:ext uri="{FF2B5EF4-FFF2-40B4-BE49-F238E27FC236}">
-                <a16:creationId xmlns:a16="http://schemas.microsoft.com/office/drawing/2014/main" id="{8F8D22E1-BD74-C344-9E92-256C4F7B2F1A}"/>
-              </a:ext>
-            </a:extLst>
-          </p:cNvPr>
-          <p:cNvSpPr/>
-          <p:nvPr/>
-        </p:nvSpPr>
-        <p:spPr>
           <a:xfrm>
-            <a:off x="1561476" y="3408390"/>
-            <a:ext cx="674558" cy="652073"/>
-          </a:xfrm>
-          <a:prstGeom prst="ellipse">
-            <a:avLst/>
-          </a:prstGeom>
-          <a:solidFill>
-            <a:schemeClr val="accent6"/>
-          </a:solidFill>
-          <a:ln>
-            <a:solidFill>
-              <a:schemeClr val="tx1">
-                <a:lumMod val="50000"/>
-              </a:schemeClr>
-            </a:solidFill>
-          </a:ln>
-        </p:spPr>
-        <p:style>
-          <a:lnRef idx="2">
-            <a:schemeClr val="accent1">
-              <a:shade val="50000"/>
-            </a:schemeClr>
-          </a:lnRef>
-          <a:fillRef idx="1">
-            <a:schemeClr val="accent1"/>
-          </a:fillRef>
-          <a:effectRef idx="0">
-            <a:schemeClr val="accent1"/>
-          </a:effectRef>
-          <a:fontRef idx="minor">
-            <a:schemeClr val="lt1"/>
-          </a:fontRef>
-        </p:style>
-        <p:txBody>
-          <a:bodyPr rtlCol="0" anchor="ctr"/>
-          <a:lstStyle/>
-          <a:p>
-            <a:pPr algn="ctr"/>
-            <a:r>
-              <a:rPr lang="en-US" sz="1200" b="1" dirty="0"/>
-              <a:t>L</a:t>
-            </a:r>
-            <a:r>
-              <a:rPr lang="en-US" sz="1200" b="1" baseline="-25000" dirty="0"/>
-              <a:t>2</a:t>
-            </a:r>
-            <a:endParaRPr lang="en-US" sz="1200" b="1" dirty="0"/>
-          </a:p>
-        </p:txBody>
-      </p:sp>
-      <p:sp>
-        <p:nvSpPr>
-          <p:cNvPr id="33" name="Oval 32">
-            <a:extLst>
-              <a:ext uri="{FF2B5EF4-FFF2-40B4-BE49-F238E27FC236}">
-                <a16:creationId xmlns:a16="http://schemas.microsoft.com/office/drawing/2014/main" id="{692A2CF4-F284-6343-9DC2-2C2A6A2E9E34}"/>
-              </a:ext>
-            </a:extLst>
-          </p:cNvPr>
-          <p:cNvSpPr/>
-          <p:nvPr/>
-        </p:nvSpPr>
-        <p:spPr>
-          <a:xfrm>
-            <a:off x="3715063" y="3408390"/>
-            <a:ext cx="674558" cy="652073"/>
-          </a:xfrm>
-          <a:prstGeom prst="ellipse">
-            <a:avLst/>
-          </a:prstGeom>
-          <a:solidFill>
-            <a:schemeClr val="accent6"/>
-          </a:solidFill>
-          <a:ln>
-            <a:solidFill>
-              <a:schemeClr val="tx1">
-                <a:lumMod val="50000"/>
-              </a:schemeClr>
-            </a:solidFill>
-          </a:ln>
-        </p:spPr>
-        <p:style>
-          <a:lnRef idx="2">
-            <a:schemeClr val="accent1">
-              <a:shade val="50000"/>
-            </a:schemeClr>
-          </a:lnRef>
-          <a:fillRef idx="1">
-            <a:schemeClr val="accent1"/>
-          </a:fillRef>
-          <a:effectRef idx="0">
-            <a:schemeClr val="accent1"/>
-          </a:effectRef>
-          <a:fontRef idx="minor">
-            <a:schemeClr val="lt1"/>
-          </a:fontRef>
-        </p:style>
-        <p:txBody>
-          <a:bodyPr rtlCol="0" anchor="ctr"/>
-          <a:lstStyle/>
-          <a:p>
-            <a:pPr algn="ctr"/>
-            <a:r>
-              <a:rPr lang="en-US" sz="1400" b="1" dirty="0"/>
-              <a:t>A</a:t>
-            </a:r>
-            <a:r>
-              <a:rPr lang="en-US" sz="1400" b="1" baseline="-25000" dirty="0"/>
-              <a:t>2</a:t>
-            </a:r>
-            <a:endParaRPr lang="en-US" sz="1400" b="1" dirty="0"/>
-          </a:p>
-        </p:txBody>
-      </p:sp>
-      <p:sp>
-        <p:nvSpPr>
-          <p:cNvPr id="34" name="Oval 33">
-            <a:extLst>
-              <a:ext uri="{FF2B5EF4-FFF2-40B4-BE49-F238E27FC236}">
-                <a16:creationId xmlns:a16="http://schemas.microsoft.com/office/drawing/2014/main" id="{CBD2311A-19DA-8B43-AB9C-C4A9DDD0041F}"/>
-              </a:ext>
-            </a:extLst>
-          </p:cNvPr>
-          <p:cNvSpPr/>
-          <p:nvPr/>
-        </p:nvSpPr>
-        <p:spPr>
-          <a:xfrm>
-            <a:off x="6001063" y="3408389"/>
-            <a:ext cx="674558" cy="652073"/>
-          </a:xfrm>
-          <a:prstGeom prst="ellipse">
-            <a:avLst/>
-          </a:prstGeom>
-          <a:solidFill>
-            <a:schemeClr val="accent6"/>
-          </a:solidFill>
-          <a:ln>
-            <a:solidFill>
-              <a:schemeClr val="tx1">
-                <a:lumMod val="50000"/>
-              </a:schemeClr>
-            </a:solidFill>
-          </a:ln>
-        </p:spPr>
-        <p:style>
-          <a:lnRef idx="2">
-            <a:schemeClr val="accent1">
-              <a:shade val="50000"/>
-            </a:schemeClr>
-          </a:lnRef>
-          <a:fillRef idx="1">
-            <a:schemeClr val="accent1"/>
-          </a:fillRef>
-          <a:effectRef idx="0">
-            <a:schemeClr val="accent1"/>
-          </a:effectRef>
-          <a:fontRef idx="minor">
-            <a:schemeClr val="lt1"/>
-          </a:fontRef>
-        </p:style>
-        <p:txBody>
-          <a:bodyPr rtlCol="0" anchor="ctr"/>
-          <a:lstStyle/>
-          <a:p>
-            <a:pPr algn="ctr"/>
-            <a:r>
-              <a:rPr lang="en-US" sz="1400" b="1" dirty="0"/>
-              <a:t>Y</a:t>
-            </a:r>
-            <a:r>
-              <a:rPr lang="en-US" sz="1400" b="1" baseline="-25000" dirty="0"/>
-              <a:t>2</a:t>
-            </a:r>
-            <a:endParaRPr lang="en-US" sz="1400" b="1" dirty="0"/>
-          </a:p>
-        </p:txBody>
-      </p:sp>
-      <p:cxnSp>
-        <p:nvCxnSpPr>
-          <p:cNvPr id="35" name="Straight Arrow Connector 34">
-            <a:extLst>
-              <a:ext uri="{FF2B5EF4-FFF2-40B4-BE49-F238E27FC236}">
-                <a16:creationId xmlns:a16="http://schemas.microsoft.com/office/drawing/2014/main" id="{20545845-D76D-8F42-B14B-AC9BA54B5AB7}"/>
-              </a:ext>
-            </a:extLst>
-          </p:cNvPr>
-          <p:cNvCxnSpPr>
-            <a:stCxn id="32" idx="6"/>
-            <a:endCxn id="33" idx="2"/>
-          </p:cNvCxnSpPr>
-          <p:nvPr/>
-        </p:nvCxnSpPr>
-        <p:spPr>
-          <a:xfrm>
-            <a:off x="2236034" y="3734427"/>
-            <a:ext cx="1479029" cy="0"/>
+            <a:off x="2236034" y="2462134"/>
+            <a:ext cx="3765029" cy="1272292"/>
           </a:xfrm>
           <a:prstGeom prst="straightConnector1">
             <a:avLst/>
@@ -13181,1245 +13297,6 @@
       </p:cxnSp>
       <p:cxnSp>
         <p:nvCxnSpPr>
-          <p:cNvPr id="36" name="Straight Arrow Connector 35">
-            <a:extLst>
-              <a:ext uri="{FF2B5EF4-FFF2-40B4-BE49-F238E27FC236}">
-                <a16:creationId xmlns:a16="http://schemas.microsoft.com/office/drawing/2014/main" id="{9CE581BD-EC71-EC40-9835-2253B9E62C56}"/>
-              </a:ext>
-            </a:extLst>
-          </p:cNvPr>
-          <p:cNvCxnSpPr>
-            <a:stCxn id="33" idx="6"/>
-            <a:endCxn id="34" idx="2"/>
-          </p:cNvCxnSpPr>
-          <p:nvPr/>
-        </p:nvCxnSpPr>
-        <p:spPr>
-          <a:xfrm flipV="1">
-            <a:off x="4389621" y="3734426"/>
-            <a:ext cx="1611442" cy="1"/>
-          </a:xfrm>
-          <a:prstGeom prst="straightConnector1">
-            <a:avLst/>
-          </a:prstGeom>
-          <a:ln w="15875">
-            <a:solidFill>
-              <a:schemeClr val="bg1">
-                <a:lumMod val="85000"/>
-                <a:lumOff val="15000"/>
-              </a:schemeClr>
-            </a:solidFill>
-            <a:headEnd w="lg" len="lg"/>
-            <a:tailEnd type="triangle" w="lg" len="lg"/>
-          </a:ln>
-        </p:spPr>
-        <p:style>
-          <a:lnRef idx="1">
-            <a:schemeClr val="accent1"/>
-          </a:lnRef>
-          <a:fillRef idx="0">
-            <a:schemeClr val="accent1"/>
-          </a:fillRef>
-          <a:effectRef idx="0">
-            <a:schemeClr val="accent1"/>
-          </a:effectRef>
-          <a:fontRef idx="minor">
-            <a:schemeClr val="tx1"/>
-          </a:fontRef>
-        </p:style>
-      </p:cxnSp>
-      <p:cxnSp>
-        <p:nvCxnSpPr>
-          <p:cNvPr id="37" name="Curved Connector 36">
-            <a:extLst>
-              <a:ext uri="{FF2B5EF4-FFF2-40B4-BE49-F238E27FC236}">
-                <a16:creationId xmlns:a16="http://schemas.microsoft.com/office/drawing/2014/main" id="{E1514C85-444D-A348-A8DB-BFEB4A818D59}"/>
-              </a:ext>
-            </a:extLst>
-          </p:cNvPr>
-          <p:cNvCxnSpPr>
-            <a:stCxn id="32" idx="0"/>
-            <a:endCxn id="34" idx="0"/>
-          </p:cNvCxnSpPr>
-          <p:nvPr/>
-        </p:nvCxnSpPr>
-        <p:spPr>
-          <a:xfrm rot="5400000" flipH="1" flipV="1">
-            <a:off x="4118548" y="1188597"/>
-            <a:ext cx="1" cy="4439587"/>
-          </a:xfrm>
-          <a:prstGeom prst="curvedConnector3">
-            <a:avLst>
-              <a:gd name="adj1" fmla="val 22860100000"/>
-            </a:avLst>
-          </a:prstGeom>
-          <a:ln w="15875">
-            <a:solidFill>
-              <a:schemeClr val="bg1">
-                <a:lumMod val="85000"/>
-                <a:lumOff val="15000"/>
-              </a:schemeClr>
-            </a:solidFill>
-            <a:headEnd w="lg" len="lg"/>
-            <a:tailEnd type="triangle" w="lg" len="lg"/>
-          </a:ln>
-        </p:spPr>
-        <p:style>
-          <a:lnRef idx="1">
-            <a:schemeClr val="accent1"/>
-          </a:lnRef>
-          <a:fillRef idx="0">
-            <a:schemeClr val="accent1"/>
-          </a:fillRef>
-          <a:effectRef idx="0">
-            <a:schemeClr val="accent1"/>
-          </a:effectRef>
-          <a:fontRef idx="minor">
-            <a:schemeClr val="tx1"/>
-          </a:fontRef>
-        </p:style>
-      </p:cxnSp>
-      <p:sp>
-        <p:nvSpPr>
-          <p:cNvPr id="38" name="Oval 37">
-            <a:extLst>
-              <a:ext uri="{FF2B5EF4-FFF2-40B4-BE49-F238E27FC236}">
-                <a16:creationId xmlns:a16="http://schemas.microsoft.com/office/drawing/2014/main" id="{40ABAE23-8723-044D-88B9-2D5A901D8CE2}"/>
-              </a:ext>
-            </a:extLst>
-          </p:cNvPr>
-          <p:cNvSpPr/>
-          <p:nvPr/>
-        </p:nvSpPr>
-        <p:spPr>
-          <a:xfrm>
-            <a:off x="1561476" y="4680683"/>
-            <a:ext cx="674558" cy="652073"/>
-          </a:xfrm>
-          <a:prstGeom prst="ellipse">
-            <a:avLst/>
-          </a:prstGeom>
-          <a:solidFill>
-            <a:srgbClr val="7030A0"/>
-          </a:solidFill>
-          <a:ln>
-            <a:solidFill>
-              <a:schemeClr val="tx1">
-                <a:lumMod val="50000"/>
-              </a:schemeClr>
-            </a:solidFill>
-          </a:ln>
-        </p:spPr>
-        <p:style>
-          <a:lnRef idx="2">
-            <a:schemeClr val="accent1">
-              <a:shade val="50000"/>
-            </a:schemeClr>
-          </a:lnRef>
-          <a:fillRef idx="1">
-            <a:schemeClr val="accent1"/>
-          </a:fillRef>
-          <a:effectRef idx="0">
-            <a:schemeClr val="accent1"/>
-          </a:effectRef>
-          <a:fontRef idx="minor">
-            <a:schemeClr val="lt1"/>
-          </a:fontRef>
-        </p:style>
-        <p:txBody>
-          <a:bodyPr rtlCol="0" anchor="ctr"/>
-          <a:lstStyle/>
-          <a:p>
-            <a:pPr algn="ctr"/>
-            <a:r>
-              <a:rPr lang="en-US" sz="1200" b="1" dirty="0"/>
-              <a:t>L</a:t>
-            </a:r>
-            <a:r>
-              <a:rPr lang="en-US" sz="1200" b="1" baseline="-25000" dirty="0"/>
-              <a:t>3</a:t>
-            </a:r>
-            <a:endParaRPr lang="en-US" sz="1200" b="1" dirty="0"/>
-          </a:p>
-        </p:txBody>
-      </p:sp>
-      <p:sp>
-        <p:nvSpPr>
-          <p:cNvPr id="39" name="Oval 38">
-            <a:extLst>
-              <a:ext uri="{FF2B5EF4-FFF2-40B4-BE49-F238E27FC236}">
-                <a16:creationId xmlns:a16="http://schemas.microsoft.com/office/drawing/2014/main" id="{FBE9C7E1-CC14-B545-800F-842DB0873F57}"/>
-              </a:ext>
-            </a:extLst>
-          </p:cNvPr>
-          <p:cNvSpPr/>
-          <p:nvPr/>
-        </p:nvSpPr>
-        <p:spPr>
-          <a:xfrm>
-            <a:off x="3715063" y="4680683"/>
-            <a:ext cx="674558" cy="652073"/>
-          </a:xfrm>
-          <a:prstGeom prst="ellipse">
-            <a:avLst/>
-          </a:prstGeom>
-          <a:solidFill>
-            <a:srgbClr val="7030A0"/>
-          </a:solidFill>
-          <a:ln>
-            <a:solidFill>
-              <a:schemeClr val="tx1">
-                <a:lumMod val="50000"/>
-              </a:schemeClr>
-            </a:solidFill>
-          </a:ln>
-        </p:spPr>
-        <p:style>
-          <a:lnRef idx="2">
-            <a:schemeClr val="accent1">
-              <a:shade val="50000"/>
-            </a:schemeClr>
-          </a:lnRef>
-          <a:fillRef idx="1">
-            <a:schemeClr val="accent1"/>
-          </a:fillRef>
-          <a:effectRef idx="0">
-            <a:schemeClr val="accent1"/>
-          </a:effectRef>
-          <a:fontRef idx="minor">
-            <a:schemeClr val="lt1"/>
-          </a:fontRef>
-        </p:style>
-        <p:txBody>
-          <a:bodyPr rtlCol="0" anchor="ctr"/>
-          <a:lstStyle/>
-          <a:p>
-            <a:pPr algn="ctr"/>
-            <a:r>
-              <a:rPr lang="en-US" sz="1400" b="1" dirty="0"/>
-              <a:t>A</a:t>
-            </a:r>
-            <a:r>
-              <a:rPr lang="en-US" sz="1400" b="1" baseline="-25000" dirty="0"/>
-              <a:t>3</a:t>
-            </a:r>
-            <a:endParaRPr lang="en-US" sz="1400" b="1" dirty="0"/>
-          </a:p>
-        </p:txBody>
-      </p:sp>
-      <p:sp>
-        <p:nvSpPr>
-          <p:cNvPr id="40" name="Oval 39">
-            <a:extLst>
-              <a:ext uri="{FF2B5EF4-FFF2-40B4-BE49-F238E27FC236}">
-                <a16:creationId xmlns:a16="http://schemas.microsoft.com/office/drawing/2014/main" id="{54BFFD8C-8A2D-314F-B299-4ACABB352370}"/>
-              </a:ext>
-            </a:extLst>
-          </p:cNvPr>
-          <p:cNvSpPr/>
-          <p:nvPr/>
-        </p:nvSpPr>
-        <p:spPr>
-          <a:xfrm>
-            <a:off x="6001063" y="4680682"/>
-            <a:ext cx="674558" cy="652073"/>
-          </a:xfrm>
-          <a:prstGeom prst="ellipse">
-            <a:avLst/>
-          </a:prstGeom>
-          <a:solidFill>
-            <a:srgbClr val="7030A0"/>
-          </a:solidFill>
-          <a:ln>
-            <a:solidFill>
-              <a:schemeClr val="tx1">
-                <a:lumMod val="50000"/>
-              </a:schemeClr>
-            </a:solidFill>
-          </a:ln>
-        </p:spPr>
-        <p:style>
-          <a:lnRef idx="2">
-            <a:schemeClr val="accent1">
-              <a:shade val="50000"/>
-            </a:schemeClr>
-          </a:lnRef>
-          <a:fillRef idx="1">
-            <a:schemeClr val="accent1"/>
-          </a:fillRef>
-          <a:effectRef idx="0">
-            <a:schemeClr val="accent1"/>
-          </a:effectRef>
-          <a:fontRef idx="minor">
-            <a:schemeClr val="lt1"/>
-          </a:fontRef>
-        </p:style>
-        <p:txBody>
-          <a:bodyPr rtlCol="0" anchor="ctr"/>
-          <a:lstStyle/>
-          <a:p>
-            <a:pPr algn="ctr"/>
-            <a:r>
-              <a:rPr lang="en-US" sz="1400" b="1" dirty="0"/>
-              <a:t>Y</a:t>
-            </a:r>
-            <a:r>
-              <a:rPr lang="en-US" sz="1400" b="1" baseline="-25000" dirty="0"/>
-              <a:t>3</a:t>
-            </a:r>
-            <a:endParaRPr lang="en-US" sz="1400" b="1" dirty="0"/>
-          </a:p>
-        </p:txBody>
-      </p:sp>
-      <p:cxnSp>
-        <p:nvCxnSpPr>
-          <p:cNvPr id="41" name="Straight Arrow Connector 40">
-            <a:extLst>
-              <a:ext uri="{FF2B5EF4-FFF2-40B4-BE49-F238E27FC236}">
-                <a16:creationId xmlns:a16="http://schemas.microsoft.com/office/drawing/2014/main" id="{A2AAAE37-97FC-A240-8054-B71462A8E1BF}"/>
-              </a:ext>
-            </a:extLst>
-          </p:cNvPr>
-          <p:cNvCxnSpPr>
-            <a:stCxn id="38" idx="6"/>
-            <a:endCxn id="39" idx="2"/>
-          </p:cNvCxnSpPr>
-          <p:nvPr/>
-        </p:nvCxnSpPr>
-        <p:spPr>
-          <a:xfrm>
-            <a:off x="2236034" y="5006720"/>
-            <a:ext cx="1479029" cy="0"/>
-          </a:xfrm>
-          <a:prstGeom prst="straightConnector1">
-            <a:avLst/>
-          </a:prstGeom>
-          <a:ln w="15875">
-            <a:solidFill>
-              <a:schemeClr val="bg1">
-                <a:lumMod val="85000"/>
-                <a:lumOff val="15000"/>
-              </a:schemeClr>
-            </a:solidFill>
-            <a:headEnd w="lg" len="lg"/>
-            <a:tailEnd type="triangle" w="lg" len="lg"/>
-          </a:ln>
-        </p:spPr>
-        <p:style>
-          <a:lnRef idx="1">
-            <a:schemeClr val="accent1"/>
-          </a:lnRef>
-          <a:fillRef idx="0">
-            <a:schemeClr val="accent1"/>
-          </a:fillRef>
-          <a:effectRef idx="0">
-            <a:schemeClr val="accent1"/>
-          </a:effectRef>
-          <a:fontRef idx="minor">
-            <a:schemeClr val="tx1"/>
-          </a:fontRef>
-        </p:style>
-      </p:cxnSp>
-      <p:cxnSp>
-        <p:nvCxnSpPr>
-          <p:cNvPr id="42" name="Straight Arrow Connector 41">
-            <a:extLst>
-              <a:ext uri="{FF2B5EF4-FFF2-40B4-BE49-F238E27FC236}">
-                <a16:creationId xmlns:a16="http://schemas.microsoft.com/office/drawing/2014/main" id="{D34A845B-94B6-4645-B203-8017C9700A9E}"/>
-              </a:ext>
-            </a:extLst>
-          </p:cNvPr>
-          <p:cNvCxnSpPr>
-            <a:stCxn id="39" idx="6"/>
-            <a:endCxn id="40" idx="2"/>
-          </p:cNvCxnSpPr>
-          <p:nvPr/>
-        </p:nvCxnSpPr>
-        <p:spPr>
-          <a:xfrm flipV="1">
-            <a:off x="4389621" y="5006719"/>
-            <a:ext cx="1611442" cy="1"/>
-          </a:xfrm>
-          <a:prstGeom prst="straightConnector1">
-            <a:avLst/>
-          </a:prstGeom>
-          <a:ln w="15875">
-            <a:solidFill>
-              <a:schemeClr val="bg1">
-                <a:lumMod val="85000"/>
-                <a:lumOff val="15000"/>
-              </a:schemeClr>
-            </a:solidFill>
-            <a:headEnd w="lg" len="lg"/>
-            <a:tailEnd type="triangle" w="lg" len="lg"/>
-          </a:ln>
-        </p:spPr>
-        <p:style>
-          <a:lnRef idx="1">
-            <a:schemeClr val="accent1"/>
-          </a:lnRef>
-          <a:fillRef idx="0">
-            <a:schemeClr val="accent1"/>
-          </a:fillRef>
-          <a:effectRef idx="0">
-            <a:schemeClr val="accent1"/>
-          </a:effectRef>
-          <a:fontRef idx="minor">
-            <a:schemeClr val="tx1"/>
-          </a:fontRef>
-        </p:style>
-      </p:cxnSp>
-      <p:cxnSp>
-        <p:nvCxnSpPr>
-          <p:cNvPr id="43" name="Curved Connector 42">
-            <a:extLst>
-              <a:ext uri="{FF2B5EF4-FFF2-40B4-BE49-F238E27FC236}">
-                <a16:creationId xmlns:a16="http://schemas.microsoft.com/office/drawing/2014/main" id="{4AED7402-62EE-AC40-872A-66B3B9384F68}"/>
-              </a:ext>
-            </a:extLst>
-          </p:cNvPr>
-          <p:cNvCxnSpPr>
-            <a:stCxn id="38" idx="0"/>
-            <a:endCxn id="40" idx="0"/>
-          </p:cNvCxnSpPr>
-          <p:nvPr/>
-        </p:nvCxnSpPr>
-        <p:spPr>
-          <a:xfrm rot="5400000" flipH="1" flipV="1">
-            <a:off x="4118548" y="2460890"/>
-            <a:ext cx="1" cy="4439587"/>
-          </a:xfrm>
-          <a:prstGeom prst="curvedConnector3">
-            <a:avLst>
-              <a:gd name="adj1" fmla="val 22860100000"/>
-            </a:avLst>
-          </a:prstGeom>
-          <a:ln w="15875">
-            <a:solidFill>
-              <a:schemeClr val="bg1">
-                <a:lumMod val="85000"/>
-                <a:lumOff val="15000"/>
-              </a:schemeClr>
-            </a:solidFill>
-            <a:headEnd w="lg" len="lg"/>
-            <a:tailEnd type="triangle" w="lg" len="lg"/>
-          </a:ln>
-        </p:spPr>
-        <p:style>
-          <a:lnRef idx="1">
-            <a:schemeClr val="accent1"/>
-          </a:lnRef>
-          <a:fillRef idx="0">
-            <a:schemeClr val="accent1"/>
-          </a:fillRef>
-          <a:effectRef idx="0">
-            <a:schemeClr val="accent1"/>
-          </a:effectRef>
-          <a:fontRef idx="minor">
-            <a:schemeClr val="tx1"/>
-          </a:fontRef>
-        </p:style>
-      </p:cxnSp>
-      <p:pic>
-        <p:nvPicPr>
-          <p:cNvPr id="48" name="Graphic 47" descr="Man">
-            <a:extLst>
-              <a:ext uri="{FF2B5EF4-FFF2-40B4-BE49-F238E27FC236}">
-                <a16:creationId xmlns:a16="http://schemas.microsoft.com/office/drawing/2014/main" id="{E9B4AD2A-E4F0-DF4D-9BB5-2021570CEE35}"/>
-              </a:ext>
-            </a:extLst>
-          </p:cNvPr>
-          <p:cNvPicPr>
-            <a:picLocks noChangeAspect="1"/>
-          </p:cNvPicPr>
-          <p:nvPr/>
-        </p:nvPicPr>
-        <p:blipFill>
-          <a:blip r:embed="rId3">
-            <a:extLst>
-              <a:ext uri="{96DAC541-7B7A-43D3-8B79-37D633B846F1}">
-                <asvg:svgBlip xmlns:asvg="http://schemas.microsoft.com/office/drawing/2016/SVG/main" r:embed="rId4"/>
-              </a:ext>
-            </a:extLst>
-          </a:blip>
-          <a:stretch>
-            <a:fillRect/>
-          </a:stretch>
-        </p:blipFill>
-        <p:spPr>
-          <a:xfrm>
-            <a:off x="9145038" y="2026756"/>
-            <a:ext cx="914400" cy="914400"/>
-          </a:xfrm>
-          <a:prstGeom prst="rect">
-            <a:avLst/>
-          </a:prstGeom>
-        </p:spPr>
-      </p:pic>
-      <p:pic>
-        <p:nvPicPr>
-          <p:cNvPr id="49" name="Graphic 48" descr="Woman with cane">
-            <a:extLst>
-              <a:ext uri="{FF2B5EF4-FFF2-40B4-BE49-F238E27FC236}">
-                <a16:creationId xmlns:a16="http://schemas.microsoft.com/office/drawing/2014/main" id="{624A5400-0C83-4C4A-ABA7-DEFB9E90AFDD}"/>
-              </a:ext>
-            </a:extLst>
-          </p:cNvPr>
-          <p:cNvPicPr>
-            <a:picLocks noChangeAspect="1"/>
-          </p:cNvPicPr>
-          <p:nvPr/>
-        </p:nvPicPr>
-        <p:blipFill>
-          <a:blip r:embed="rId5">
-            <a:extLst>
-              <a:ext uri="{96DAC541-7B7A-43D3-8B79-37D633B846F1}">
-                <asvg:svgBlip xmlns:asvg="http://schemas.microsoft.com/office/drawing/2016/SVG/main" r:embed="rId6"/>
-              </a:ext>
-            </a:extLst>
-          </a:blip>
-          <a:stretch>
-            <a:fillRect/>
-          </a:stretch>
-        </p:blipFill>
-        <p:spPr>
-          <a:xfrm>
-            <a:off x="10440650" y="3150888"/>
-            <a:ext cx="914400" cy="914400"/>
-          </a:xfrm>
-          <a:prstGeom prst="rect">
-            <a:avLst/>
-          </a:prstGeom>
-        </p:spPr>
-      </p:pic>
-      <p:pic>
-        <p:nvPicPr>
-          <p:cNvPr id="50" name="Graphic 49" descr="Pregnant lady">
-            <a:extLst>
-              <a:ext uri="{FF2B5EF4-FFF2-40B4-BE49-F238E27FC236}">
-                <a16:creationId xmlns:a16="http://schemas.microsoft.com/office/drawing/2014/main" id="{61BF750A-75E2-E142-8C98-BACF84E31ADB}"/>
-              </a:ext>
-            </a:extLst>
-          </p:cNvPr>
-          <p:cNvPicPr>
-            <a:picLocks noChangeAspect="1"/>
-          </p:cNvPicPr>
-          <p:nvPr/>
-        </p:nvPicPr>
-        <p:blipFill>
-          <a:blip r:embed="rId7">
-            <a:extLst>
-              <a:ext uri="{96DAC541-7B7A-43D3-8B79-37D633B846F1}">
-                <asvg:svgBlip xmlns:asvg="http://schemas.microsoft.com/office/drawing/2016/SVG/main" r:embed="rId8"/>
-              </a:ext>
-            </a:extLst>
-          </a:blip>
-          <a:stretch>
-            <a:fillRect/>
-          </a:stretch>
-        </p:blipFill>
-        <p:spPr>
-          <a:xfrm>
-            <a:off x="9145038" y="4549517"/>
-            <a:ext cx="914400" cy="914400"/>
-          </a:xfrm>
-          <a:prstGeom prst="rect">
-            <a:avLst/>
-          </a:prstGeom>
-        </p:spPr>
-      </p:pic>
-      <p:cxnSp>
-        <p:nvCxnSpPr>
-          <p:cNvPr id="3" name="Straight Connector 2">
-            <a:extLst>
-              <a:ext uri="{FF2B5EF4-FFF2-40B4-BE49-F238E27FC236}">
-                <a16:creationId xmlns:a16="http://schemas.microsoft.com/office/drawing/2014/main" id="{5BD1A42D-ECD7-8B40-BA3A-EE856D190074}"/>
-              </a:ext>
-            </a:extLst>
-          </p:cNvPr>
-          <p:cNvCxnSpPr/>
-          <p:nvPr/>
-        </p:nvCxnSpPr>
-        <p:spPr>
-          <a:xfrm>
-            <a:off x="9986400" y="2714400"/>
-            <a:ext cx="561600" cy="576000"/>
-          </a:xfrm>
-          <a:prstGeom prst="line">
-            <a:avLst/>
-          </a:prstGeom>
-          <a:ln w="25400">
-            <a:solidFill>
-              <a:schemeClr val="bg1">
-                <a:lumMod val="50000"/>
-                <a:lumOff val="50000"/>
-              </a:schemeClr>
-            </a:solidFill>
-          </a:ln>
-        </p:spPr>
-        <p:style>
-          <a:lnRef idx="1">
-            <a:schemeClr val="accent1"/>
-          </a:lnRef>
-          <a:fillRef idx="0">
-            <a:schemeClr val="accent1"/>
-          </a:fillRef>
-          <a:effectRef idx="0">
-            <a:schemeClr val="accent1"/>
-          </a:effectRef>
-          <a:fontRef idx="minor">
-            <a:schemeClr val="tx1"/>
-          </a:fontRef>
-        </p:style>
-      </p:cxnSp>
-      <p:cxnSp>
-        <p:nvCxnSpPr>
-          <p:cNvPr id="25" name="Straight Connector 24">
-            <a:extLst>
-              <a:ext uri="{FF2B5EF4-FFF2-40B4-BE49-F238E27FC236}">
-                <a16:creationId xmlns:a16="http://schemas.microsoft.com/office/drawing/2014/main" id="{E9AF3E58-2C25-B94E-922F-75C4EDA7B072}"/>
-              </a:ext>
-            </a:extLst>
-          </p:cNvPr>
-          <p:cNvCxnSpPr>
-            <a:cxnSpLocks/>
-          </p:cNvCxnSpPr>
-          <p:nvPr/>
-        </p:nvCxnSpPr>
-        <p:spPr>
-          <a:xfrm flipH="1">
-            <a:off x="9986400" y="4213776"/>
-            <a:ext cx="750625" cy="667824"/>
-          </a:xfrm>
-          <a:prstGeom prst="line">
-            <a:avLst/>
-          </a:prstGeom>
-          <a:ln w="25400">
-            <a:solidFill>
-              <a:schemeClr val="bg1">
-                <a:lumMod val="50000"/>
-                <a:lumOff val="50000"/>
-              </a:schemeClr>
-            </a:solidFill>
-          </a:ln>
-        </p:spPr>
-        <p:style>
-          <a:lnRef idx="1">
-            <a:schemeClr val="accent1"/>
-          </a:lnRef>
-          <a:fillRef idx="0">
-            <a:schemeClr val="accent1"/>
-          </a:fillRef>
-          <a:effectRef idx="0">
-            <a:schemeClr val="accent1"/>
-          </a:effectRef>
-          <a:fontRef idx="minor">
-            <a:schemeClr val="tx1"/>
-          </a:fontRef>
-        </p:style>
-      </p:cxnSp>
-      <p:cxnSp>
-        <p:nvCxnSpPr>
-          <p:cNvPr id="26" name="Straight Arrow Connector 25">
-            <a:extLst>
-              <a:ext uri="{FF2B5EF4-FFF2-40B4-BE49-F238E27FC236}">
-                <a16:creationId xmlns:a16="http://schemas.microsoft.com/office/drawing/2014/main" id="{6F46C21C-A1D1-8C49-9888-FFF76E4C9C6C}"/>
-              </a:ext>
-            </a:extLst>
-          </p:cNvPr>
-          <p:cNvCxnSpPr>
-            <a:cxnSpLocks/>
-            <a:stCxn id="33" idx="7"/>
-            <a:endCxn id="6" idx="3"/>
-          </p:cNvCxnSpPr>
-          <p:nvPr/>
-        </p:nvCxnSpPr>
-        <p:spPr>
-          <a:xfrm flipV="1">
-            <a:off x="4290834" y="2692675"/>
-            <a:ext cx="1809016" cy="811209"/>
-          </a:xfrm>
-          <a:prstGeom prst="straightConnector1">
-            <a:avLst/>
-          </a:prstGeom>
-          <a:ln w="15875">
-            <a:solidFill>
-              <a:schemeClr val="bg1">
-                <a:lumMod val="85000"/>
-                <a:lumOff val="15000"/>
-              </a:schemeClr>
-            </a:solidFill>
-            <a:headEnd w="lg" len="lg"/>
-            <a:tailEnd type="triangle" w="lg" len="lg"/>
-          </a:ln>
-        </p:spPr>
-        <p:style>
-          <a:lnRef idx="1">
-            <a:schemeClr val="accent1"/>
-          </a:lnRef>
-          <a:fillRef idx="0">
-            <a:schemeClr val="accent1"/>
-          </a:fillRef>
-          <a:effectRef idx="0">
-            <a:schemeClr val="accent1"/>
-          </a:effectRef>
-          <a:fontRef idx="minor">
-            <a:schemeClr val="tx1"/>
-          </a:fontRef>
-        </p:style>
-      </p:cxnSp>
-      <p:cxnSp>
-        <p:nvCxnSpPr>
-          <p:cNvPr id="28" name="Straight Arrow Connector 27">
-            <a:extLst>
-              <a:ext uri="{FF2B5EF4-FFF2-40B4-BE49-F238E27FC236}">
-                <a16:creationId xmlns:a16="http://schemas.microsoft.com/office/drawing/2014/main" id="{76581964-41B0-7843-B6DC-F716A5F3CD4A}"/>
-              </a:ext>
-            </a:extLst>
-          </p:cNvPr>
-          <p:cNvCxnSpPr>
-            <a:cxnSpLocks/>
-            <a:stCxn id="39" idx="7"/>
-            <a:endCxn id="34" idx="3"/>
-          </p:cNvCxnSpPr>
-          <p:nvPr/>
-        </p:nvCxnSpPr>
-        <p:spPr>
-          <a:xfrm flipV="1">
-            <a:off x="4290834" y="3964968"/>
-            <a:ext cx="1809016" cy="811209"/>
-          </a:xfrm>
-          <a:prstGeom prst="straightConnector1">
-            <a:avLst/>
-          </a:prstGeom>
-          <a:ln w="15875">
-            <a:solidFill>
-              <a:schemeClr val="bg1">
-                <a:lumMod val="85000"/>
-                <a:lumOff val="15000"/>
-              </a:schemeClr>
-            </a:solidFill>
-            <a:headEnd w="lg" len="lg"/>
-            <a:tailEnd type="triangle" w="lg" len="lg"/>
-          </a:ln>
-        </p:spPr>
-        <p:style>
-          <a:lnRef idx="1">
-            <a:schemeClr val="accent1"/>
-          </a:lnRef>
-          <a:fillRef idx="0">
-            <a:schemeClr val="accent1"/>
-          </a:fillRef>
-          <a:effectRef idx="0">
-            <a:schemeClr val="accent1"/>
-          </a:effectRef>
-          <a:fontRef idx="minor">
-            <a:schemeClr val="tx1"/>
-          </a:fontRef>
-        </p:style>
-      </p:cxnSp>
-      <p:cxnSp>
-        <p:nvCxnSpPr>
-          <p:cNvPr id="31" name="Straight Arrow Connector 30">
-            <a:extLst>
-              <a:ext uri="{FF2B5EF4-FFF2-40B4-BE49-F238E27FC236}">
-                <a16:creationId xmlns:a16="http://schemas.microsoft.com/office/drawing/2014/main" id="{548B2420-0FE3-3540-8613-032A2C8ACED4}"/>
-              </a:ext>
-            </a:extLst>
-          </p:cNvPr>
-          <p:cNvCxnSpPr>
-            <a:cxnSpLocks/>
-            <a:stCxn id="33" idx="5"/>
-            <a:endCxn id="40" idx="1"/>
-          </p:cNvCxnSpPr>
-          <p:nvPr/>
-        </p:nvCxnSpPr>
-        <p:spPr>
-          <a:xfrm>
-            <a:off x="4290834" y="3964969"/>
-            <a:ext cx="1809016" cy="811207"/>
-          </a:xfrm>
-          <a:prstGeom prst="straightConnector1">
-            <a:avLst/>
-          </a:prstGeom>
-          <a:ln w="15875">
-            <a:solidFill>
-              <a:schemeClr val="bg1">
-                <a:lumMod val="85000"/>
-                <a:lumOff val="15000"/>
-              </a:schemeClr>
-            </a:solidFill>
-            <a:headEnd w="lg" len="lg"/>
-            <a:tailEnd type="triangle" w="lg" len="lg"/>
-          </a:ln>
-        </p:spPr>
-        <p:style>
-          <a:lnRef idx="1">
-            <a:schemeClr val="accent1"/>
-          </a:lnRef>
-          <a:fillRef idx="0">
-            <a:schemeClr val="accent1"/>
-          </a:fillRef>
-          <a:effectRef idx="0">
-            <a:schemeClr val="accent1"/>
-          </a:effectRef>
-          <a:fontRef idx="minor">
-            <a:schemeClr val="tx1"/>
-          </a:fontRef>
-        </p:style>
-      </p:cxnSp>
-      <p:cxnSp>
-        <p:nvCxnSpPr>
-          <p:cNvPr id="44" name="Straight Arrow Connector 43">
-            <a:extLst>
-              <a:ext uri="{FF2B5EF4-FFF2-40B4-BE49-F238E27FC236}">
-                <a16:creationId xmlns:a16="http://schemas.microsoft.com/office/drawing/2014/main" id="{B0B882CD-E944-CB4E-A694-48C872850295}"/>
-              </a:ext>
-            </a:extLst>
-          </p:cNvPr>
-          <p:cNvCxnSpPr>
-            <a:cxnSpLocks/>
-            <a:stCxn id="5" idx="5"/>
-            <a:endCxn id="34" idx="1"/>
-          </p:cNvCxnSpPr>
-          <p:nvPr/>
-        </p:nvCxnSpPr>
-        <p:spPr>
-          <a:xfrm>
-            <a:off x="4290834" y="2692676"/>
-            <a:ext cx="1809016" cy="811207"/>
-          </a:xfrm>
-          <a:prstGeom prst="straightConnector1">
-            <a:avLst/>
-          </a:prstGeom>
-          <a:ln w="15875">
-            <a:solidFill>
-              <a:schemeClr val="bg1">
-                <a:lumMod val="85000"/>
-                <a:lumOff val="15000"/>
-              </a:schemeClr>
-            </a:solidFill>
-            <a:headEnd w="lg" len="lg"/>
-            <a:tailEnd type="triangle" w="lg" len="lg"/>
-          </a:ln>
-        </p:spPr>
-        <p:style>
-          <a:lnRef idx="1">
-            <a:schemeClr val="accent1"/>
-          </a:lnRef>
-          <a:fillRef idx="0">
-            <a:schemeClr val="accent1"/>
-          </a:fillRef>
-          <a:effectRef idx="0">
-            <a:schemeClr val="accent1"/>
-          </a:effectRef>
-          <a:fontRef idx="minor">
-            <a:schemeClr val="tx1"/>
-          </a:fontRef>
-        </p:style>
-      </p:cxnSp>
-      <p:cxnSp>
-        <p:nvCxnSpPr>
-          <p:cNvPr id="29" name="Straight Arrow Connector 28">
-            <a:extLst>
-              <a:ext uri="{FF2B5EF4-FFF2-40B4-BE49-F238E27FC236}">
-                <a16:creationId xmlns:a16="http://schemas.microsoft.com/office/drawing/2014/main" id="{44E4F624-042B-9145-8035-080C00E25D41}"/>
-              </a:ext>
-            </a:extLst>
-          </p:cNvPr>
-          <p:cNvCxnSpPr>
-            <a:cxnSpLocks/>
-            <a:stCxn id="32" idx="7"/>
-            <a:endCxn id="5" idx="3"/>
-          </p:cNvCxnSpPr>
-          <p:nvPr/>
-        </p:nvCxnSpPr>
-        <p:spPr>
-          <a:xfrm flipV="1">
-            <a:off x="2137247" y="2692676"/>
-            <a:ext cx="1676603" cy="811208"/>
-          </a:xfrm>
-          <a:prstGeom prst="straightConnector1">
-            <a:avLst/>
-          </a:prstGeom>
-          <a:ln w="15875">
-            <a:solidFill>
-              <a:schemeClr val="bg1">
-                <a:lumMod val="85000"/>
-                <a:lumOff val="15000"/>
-              </a:schemeClr>
-            </a:solidFill>
-            <a:headEnd w="lg" len="lg"/>
-            <a:tailEnd type="triangle" w="lg" len="lg"/>
-          </a:ln>
-        </p:spPr>
-        <p:style>
-          <a:lnRef idx="1">
-            <a:schemeClr val="accent1"/>
-          </a:lnRef>
-          <a:fillRef idx="0">
-            <a:schemeClr val="accent1"/>
-          </a:fillRef>
-          <a:effectRef idx="0">
-            <a:schemeClr val="accent1"/>
-          </a:effectRef>
-          <a:fontRef idx="minor">
-            <a:schemeClr val="tx1"/>
-          </a:fontRef>
-        </p:style>
-      </p:cxnSp>
-      <p:cxnSp>
-        <p:nvCxnSpPr>
-          <p:cNvPr id="45" name="Straight Arrow Connector 44">
-            <a:extLst>
-              <a:ext uri="{FF2B5EF4-FFF2-40B4-BE49-F238E27FC236}">
-                <a16:creationId xmlns:a16="http://schemas.microsoft.com/office/drawing/2014/main" id="{764B4CDB-A4F4-0C40-AE70-7EA425120FF6}"/>
-              </a:ext>
-            </a:extLst>
-          </p:cNvPr>
-          <p:cNvCxnSpPr>
-            <a:cxnSpLocks/>
-            <a:stCxn id="38" idx="7"/>
-            <a:endCxn id="33" idx="3"/>
-          </p:cNvCxnSpPr>
-          <p:nvPr/>
-        </p:nvCxnSpPr>
-        <p:spPr>
-          <a:xfrm flipV="1">
-            <a:off x="2137247" y="3964969"/>
-            <a:ext cx="1676603" cy="811208"/>
-          </a:xfrm>
-          <a:prstGeom prst="straightConnector1">
-            <a:avLst/>
-          </a:prstGeom>
-          <a:ln w="15875">
-            <a:solidFill>
-              <a:schemeClr val="bg1">
-                <a:lumMod val="85000"/>
-                <a:lumOff val="15000"/>
-              </a:schemeClr>
-            </a:solidFill>
-            <a:headEnd w="lg" len="lg"/>
-            <a:tailEnd type="triangle" w="lg" len="lg"/>
-          </a:ln>
-        </p:spPr>
-        <p:style>
-          <a:lnRef idx="1">
-            <a:schemeClr val="accent1"/>
-          </a:lnRef>
-          <a:fillRef idx="0">
-            <a:schemeClr val="accent1"/>
-          </a:fillRef>
-          <a:effectRef idx="0">
-            <a:schemeClr val="accent1"/>
-          </a:effectRef>
-          <a:fontRef idx="minor">
-            <a:schemeClr val="tx1"/>
-          </a:fontRef>
-        </p:style>
-      </p:cxnSp>
-      <p:cxnSp>
-        <p:nvCxnSpPr>
-          <p:cNvPr id="46" name="Straight Arrow Connector 45">
-            <a:extLst>
-              <a:ext uri="{FF2B5EF4-FFF2-40B4-BE49-F238E27FC236}">
-                <a16:creationId xmlns:a16="http://schemas.microsoft.com/office/drawing/2014/main" id="{829886C6-C4A0-2542-B0CD-C26FBBBF6B16}"/>
-              </a:ext>
-            </a:extLst>
-          </p:cNvPr>
-          <p:cNvCxnSpPr>
-            <a:cxnSpLocks/>
-            <a:stCxn id="4" idx="5"/>
-            <a:endCxn id="33" idx="1"/>
-          </p:cNvCxnSpPr>
-          <p:nvPr/>
-        </p:nvCxnSpPr>
-        <p:spPr>
-          <a:xfrm>
-            <a:off x="2137247" y="2692676"/>
-            <a:ext cx="1676603" cy="811208"/>
-          </a:xfrm>
-          <a:prstGeom prst="straightConnector1">
-            <a:avLst/>
-          </a:prstGeom>
-          <a:ln w="15875">
-            <a:solidFill>
-              <a:schemeClr val="bg1">
-                <a:lumMod val="85000"/>
-                <a:lumOff val="15000"/>
-              </a:schemeClr>
-            </a:solidFill>
-            <a:headEnd w="lg" len="lg"/>
-            <a:tailEnd type="triangle" w="lg" len="lg"/>
-          </a:ln>
-        </p:spPr>
-        <p:style>
-          <a:lnRef idx="1">
-            <a:schemeClr val="accent1"/>
-          </a:lnRef>
-          <a:fillRef idx="0">
-            <a:schemeClr val="accent1"/>
-          </a:fillRef>
-          <a:effectRef idx="0">
-            <a:schemeClr val="accent1"/>
-          </a:effectRef>
-          <a:fontRef idx="minor">
-            <a:schemeClr val="tx1"/>
-          </a:fontRef>
-        </p:style>
-      </p:cxnSp>
-      <p:cxnSp>
-        <p:nvCxnSpPr>
-          <p:cNvPr id="47" name="Straight Arrow Connector 46">
-            <a:extLst>
-              <a:ext uri="{FF2B5EF4-FFF2-40B4-BE49-F238E27FC236}">
-                <a16:creationId xmlns:a16="http://schemas.microsoft.com/office/drawing/2014/main" id="{C755BA18-DD1E-774C-8833-E516EC7B3CC9}"/>
-              </a:ext>
-            </a:extLst>
-          </p:cNvPr>
-          <p:cNvCxnSpPr>
-            <a:cxnSpLocks/>
-            <a:stCxn id="32" idx="5"/>
-            <a:endCxn id="39" idx="1"/>
-          </p:cNvCxnSpPr>
-          <p:nvPr/>
-        </p:nvCxnSpPr>
-        <p:spPr>
-          <a:xfrm>
-            <a:off x="2137247" y="3964969"/>
-            <a:ext cx="1676603" cy="811208"/>
-          </a:xfrm>
-          <a:prstGeom prst="straightConnector1">
-            <a:avLst/>
-          </a:prstGeom>
-          <a:ln w="15875">
-            <a:solidFill>
-              <a:schemeClr val="bg1">
-                <a:lumMod val="85000"/>
-                <a:lumOff val="15000"/>
-              </a:schemeClr>
-            </a:solidFill>
-            <a:headEnd w="lg" len="lg"/>
-            <a:tailEnd type="triangle" w="lg" len="lg"/>
-          </a:ln>
-        </p:spPr>
-        <p:style>
-          <a:lnRef idx="1">
-            <a:schemeClr val="accent1"/>
-          </a:lnRef>
-          <a:fillRef idx="0">
-            <a:schemeClr val="accent1"/>
-          </a:fillRef>
-          <a:effectRef idx="0">
-            <a:schemeClr val="accent1"/>
-          </a:effectRef>
-          <a:fontRef idx="minor">
-            <a:schemeClr val="tx1"/>
-          </a:fontRef>
-        </p:style>
-      </p:cxnSp>
-      <p:cxnSp>
-        <p:nvCxnSpPr>
-          <p:cNvPr id="51" name="Straight Arrow Connector 50">
-            <a:extLst>
-              <a:ext uri="{FF2B5EF4-FFF2-40B4-BE49-F238E27FC236}">
-                <a16:creationId xmlns:a16="http://schemas.microsoft.com/office/drawing/2014/main" id="{A0DDF31F-1A7C-4847-9D14-15EC318A83D9}"/>
-              </a:ext>
-            </a:extLst>
-          </p:cNvPr>
-          <p:cNvCxnSpPr>
-            <a:cxnSpLocks/>
-            <a:stCxn id="32" idx="7"/>
-            <a:endCxn id="6" idx="2"/>
-          </p:cNvCxnSpPr>
-          <p:nvPr/>
-        </p:nvCxnSpPr>
-        <p:spPr>
-          <a:xfrm flipV="1">
-            <a:off x="2137247" y="2462133"/>
-            <a:ext cx="3863816" cy="1041751"/>
-          </a:xfrm>
-          <a:prstGeom prst="straightConnector1">
-            <a:avLst/>
-          </a:prstGeom>
-          <a:ln w="15875">
-            <a:solidFill>
-              <a:schemeClr val="bg1">
-                <a:lumMod val="85000"/>
-                <a:lumOff val="15000"/>
-              </a:schemeClr>
-            </a:solidFill>
-            <a:headEnd w="lg" len="lg"/>
-            <a:tailEnd type="triangle" w="lg" len="lg"/>
-          </a:ln>
-        </p:spPr>
-        <p:style>
-          <a:lnRef idx="1">
-            <a:schemeClr val="accent1"/>
-          </a:lnRef>
-          <a:fillRef idx="0">
-            <a:schemeClr val="accent1"/>
-          </a:fillRef>
-          <a:effectRef idx="0">
-            <a:schemeClr val="accent1"/>
-          </a:effectRef>
-          <a:fontRef idx="minor">
-            <a:schemeClr val="tx1"/>
-          </a:fontRef>
-        </p:style>
-      </p:cxnSp>
-      <p:cxnSp>
-        <p:nvCxnSpPr>
-          <p:cNvPr id="52" name="Straight Arrow Connector 51">
-            <a:extLst>
-              <a:ext uri="{FF2B5EF4-FFF2-40B4-BE49-F238E27FC236}">
-                <a16:creationId xmlns:a16="http://schemas.microsoft.com/office/drawing/2014/main" id="{C209DC4E-5BAC-4F42-93D7-664BBA212851}"/>
-              </a:ext>
-            </a:extLst>
-          </p:cNvPr>
-          <p:cNvCxnSpPr>
-            <a:cxnSpLocks/>
-            <a:stCxn id="32" idx="5"/>
-            <a:endCxn id="40" idx="2"/>
-          </p:cNvCxnSpPr>
-          <p:nvPr/>
-        </p:nvCxnSpPr>
-        <p:spPr>
-          <a:xfrm>
-            <a:off x="2137247" y="3964969"/>
-            <a:ext cx="3863816" cy="1041750"/>
-          </a:xfrm>
-          <a:prstGeom prst="straightConnector1">
-            <a:avLst/>
-          </a:prstGeom>
-          <a:ln w="15875">
-            <a:solidFill>
-              <a:schemeClr val="bg1">
-                <a:lumMod val="85000"/>
-                <a:lumOff val="15000"/>
-              </a:schemeClr>
-            </a:solidFill>
-            <a:headEnd w="lg" len="lg"/>
-            <a:tailEnd type="triangle" w="lg" len="lg"/>
-          </a:ln>
-        </p:spPr>
-        <p:style>
-          <a:lnRef idx="1">
-            <a:schemeClr val="accent1"/>
-          </a:lnRef>
-          <a:fillRef idx="0">
-            <a:schemeClr val="accent1"/>
-          </a:fillRef>
-          <a:effectRef idx="0">
-            <a:schemeClr val="accent1"/>
-          </a:effectRef>
-          <a:fontRef idx="minor">
-            <a:schemeClr val="tx1"/>
-          </a:fontRef>
-        </p:style>
-      </p:cxnSp>
-      <p:cxnSp>
-        <p:nvCxnSpPr>
-          <p:cNvPr id="53" name="Straight Arrow Connector 52">
-            <a:extLst>
-              <a:ext uri="{FF2B5EF4-FFF2-40B4-BE49-F238E27FC236}">
-                <a16:creationId xmlns:a16="http://schemas.microsoft.com/office/drawing/2014/main" id="{A023677D-77D7-E04F-83B2-72D23262517C}"/>
-              </a:ext>
-            </a:extLst>
-          </p:cNvPr>
-          <p:cNvCxnSpPr>
-            <a:cxnSpLocks/>
-            <a:stCxn id="38" idx="6"/>
-            <a:endCxn id="34" idx="2"/>
-          </p:cNvCxnSpPr>
-          <p:nvPr/>
-        </p:nvCxnSpPr>
-        <p:spPr>
-          <a:xfrm flipV="1">
-            <a:off x="2236034" y="3734426"/>
-            <a:ext cx="3765029" cy="1272294"/>
-          </a:xfrm>
-          <a:prstGeom prst="straightConnector1">
-            <a:avLst/>
-          </a:prstGeom>
-          <a:ln w="15875">
-            <a:solidFill>
-              <a:schemeClr val="bg1">
-                <a:lumMod val="85000"/>
-                <a:lumOff val="15000"/>
-              </a:schemeClr>
-            </a:solidFill>
-            <a:headEnd w="lg" len="lg"/>
-            <a:tailEnd type="triangle" w="lg" len="lg"/>
-          </a:ln>
-        </p:spPr>
-        <p:style>
-          <a:lnRef idx="1">
-            <a:schemeClr val="accent1"/>
-          </a:lnRef>
-          <a:fillRef idx="0">
-            <a:schemeClr val="accent1"/>
-          </a:fillRef>
-          <a:effectRef idx="0">
-            <a:schemeClr val="accent1"/>
-          </a:effectRef>
-          <a:fontRef idx="minor">
-            <a:schemeClr val="tx1"/>
-          </a:fontRef>
-        </p:style>
-      </p:cxnSp>
-      <p:cxnSp>
-        <p:nvCxnSpPr>
-          <p:cNvPr id="54" name="Straight Arrow Connector 53">
-            <a:extLst>
-              <a:ext uri="{FF2B5EF4-FFF2-40B4-BE49-F238E27FC236}">
-                <a16:creationId xmlns:a16="http://schemas.microsoft.com/office/drawing/2014/main" id="{7A8AD106-FB42-3742-89BB-7570F81926B9}"/>
-              </a:ext>
-            </a:extLst>
-          </p:cNvPr>
-          <p:cNvCxnSpPr>
-            <a:cxnSpLocks/>
-            <a:stCxn id="4" idx="6"/>
-            <a:endCxn id="34" idx="2"/>
-          </p:cNvCxnSpPr>
-          <p:nvPr/>
-        </p:nvCxnSpPr>
-        <p:spPr>
-          <a:xfrm>
-            <a:off x="2236034" y="2462134"/>
-            <a:ext cx="3765029" cy="1272292"/>
-          </a:xfrm>
-          <a:prstGeom prst="straightConnector1">
-            <a:avLst/>
-          </a:prstGeom>
-          <a:ln w="15875">
-            <a:solidFill>
-              <a:schemeClr val="bg1">
-                <a:lumMod val="85000"/>
-                <a:lumOff val="15000"/>
-              </a:schemeClr>
-            </a:solidFill>
-            <a:headEnd w="lg" len="lg"/>
-            <a:tailEnd type="triangle" w="lg" len="lg"/>
-          </a:ln>
-        </p:spPr>
-        <p:style>
-          <a:lnRef idx="1">
-            <a:schemeClr val="accent1"/>
-          </a:lnRef>
-          <a:fillRef idx="0">
-            <a:schemeClr val="accent1"/>
-          </a:fillRef>
-          <a:effectRef idx="0">
-            <a:schemeClr val="accent1"/>
-          </a:effectRef>
-          <a:fontRef idx="minor">
-            <a:schemeClr val="tx1"/>
-          </a:fontRef>
-        </p:style>
-      </p:cxnSp>
-      <p:cxnSp>
-        <p:nvCxnSpPr>
           <p:cNvPr id="55" name="Straight Connector 54">
             <a:extLst>
               <a:ext uri="{FF2B5EF4-FFF2-40B4-BE49-F238E27FC236}">
@@ -14706,6 +13583,47 @@
           </a:fontRef>
         </p:style>
       </p:cxnSp>
+      <p:sp>
+        <p:nvSpPr>
+          <p:cNvPr id="61" name="Rectangle 60">
+            <a:extLst>
+              <a:ext uri="{FF2B5EF4-FFF2-40B4-BE49-F238E27FC236}">
+                <a16:creationId xmlns:a16="http://schemas.microsoft.com/office/drawing/2014/main" id="{551EF877-0E7B-814B-80D1-A414CA4FD4F1}"/>
+              </a:ext>
+            </a:extLst>
+          </p:cNvPr>
+          <p:cNvSpPr/>
+          <p:nvPr/>
+        </p:nvSpPr>
+        <p:spPr>
+          <a:xfrm>
+            <a:off x="89473" y="6473309"/>
+            <a:ext cx="1976823" cy="261610"/>
+          </a:xfrm>
+          <a:prstGeom prst="rect">
+            <a:avLst/>
+          </a:prstGeom>
+        </p:spPr>
+        <p:txBody>
+          <a:bodyPr wrap="none">
+            <a:spAutoFit/>
+          </a:bodyPr>
+          <a:lstStyle/>
+          <a:p>
+            <a:r>
+              <a:rPr lang="en-US" sz="1100" dirty="0">
+                <a:solidFill>
+                  <a:schemeClr val="bg1">
+                    <a:lumMod val="65000"/>
+                    <a:lumOff val="35000"/>
+                  </a:schemeClr>
+                </a:solidFill>
+              </a:rPr>
+              <a:t>Keletso Makofane, March 2021</a:t>
+            </a:r>
+          </a:p>
+        </p:txBody>
+      </p:sp>
     </p:spTree>
     <p:extLst>
       <p:ext uri="{BB962C8B-B14F-4D97-AF65-F5344CB8AC3E}">
@@ -14719,7 +13637,7 @@
 </p:sld>
 </file>
 
-<file path=ppt/slides/slide15.xml><?xml version="1.0" encoding="utf-8"?>
+<file path=ppt/slides/slide14.xml><?xml version="1.0" encoding="utf-8"?>
 <p:sld xmlns:a="http://schemas.openxmlformats.org/drawingml/2006/main" xmlns:r="http://schemas.openxmlformats.org/officeDocument/2006/relationships" xmlns:p="http://schemas.openxmlformats.org/presentationml/2006/main">
   <p:cSld>
     <p:spTree>
@@ -15606,6 +14524,47 @@
           </p:sp>
         </mc:Fallback>
       </mc:AlternateContent>
+      <p:sp>
+        <p:nvSpPr>
+          <p:cNvPr id="11" name="Rectangle 10">
+            <a:extLst>
+              <a:ext uri="{FF2B5EF4-FFF2-40B4-BE49-F238E27FC236}">
+                <a16:creationId xmlns:a16="http://schemas.microsoft.com/office/drawing/2014/main" id="{471A02DC-EAF3-9140-81A3-66C29A23961C}"/>
+              </a:ext>
+            </a:extLst>
+          </p:cNvPr>
+          <p:cNvSpPr/>
+          <p:nvPr/>
+        </p:nvSpPr>
+        <p:spPr>
+          <a:xfrm>
+            <a:off x="89473" y="6473309"/>
+            <a:ext cx="1976823" cy="261610"/>
+          </a:xfrm>
+          <a:prstGeom prst="rect">
+            <a:avLst/>
+          </a:prstGeom>
+        </p:spPr>
+        <p:txBody>
+          <a:bodyPr wrap="none">
+            <a:spAutoFit/>
+          </a:bodyPr>
+          <a:lstStyle/>
+          <a:p>
+            <a:r>
+              <a:rPr lang="en-US" sz="1100" dirty="0">
+                <a:solidFill>
+                  <a:schemeClr val="bg1">
+                    <a:lumMod val="65000"/>
+                    <a:lumOff val="35000"/>
+                  </a:schemeClr>
+                </a:solidFill>
+              </a:rPr>
+              <a:t>Keletso Makofane, March 2021</a:t>
+            </a:r>
+          </a:p>
+        </p:txBody>
+      </p:sp>
     </p:spTree>
     <p:extLst>
       <p:ext uri="{BB962C8B-B14F-4D97-AF65-F5344CB8AC3E}">
@@ -15619,7 +14578,7 @@
 </p:sld>
 </file>
 
-<file path=ppt/slides/slide16.xml><?xml version="1.0" encoding="utf-8"?>
+<file path=ppt/slides/slide15.xml><?xml version="1.0" encoding="utf-8"?>
 <p:sld xmlns:a="http://schemas.openxmlformats.org/drawingml/2006/main" xmlns:r="http://schemas.openxmlformats.org/officeDocument/2006/relationships" xmlns:p="http://schemas.openxmlformats.org/presentationml/2006/main">
   <p:cSld>
     <p:spTree>
@@ -18587,6 +17546,47 @@
           </a:p>
         </p:txBody>
       </p:sp>
+      <p:sp>
+        <p:nvSpPr>
+          <p:cNvPr id="9" name="Rectangle 8">
+            <a:extLst>
+              <a:ext uri="{FF2B5EF4-FFF2-40B4-BE49-F238E27FC236}">
+                <a16:creationId xmlns:a16="http://schemas.microsoft.com/office/drawing/2014/main" id="{E432BFDF-DE6A-5B4C-A145-51A056EEAFFB}"/>
+              </a:ext>
+            </a:extLst>
+          </p:cNvPr>
+          <p:cNvSpPr/>
+          <p:nvPr/>
+        </p:nvSpPr>
+        <p:spPr>
+          <a:xfrm>
+            <a:off x="89473" y="6473309"/>
+            <a:ext cx="1976823" cy="261610"/>
+          </a:xfrm>
+          <a:prstGeom prst="rect">
+            <a:avLst/>
+          </a:prstGeom>
+        </p:spPr>
+        <p:txBody>
+          <a:bodyPr wrap="none">
+            <a:spAutoFit/>
+          </a:bodyPr>
+          <a:lstStyle/>
+          <a:p>
+            <a:r>
+              <a:rPr lang="en-US" sz="1100" dirty="0">
+                <a:solidFill>
+                  <a:schemeClr val="bg1">
+                    <a:lumMod val="65000"/>
+                    <a:lumOff val="35000"/>
+                  </a:schemeClr>
+                </a:solidFill>
+              </a:rPr>
+              <a:t>Keletso Makofane, March 2021</a:t>
+            </a:r>
+          </a:p>
+        </p:txBody>
+      </p:sp>
     </p:spTree>
     <p:extLst>
       <p:ext uri="{BB962C8B-B14F-4D97-AF65-F5344CB8AC3E}">
@@ -18600,7 +17600,7 @@
 </p:sld>
 </file>
 
-<file path=ppt/slides/slide17.xml><?xml version="1.0" encoding="utf-8"?>
+<file path=ppt/slides/slide16.xml><?xml version="1.0" encoding="utf-8"?>
 <p:sld xmlns:a="http://schemas.openxmlformats.org/drawingml/2006/main" xmlns:r="http://schemas.openxmlformats.org/officeDocument/2006/relationships" xmlns:p="http://schemas.openxmlformats.org/presentationml/2006/main">
   <p:cSld>
     <p:spTree>
@@ -22469,6 +21469,47 @@
           </p:sp>
         </mc:Fallback>
       </mc:AlternateContent>
+      <p:sp>
+        <p:nvSpPr>
+          <p:cNvPr id="62" name="Rectangle 61">
+            <a:extLst>
+              <a:ext uri="{FF2B5EF4-FFF2-40B4-BE49-F238E27FC236}">
+                <a16:creationId xmlns:a16="http://schemas.microsoft.com/office/drawing/2014/main" id="{70C0B6CA-607E-0148-9255-F55150B05765}"/>
+              </a:ext>
+            </a:extLst>
+          </p:cNvPr>
+          <p:cNvSpPr/>
+          <p:nvPr/>
+        </p:nvSpPr>
+        <p:spPr>
+          <a:xfrm>
+            <a:off x="89473" y="6473309"/>
+            <a:ext cx="1976823" cy="261610"/>
+          </a:xfrm>
+          <a:prstGeom prst="rect">
+            <a:avLst/>
+          </a:prstGeom>
+        </p:spPr>
+        <p:txBody>
+          <a:bodyPr wrap="none">
+            <a:spAutoFit/>
+          </a:bodyPr>
+          <a:lstStyle/>
+          <a:p>
+            <a:r>
+              <a:rPr lang="en-US" sz="1100" dirty="0">
+                <a:solidFill>
+                  <a:schemeClr val="bg1">
+                    <a:lumMod val="65000"/>
+                    <a:lumOff val="35000"/>
+                  </a:schemeClr>
+                </a:solidFill>
+              </a:rPr>
+              <a:t>Keletso Makofane, March 2021</a:t>
+            </a:r>
+          </a:p>
+        </p:txBody>
+      </p:sp>
     </p:spTree>
     <p:extLst>
       <p:ext uri="{BB962C8B-B14F-4D97-AF65-F5344CB8AC3E}">
@@ -22482,7 +21523,7 @@
 </p:sld>
 </file>
 
-<file path=ppt/slides/slide18.xml><?xml version="1.0" encoding="utf-8"?>
+<file path=ppt/slides/slide17.xml><?xml version="1.0" encoding="utf-8"?>
 <p:sld xmlns:a="http://schemas.openxmlformats.org/drawingml/2006/main" xmlns:r="http://schemas.openxmlformats.org/officeDocument/2006/relationships" xmlns:p="http://schemas.openxmlformats.org/presentationml/2006/main">
   <p:cSld>
     <p:spTree>
@@ -26255,6 +25296,47 @@
           </p:sp>
         </mc:Fallback>
       </mc:AlternateContent>
+      <p:sp>
+        <p:nvSpPr>
+          <p:cNvPr id="61" name="Rectangle 60">
+            <a:extLst>
+              <a:ext uri="{FF2B5EF4-FFF2-40B4-BE49-F238E27FC236}">
+                <a16:creationId xmlns:a16="http://schemas.microsoft.com/office/drawing/2014/main" id="{2D93E44D-F024-3449-9B2A-F4392D48BC48}"/>
+              </a:ext>
+            </a:extLst>
+          </p:cNvPr>
+          <p:cNvSpPr/>
+          <p:nvPr/>
+        </p:nvSpPr>
+        <p:spPr>
+          <a:xfrm>
+            <a:off x="89473" y="6473309"/>
+            <a:ext cx="1976823" cy="261610"/>
+          </a:xfrm>
+          <a:prstGeom prst="rect">
+            <a:avLst/>
+          </a:prstGeom>
+        </p:spPr>
+        <p:txBody>
+          <a:bodyPr wrap="none">
+            <a:spAutoFit/>
+          </a:bodyPr>
+          <a:lstStyle/>
+          <a:p>
+            <a:r>
+              <a:rPr lang="en-US" sz="1100" dirty="0">
+                <a:solidFill>
+                  <a:schemeClr val="bg1">
+                    <a:lumMod val="65000"/>
+                    <a:lumOff val="35000"/>
+                  </a:schemeClr>
+                </a:solidFill>
+              </a:rPr>
+              <a:t>Keletso Makofane, March 2021</a:t>
+            </a:r>
+          </a:p>
+        </p:txBody>
+      </p:sp>
     </p:spTree>
     <p:extLst>
       <p:ext uri="{BB962C8B-B14F-4D97-AF65-F5344CB8AC3E}">
@@ -26268,7 +25350,7 @@
 </p:sld>
 </file>
 
-<file path=ppt/slides/slide19.xml><?xml version="1.0" encoding="utf-8"?>
+<file path=ppt/slides/slide18.xml><?xml version="1.0" encoding="utf-8"?>
 <p:sld xmlns:a="http://schemas.openxmlformats.org/drawingml/2006/main" xmlns:r="http://schemas.openxmlformats.org/officeDocument/2006/relationships" xmlns:p="http://schemas.openxmlformats.org/presentationml/2006/main">
   <p:cSld>
     <p:spTree>
@@ -30092,6 +29174,47 @@
           </a:fontRef>
         </p:style>
       </p:cxnSp>
+      <p:sp>
+        <p:nvSpPr>
+          <p:cNvPr id="61" name="Rectangle 60">
+            <a:extLst>
+              <a:ext uri="{FF2B5EF4-FFF2-40B4-BE49-F238E27FC236}">
+                <a16:creationId xmlns:a16="http://schemas.microsoft.com/office/drawing/2014/main" id="{053BCB04-8D9E-C44C-9589-60E6F25F67F8}"/>
+              </a:ext>
+            </a:extLst>
+          </p:cNvPr>
+          <p:cNvSpPr/>
+          <p:nvPr/>
+        </p:nvSpPr>
+        <p:spPr>
+          <a:xfrm>
+            <a:off x="89473" y="6473309"/>
+            <a:ext cx="1976823" cy="261610"/>
+          </a:xfrm>
+          <a:prstGeom prst="rect">
+            <a:avLst/>
+          </a:prstGeom>
+        </p:spPr>
+        <p:txBody>
+          <a:bodyPr wrap="none">
+            <a:spAutoFit/>
+          </a:bodyPr>
+          <a:lstStyle/>
+          <a:p>
+            <a:r>
+              <a:rPr lang="en-US" sz="1100" dirty="0">
+                <a:solidFill>
+                  <a:schemeClr val="bg1">
+                    <a:lumMod val="65000"/>
+                    <a:lumOff val="35000"/>
+                  </a:schemeClr>
+                </a:solidFill>
+              </a:rPr>
+              <a:t>Keletso Makofane, March 2021</a:t>
+            </a:r>
+          </a:p>
+        </p:txBody>
+      </p:sp>
     </p:spTree>
     <p:extLst>
       <p:ext uri="{BB962C8B-B14F-4D97-AF65-F5344CB8AC3E}">
@@ -30105,230 +29228,7 @@
 </p:sld>
 </file>
 
-<file path=ppt/slides/slide2.xml><?xml version="1.0" encoding="utf-8"?>
-<p:sld xmlns:a="http://schemas.openxmlformats.org/drawingml/2006/main" xmlns:r="http://schemas.openxmlformats.org/officeDocument/2006/relationships" xmlns:p="http://schemas.openxmlformats.org/presentationml/2006/main">
-  <p:cSld>
-    <p:spTree>
-      <p:nvGrpSpPr>
-        <p:cNvPr id="1" name=""/>
-        <p:cNvGrpSpPr/>
-        <p:nvPr/>
-      </p:nvGrpSpPr>
-      <p:grpSpPr>
-        <a:xfrm>
-          <a:off x="0" y="0"/>
-          <a:ext cx="0" cy="0"/>
-          <a:chOff x="0" y="0"/>
-          <a:chExt cx="0" cy="0"/>
-        </a:xfrm>
-      </p:grpSpPr>
-      <p:sp>
-        <p:nvSpPr>
-          <p:cNvPr id="4" name="Rectangle 3">
-            <a:extLst>
-              <a:ext uri="{FF2B5EF4-FFF2-40B4-BE49-F238E27FC236}">
-                <a16:creationId xmlns:a16="http://schemas.microsoft.com/office/drawing/2014/main" id="{CD717B1A-5C8D-1248-B81A-1C461921C05B}"/>
-              </a:ext>
-            </a:extLst>
-          </p:cNvPr>
-          <p:cNvSpPr/>
-          <p:nvPr/>
-        </p:nvSpPr>
-        <p:spPr>
-          <a:xfrm>
-            <a:off x="3574474" y="2559760"/>
-            <a:ext cx="5146980" cy="1678007"/>
-          </a:xfrm>
-          <a:prstGeom prst="rect">
-            <a:avLst/>
-          </a:prstGeom>
-          <a:noFill/>
-          <a:ln>
-            <a:noFill/>
-          </a:ln>
-        </p:spPr>
-        <p:style>
-          <a:lnRef idx="2">
-            <a:schemeClr val="accent1">
-              <a:shade val="50000"/>
-            </a:schemeClr>
-          </a:lnRef>
-          <a:fillRef idx="1">
-            <a:schemeClr val="accent1"/>
-          </a:fillRef>
-          <a:effectRef idx="0">
-            <a:schemeClr val="accent1"/>
-          </a:effectRef>
-          <a:fontRef idx="minor">
-            <a:schemeClr val="lt1"/>
-          </a:fontRef>
-        </p:style>
-        <p:txBody>
-          <a:bodyPr rtlCol="0" anchor="ctr"/>
-          <a:lstStyle/>
-          <a:p>
-            <a:pPr algn="ctr"/>
-            <a:r>
-              <a:rPr lang="en-US" sz="2400" dirty="0">
-                <a:solidFill>
-                  <a:schemeClr val="tx1">
-                    <a:lumMod val="65000"/>
-                  </a:schemeClr>
-                </a:solidFill>
-                <a:latin typeface="Arial" panose="020B0604020202020204" pitchFamily="34" charset="0"/>
-                <a:cs typeface="Arial" panose="020B0604020202020204" pitchFamily="34" charset="0"/>
-              </a:rPr>
-              <a:t>Network Causal Inference</a:t>
-            </a:r>
-          </a:p>
-          <a:p>
-            <a:pPr algn="ctr"/>
-            <a:endParaRPr lang="en-US" sz="3200" b="1" dirty="0">
-              <a:solidFill>
-                <a:schemeClr val="tx1">
-                  <a:lumMod val="65000"/>
-                </a:schemeClr>
-              </a:solidFill>
-              <a:latin typeface="Arial" panose="020B0604020202020204" pitchFamily="34" charset="0"/>
-              <a:cs typeface="Arial" panose="020B0604020202020204" pitchFamily="34" charset="0"/>
-            </a:endParaRPr>
-          </a:p>
-          <a:p>
-            <a:pPr algn="ctr"/>
-            <a:r>
-              <a:rPr lang="en-US" sz="1400" dirty="0">
-                <a:solidFill>
-                  <a:schemeClr val="tx1">
-                    <a:lumMod val="65000"/>
-                  </a:schemeClr>
-                </a:solidFill>
-                <a:latin typeface="Arial" panose="020B0604020202020204" pitchFamily="34" charset="0"/>
-                <a:cs typeface="Arial" panose="020B0604020202020204" pitchFamily="34" charset="0"/>
-              </a:rPr>
-              <a:t>Keletso Makofane, MPH</a:t>
-            </a:r>
-          </a:p>
-          <a:p>
-            <a:pPr algn="ctr"/>
-            <a:endParaRPr lang="en-US" sz="1400" dirty="0">
-              <a:solidFill>
-                <a:schemeClr val="tx1">
-                  <a:lumMod val="65000"/>
-                </a:schemeClr>
-              </a:solidFill>
-              <a:latin typeface="Arial" panose="020B0604020202020204" pitchFamily="34" charset="0"/>
-              <a:cs typeface="Arial" panose="020B0604020202020204" pitchFamily="34" charset="0"/>
-            </a:endParaRPr>
-          </a:p>
-          <a:p>
-            <a:pPr algn="ctr"/>
-            <a:r>
-              <a:rPr lang="en-US" sz="1400" dirty="0">
-                <a:solidFill>
-                  <a:schemeClr val="tx1">
-                    <a:lumMod val="65000"/>
-                  </a:schemeClr>
-                </a:solidFill>
-                <a:latin typeface="Arial" panose="020B0604020202020204" pitchFamily="34" charset="0"/>
-                <a:cs typeface="Arial" panose="020B0604020202020204" pitchFamily="34" charset="0"/>
-              </a:rPr>
-              <a:t>PhD Candidate in Social Epidemiology</a:t>
-            </a:r>
-          </a:p>
-          <a:p>
-            <a:pPr algn="ctr"/>
-            <a:r>
-              <a:rPr lang="en-US" sz="1400" dirty="0">
-                <a:solidFill>
-                  <a:schemeClr val="tx1">
-                    <a:lumMod val="65000"/>
-                  </a:schemeClr>
-                </a:solidFill>
-                <a:latin typeface="Arial" panose="020B0604020202020204" pitchFamily="34" charset="0"/>
-                <a:cs typeface="Arial" panose="020B0604020202020204" pitchFamily="34" charset="0"/>
-              </a:rPr>
-              <a:t>Harvard University</a:t>
-            </a:r>
-          </a:p>
-          <a:p>
-            <a:pPr algn="ctr"/>
-            <a:endParaRPr lang="en-US" sz="1400" b="1" dirty="0">
-              <a:solidFill>
-                <a:schemeClr val="tx1">
-                  <a:lumMod val="65000"/>
-                </a:schemeClr>
-              </a:solidFill>
-              <a:latin typeface="Arial" panose="020B0604020202020204" pitchFamily="34" charset="0"/>
-              <a:cs typeface="Arial" panose="020B0604020202020204" pitchFamily="34" charset="0"/>
-            </a:endParaRPr>
-          </a:p>
-          <a:p>
-            <a:pPr algn="ctr"/>
-            <a:endParaRPr lang="en-US" sz="1400" dirty="0">
-              <a:solidFill>
-                <a:schemeClr val="tx1">
-                  <a:lumMod val="65000"/>
-                </a:schemeClr>
-              </a:solidFill>
-              <a:latin typeface="Arial" panose="020B0604020202020204" pitchFamily="34" charset="0"/>
-              <a:cs typeface="Arial" panose="020B0604020202020204" pitchFamily="34" charset="0"/>
-            </a:endParaRPr>
-          </a:p>
-          <a:p>
-            <a:pPr algn="ctr"/>
-            <a:r>
-              <a:rPr lang="en-US" sz="1400" dirty="0" err="1">
-                <a:solidFill>
-                  <a:schemeClr val="tx1">
-                    <a:lumMod val="65000"/>
-                  </a:schemeClr>
-                </a:solidFill>
-                <a:latin typeface="Arial" panose="020B0604020202020204" pitchFamily="34" charset="0"/>
-                <a:cs typeface="Arial" panose="020B0604020202020204" pitchFamily="34" charset="0"/>
-              </a:rPr>
-              <a:t>www.keletsomakofane.com</a:t>
-            </a:r>
-            <a:endParaRPr lang="en-US" sz="1400" dirty="0">
-              <a:solidFill>
-                <a:schemeClr val="tx1">
-                  <a:lumMod val="65000"/>
-                </a:schemeClr>
-              </a:solidFill>
-              <a:latin typeface="Arial" panose="020B0604020202020204" pitchFamily="34" charset="0"/>
-              <a:cs typeface="Arial" panose="020B0604020202020204" pitchFamily="34" charset="0"/>
-            </a:endParaRPr>
-          </a:p>
-          <a:p>
-            <a:pPr algn="ctr"/>
-            <a:r>
-              <a:rPr lang="en-US" sz="1400" dirty="0">
-                <a:solidFill>
-                  <a:schemeClr val="tx1">
-                    <a:lumMod val="65000"/>
-                  </a:schemeClr>
-                </a:solidFill>
-                <a:latin typeface="Arial" panose="020B0604020202020204" pitchFamily="34" charset="0"/>
-                <a:cs typeface="Arial" panose="020B0604020202020204" pitchFamily="34" charset="0"/>
-              </a:rPr>
-              <a:t>@klts0</a:t>
-            </a:r>
-          </a:p>
-        </p:txBody>
-      </p:sp>
-    </p:spTree>
-    <p:extLst>
-      <p:ext uri="{BB962C8B-B14F-4D97-AF65-F5344CB8AC3E}">
-        <p14:creationId xmlns:p14="http://schemas.microsoft.com/office/powerpoint/2010/main" val="2992488037"/>
-      </p:ext>
-    </p:extLst>
-  </p:cSld>
-  <p:clrMapOvr>
-    <a:masterClrMapping/>
-  </p:clrMapOvr>
-</p:sld>
-</file>
-
-<file path=ppt/slides/slide20.xml><?xml version="1.0" encoding="utf-8"?>
+<file path=ppt/slides/slide19.xml><?xml version="1.0" encoding="utf-8"?>
 <p:sld xmlns:a="http://schemas.openxmlformats.org/drawingml/2006/main" xmlns:r="http://schemas.openxmlformats.org/officeDocument/2006/relationships" xmlns:p="http://schemas.openxmlformats.org/presentationml/2006/main">
   <p:cSld>
     <p:spTree>
@@ -31952,6 +30852,47 @@
           </a:p>
         </p:txBody>
       </p:sp>
+      <p:sp>
+        <p:nvSpPr>
+          <p:cNvPr id="22" name="Rectangle 21">
+            <a:extLst>
+              <a:ext uri="{FF2B5EF4-FFF2-40B4-BE49-F238E27FC236}">
+                <a16:creationId xmlns:a16="http://schemas.microsoft.com/office/drawing/2014/main" id="{85E8C7E6-D4C4-6F48-BB0F-4C67E0D68D8F}"/>
+              </a:ext>
+            </a:extLst>
+          </p:cNvPr>
+          <p:cNvSpPr/>
+          <p:nvPr/>
+        </p:nvSpPr>
+        <p:spPr>
+          <a:xfrm>
+            <a:off x="89473" y="6473309"/>
+            <a:ext cx="1976823" cy="261610"/>
+          </a:xfrm>
+          <a:prstGeom prst="rect">
+            <a:avLst/>
+          </a:prstGeom>
+        </p:spPr>
+        <p:txBody>
+          <a:bodyPr wrap="none">
+            <a:spAutoFit/>
+          </a:bodyPr>
+          <a:lstStyle/>
+          <a:p>
+            <a:r>
+              <a:rPr lang="en-US" sz="1100" dirty="0">
+                <a:solidFill>
+                  <a:schemeClr val="bg1">
+                    <a:lumMod val="65000"/>
+                    <a:lumOff val="35000"/>
+                  </a:schemeClr>
+                </a:solidFill>
+              </a:rPr>
+              <a:t>Keletso Makofane, March 2021</a:t>
+            </a:r>
+          </a:p>
+        </p:txBody>
+      </p:sp>
     </p:spTree>
     <p:extLst>
       <p:ext uri="{BB962C8B-B14F-4D97-AF65-F5344CB8AC3E}">
@@ -31965,7 +30906,7 @@
 </p:sld>
 </file>
 
-<file path=ppt/slides/slide3.xml><?xml version="1.0" encoding="utf-8"?>
+<file path=ppt/slides/slide2.xml><?xml version="1.0" encoding="utf-8"?>
 <p:sld xmlns:a="http://schemas.openxmlformats.org/drawingml/2006/main" xmlns:r="http://schemas.openxmlformats.org/officeDocument/2006/relationships" xmlns:p="http://schemas.openxmlformats.org/presentationml/2006/main">
   <p:cSld>
     <p:spTree>
@@ -32035,7 +30976,7 @@
 </p:sld>
 </file>
 
-<file path=ppt/slides/slide4.xml><?xml version="1.0" encoding="utf-8"?>
+<file path=ppt/slides/slide3.xml><?xml version="1.0" encoding="utf-8"?>
 <p:sld xmlns:a="http://schemas.openxmlformats.org/drawingml/2006/main" xmlns:r="http://schemas.openxmlformats.org/officeDocument/2006/relationships" xmlns:p="http://schemas.openxmlformats.org/presentationml/2006/main">
   <p:cSld>
     <p:spTree>
@@ -32424,6 +31365,47 @@
           </a:prstGeom>
         </p:spPr>
       </p:pic>
+      <p:sp>
+        <p:nvSpPr>
+          <p:cNvPr id="9" name="Rectangle 8">
+            <a:extLst>
+              <a:ext uri="{FF2B5EF4-FFF2-40B4-BE49-F238E27FC236}">
+                <a16:creationId xmlns:a16="http://schemas.microsoft.com/office/drawing/2014/main" id="{C144D7AC-9765-414D-B8F6-E0AA13DF5F9E}"/>
+              </a:ext>
+            </a:extLst>
+          </p:cNvPr>
+          <p:cNvSpPr/>
+          <p:nvPr/>
+        </p:nvSpPr>
+        <p:spPr>
+          <a:xfrm>
+            <a:off x="89473" y="6473309"/>
+            <a:ext cx="1976823" cy="261610"/>
+          </a:xfrm>
+          <a:prstGeom prst="rect">
+            <a:avLst/>
+          </a:prstGeom>
+        </p:spPr>
+        <p:txBody>
+          <a:bodyPr wrap="none">
+            <a:spAutoFit/>
+          </a:bodyPr>
+          <a:lstStyle/>
+          <a:p>
+            <a:r>
+              <a:rPr lang="en-US" sz="1100" dirty="0">
+                <a:solidFill>
+                  <a:schemeClr val="bg1">
+                    <a:lumMod val="65000"/>
+                    <a:lumOff val="35000"/>
+                  </a:schemeClr>
+                </a:solidFill>
+              </a:rPr>
+              <a:t>Keletso Makofane, March 2021</a:t>
+            </a:r>
+          </a:p>
+        </p:txBody>
+      </p:sp>
     </p:spTree>
     <p:extLst>
       <p:ext uri="{BB962C8B-B14F-4D97-AF65-F5344CB8AC3E}">
@@ -32437,7 +31419,7 @@
 </p:sld>
 </file>
 
-<file path=ppt/slides/slide5.xml><?xml version="1.0" encoding="utf-8"?>
+<file path=ppt/slides/slide4.xml><?xml version="1.0" encoding="utf-8"?>
 <p:sld xmlns:a="http://schemas.openxmlformats.org/drawingml/2006/main" xmlns:r="http://schemas.openxmlformats.org/officeDocument/2006/relationships" xmlns:p="http://schemas.openxmlformats.org/presentationml/2006/main">
   <p:cSld>
     <p:spTree>
@@ -33570,6 +32552,47 @@
           </a:prstGeom>
         </p:spPr>
       </p:pic>
+      <p:sp>
+        <p:nvSpPr>
+          <p:cNvPr id="23" name="Rectangle 22">
+            <a:extLst>
+              <a:ext uri="{FF2B5EF4-FFF2-40B4-BE49-F238E27FC236}">
+                <a16:creationId xmlns:a16="http://schemas.microsoft.com/office/drawing/2014/main" id="{5BD81A1D-E8B7-7B45-95BF-1552E272A881}"/>
+              </a:ext>
+            </a:extLst>
+          </p:cNvPr>
+          <p:cNvSpPr/>
+          <p:nvPr/>
+        </p:nvSpPr>
+        <p:spPr>
+          <a:xfrm>
+            <a:off x="89473" y="6473309"/>
+            <a:ext cx="1976823" cy="261610"/>
+          </a:xfrm>
+          <a:prstGeom prst="rect">
+            <a:avLst/>
+          </a:prstGeom>
+        </p:spPr>
+        <p:txBody>
+          <a:bodyPr wrap="none">
+            <a:spAutoFit/>
+          </a:bodyPr>
+          <a:lstStyle/>
+          <a:p>
+            <a:r>
+              <a:rPr lang="en-US" sz="1100" dirty="0">
+                <a:solidFill>
+                  <a:schemeClr val="bg1">
+                    <a:lumMod val="65000"/>
+                    <a:lumOff val="35000"/>
+                  </a:schemeClr>
+                </a:solidFill>
+              </a:rPr>
+              <a:t>Keletso Makofane, March 2021</a:t>
+            </a:r>
+          </a:p>
+        </p:txBody>
+      </p:sp>
     </p:spTree>
     <p:extLst>
       <p:ext uri="{BB962C8B-B14F-4D97-AF65-F5344CB8AC3E}">
@@ -33583,7 +32606,7 @@
 </p:sld>
 </file>
 
-<file path=ppt/slides/slide6.xml><?xml version="1.0" encoding="utf-8"?>
+<file path=ppt/slides/slide5.xml><?xml version="1.0" encoding="utf-8"?>
 <p:sld xmlns:a="http://schemas.openxmlformats.org/drawingml/2006/main" xmlns:r="http://schemas.openxmlformats.org/officeDocument/2006/relationships" xmlns:p="http://schemas.openxmlformats.org/presentationml/2006/main">
   <p:cSld>
     <p:spTree>
@@ -35701,6 +34724,47 @@
           </p:graphicFrame>
         </mc:Fallback>
       </mc:AlternateContent>
+      <p:sp>
+        <p:nvSpPr>
+          <p:cNvPr id="8" name="Rectangle 7">
+            <a:extLst>
+              <a:ext uri="{FF2B5EF4-FFF2-40B4-BE49-F238E27FC236}">
+                <a16:creationId xmlns:a16="http://schemas.microsoft.com/office/drawing/2014/main" id="{5D996F79-224A-C747-82DC-501233B1F074}"/>
+              </a:ext>
+            </a:extLst>
+          </p:cNvPr>
+          <p:cNvSpPr/>
+          <p:nvPr/>
+        </p:nvSpPr>
+        <p:spPr>
+          <a:xfrm>
+            <a:off x="89473" y="6473309"/>
+            <a:ext cx="1976823" cy="261610"/>
+          </a:xfrm>
+          <a:prstGeom prst="rect">
+            <a:avLst/>
+          </a:prstGeom>
+        </p:spPr>
+        <p:txBody>
+          <a:bodyPr wrap="none">
+            <a:spAutoFit/>
+          </a:bodyPr>
+          <a:lstStyle/>
+          <a:p>
+            <a:r>
+              <a:rPr lang="en-US" sz="1100" dirty="0">
+                <a:solidFill>
+                  <a:schemeClr val="bg1">
+                    <a:lumMod val="65000"/>
+                    <a:lumOff val="35000"/>
+                  </a:schemeClr>
+                </a:solidFill>
+              </a:rPr>
+              <a:t>Keletso Makofane, March 2021</a:t>
+            </a:r>
+          </a:p>
+        </p:txBody>
+      </p:sp>
     </p:spTree>
     <p:extLst>
       <p:ext uri="{BB962C8B-B14F-4D97-AF65-F5344CB8AC3E}">
@@ -35714,7 +34778,7 @@
 </p:sld>
 </file>
 
-<file path=ppt/slides/slide7.xml><?xml version="1.0" encoding="utf-8"?>
+<file path=ppt/slides/slide6.xml><?xml version="1.0" encoding="utf-8"?>
 <p:sld xmlns:a="http://schemas.openxmlformats.org/drawingml/2006/main" xmlns:r="http://schemas.openxmlformats.org/officeDocument/2006/relationships" xmlns:p="http://schemas.openxmlformats.org/presentationml/2006/main">
   <p:cSld>
     <p:spTree>
@@ -38497,6 +37561,47 @@
           </p:graphicFrame>
         </mc:Fallback>
       </mc:AlternateContent>
+      <p:sp>
+        <p:nvSpPr>
+          <p:cNvPr id="8" name="Rectangle 7">
+            <a:extLst>
+              <a:ext uri="{FF2B5EF4-FFF2-40B4-BE49-F238E27FC236}">
+                <a16:creationId xmlns:a16="http://schemas.microsoft.com/office/drawing/2014/main" id="{F4A24AB7-2A1D-8B44-B706-D2F135E2BB96}"/>
+              </a:ext>
+            </a:extLst>
+          </p:cNvPr>
+          <p:cNvSpPr/>
+          <p:nvPr/>
+        </p:nvSpPr>
+        <p:spPr>
+          <a:xfrm>
+            <a:off x="89473" y="6473309"/>
+            <a:ext cx="1976823" cy="261610"/>
+          </a:xfrm>
+          <a:prstGeom prst="rect">
+            <a:avLst/>
+          </a:prstGeom>
+        </p:spPr>
+        <p:txBody>
+          <a:bodyPr wrap="none">
+            <a:spAutoFit/>
+          </a:bodyPr>
+          <a:lstStyle/>
+          <a:p>
+            <a:r>
+              <a:rPr lang="en-US" sz="1100" dirty="0">
+                <a:solidFill>
+                  <a:schemeClr val="bg1">
+                    <a:lumMod val="65000"/>
+                    <a:lumOff val="35000"/>
+                  </a:schemeClr>
+                </a:solidFill>
+              </a:rPr>
+              <a:t>Keletso Makofane, March 2021</a:t>
+            </a:r>
+          </a:p>
+        </p:txBody>
+      </p:sp>
     </p:spTree>
     <p:extLst>
       <p:ext uri="{BB962C8B-B14F-4D97-AF65-F5344CB8AC3E}">
@@ -38510,7 +37615,7 @@
 </p:sld>
 </file>
 
-<file path=ppt/slides/slide8.xml><?xml version="1.0" encoding="utf-8"?>
+<file path=ppt/slides/slide7.xml><?xml version="1.0" encoding="utf-8"?>
 <p:sld xmlns:a="http://schemas.openxmlformats.org/drawingml/2006/main" xmlns:r="http://schemas.openxmlformats.org/officeDocument/2006/relationships" xmlns:p="http://schemas.openxmlformats.org/presentationml/2006/main">
   <p:cSld>
     <p:spTree>
@@ -39130,10 +38235,162 @@
           </p:sp>
         </mc:Fallback>
       </mc:AlternateContent>
+      <p:sp>
+        <p:nvSpPr>
+          <p:cNvPr id="10" name="Rectangle 9">
+            <a:extLst>
+              <a:ext uri="{FF2B5EF4-FFF2-40B4-BE49-F238E27FC236}">
+                <a16:creationId xmlns:a16="http://schemas.microsoft.com/office/drawing/2014/main" id="{31DD2A80-4F78-B04A-8243-74EDEE15B2D8}"/>
+              </a:ext>
+            </a:extLst>
+          </p:cNvPr>
+          <p:cNvSpPr/>
+          <p:nvPr/>
+        </p:nvSpPr>
+        <p:spPr>
+          <a:xfrm>
+            <a:off x="89473" y="6473309"/>
+            <a:ext cx="1976823" cy="261610"/>
+          </a:xfrm>
+          <a:prstGeom prst="rect">
+            <a:avLst/>
+          </a:prstGeom>
+        </p:spPr>
+        <p:txBody>
+          <a:bodyPr wrap="none">
+            <a:spAutoFit/>
+          </a:bodyPr>
+          <a:lstStyle/>
+          <a:p>
+            <a:r>
+              <a:rPr lang="en-US" sz="1100" dirty="0">
+                <a:solidFill>
+                  <a:schemeClr val="bg1">
+                    <a:lumMod val="65000"/>
+                    <a:lumOff val="35000"/>
+                  </a:schemeClr>
+                </a:solidFill>
+              </a:rPr>
+              <a:t>Keletso Makofane, March 2021</a:t>
+            </a:r>
+          </a:p>
+        </p:txBody>
+      </p:sp>
     </p:spTree>
     <p:extLst>
       <p:ext uri="{BB962C8B-B14F-4D97-AF65-F5344CB8AC3E}">
         <p14:creationId xmlns:p14="http://schemas.microsoft.com/office/powerpoint/2010/main" val="663107669"/>
+      </p:ext>
+    </p:extLst>
+  </p:cSld>
+  <p:clrMapOvr>
+    <a:masterClrMapping/>
+  </p:clrMapOvr>
+</p:sld>
+</file>
+
+<file path=ppt/slides/slide8.xml><?xml version="1.0" encoding="utf-8"?>
+<p:sld xmlns:a="http://schemas.openxmlformats.org/drawingml/2006/main" xmlns:r="http://schemas.openxmlformats.org/officeDocument/2006/relationships" xmlns:p="http://schemas.openxmlformats.org/presentationml/2006/main">
+  <p:cSld>
+    <p:spTree>
+      <p:nvGrpSpPr>
+        <p:cNvPr id="1" name=""/>
+        <p:cNvGrpSpPr/>
+        <p:nvPr/>
+      </p:nvGrpSpPr>
+      <p:grpSpPr>
+        <a:xfrm>
+          <a:off x="0" y="0"/>
+          <a:ext cx="0" cy="0"/>
+          <a:chOff x="0" y="0"/>
+          <a:chExt cx="0" cy="0"/>
+        </a:xfrm>
+      </p:grpSpPr>
+      <p:sp>
+        <p:nvSpPr>
+          <p:cNvPr id="4" name="Title 1">
+            <a:extLst>
+              <a:ext uri="{FF2B5EF4-FFF2-40B4-BE49-F238E27FC236}">
+                <a16:creationId xmlns:a16="http://schemas.microsoft.com/office/drawing/2014/main" id="{BE0EA790-FED3-CB4D-BF0D-967E5FE0842D}"/>
+              </a:ext>
+            </a:extLst>
+          </p:cNvPr>
+          <p:cNvSpPr>
+            <a:spLocks noGrp="1"/>
+          </p:cNvSpPr>
+          <p:nvPr>
+            <p:ph type="title"/>
+          </p:nvPr>
+        </p:nvSpPr>
+        <p:spPr>
+          <a:xfrm>
+            <a:off x="857639" y="2766218"/>
+            <a:ext cx="10476721" cy="1325563"/>
+          </a:xfrm>
+        </p:spPr>
+        <p:txBody>
+          <a:bodyPr/>
+          <a:lstStyle/>
+          <a:p>
+            <a:pPr algn="ctr"/>
+            <a:r>
+              <a:rPr lang="en-US" dirty="0">
+                <a:solidFill>
+                  <a:schemeClr val="tx1">
+                    <a:lumMod val="50000"/>
+                  </a:schemeClr>
+                </a:solidFill>
+              </a:rPr>
+              <a:t>Network Causal Inference</a:t>
+            </a:r>
+          </a:p>
+        </p:txBody>
+      </p:sp>
+      <p:sp>
+        <p:nvSpPr>
+          <p:cNvPr id="3" name="Rectangle 2">
+            <a:extLst>
+              <a:ext uri="{FF2B5EF4-FFF2-40B4-BE49-F238E27FC236}">
+                <a16:creationId xmlns:a16="http://schemas.microsoft.com/office/drawing/2014/main" id="{94BCD9E9-900E-4040-9587-D65C2D282F19}"/>
+              </a:ext>
+            </a:extLst>
+          </p:cNvPr>
+          <p:cNvSpPr/>
+          <p:nvPr/>
+        </p:nvSpPr>
+        <p:spPr>
+          <a:xfrm>
+            <a:off x="89473" y="6473309"/>
+            <a:ext cx="1976823" cy="261610"/>
+          </a:xfrm>
+          <a:prstGeom prst="rect">
+            <a:avLst/>
+          </a:prstGeom>
+        </p:spPr>
+        <p:txBody>
+          <a:bodyPr wrap="none">
+            <a:spAutoFit/>
+          </a:bodyPr>
+          <a:lstStyle/>
+          <a:p>
+            <a:r>
+              <a:rPr lang="en-US" sz="1100" dirty="0">
+                <a:solidFill>
+                  <a:schemeClr val="bg1">
+                    <a:lumMod val="65000"/>
+                    <a:lumOff val="35000"/>
+                  </a:schemeClr>
+                </a:solidFill>
+              </a:rPr>
+              <a:t>Keletso Makofane, March 2021</a:t>
+            </a:r>
+          </a:p>
+        </p:txBody>
+      </p:sp>
+    </p:spTree>
+    <p:extLst>
+      <p:ext uri="{BB962C8B-B14F-4D97-AF65-F5344CB8AC3E}">
+        <p14:creationId xmlns:p14="http://schemas.microsoft.com/office/powerpoint/2010/main" val="178185623"/>
       </p:ext>
     </p:extLst>
   </p:cSld>
@@ -39162,40 +38419,1256 @@
       </p:grpSpPr>
       <p:sp>
         <p:nvSpPr>
-          <p:cNvPr id="4" name="Title 1">
+          <p:cNvPr id="4" name="Oval 3">
             <a:extLst>
               <a:ext uri="{FF2B5EF4-FFF2-40B4-BE49-F238E27FC236}">
-                <a16:creationId xmlns:a16="http://schemas.microsoft.com/office/drawing/2014/main" id="{BE0EA790-FED3-CB4D-BF0D-967E5FE0842D}"/>
+                <a16:creationId xmlns:a16="http://schemas.microsoft.com/office/drawing/2014/main" id="{C1BFA66F-668B-1044-8079-71C5BF0A9F70}"/>
               </a:ext>
             </a:extLst>
           </p:cNvPr>
-          <p:cNvSpPr>
-            <a:spLocks noGrp="1"/>
-          </p:cNvSpPr>
-          <p:nvPr>
-            <p:ph type="title"/>
-          </p:nvPr>
+          <p:cNvSpPr/>
+          <p:nvPr/>
         </p:nvSpPr>
         <p:spPr>
           <a:xfrm>
-            <a:off x="857639" y="2766218"/>
-            <a:ext cx="10476721" cy="1325563"/>
-          </a:xfrm>
-        </p:spPr>
+            <a:off x="1561476" y="2136097"/>
+            <a:ext cx="674558" cy="652073"/>
+          </a:xfrm>
+          <a:prstGeom prst="ellipse">
+            <a:avLst/>
+          </a:prstGeom>
+          <a:solidFill>
+            <a:srgbClr val="0070C0"/>
+          </a:solidFill>
+          <a:ln>
+            <a:solidFill>
+              <a:schemeClr val="tx1">
+                <a:lumMod val="50000"/>
+              </a:schemeClr>
+            </a:solidFill>
+          </a:ln>
+        </p:spPr>
+        <p:style>
+          <a:lnRef idx="2">
+            <a:schemeClr val="accent1">
+              <a:shade val="50000"/>
+            </a:schemeClr>
+          </a:lnRef>
+          <a:fillRef idx="1">
+            <a:schemeClr val="accent1"/>
+          </a:fillRef>
+          <a:effectRef idx="0">
+            <a:schemeClr val="accent1"/>
+          </a:effectRef>
+          <a:fontRef idx="minor">
+            <a:schemeClr val="lt1"/>
+          </a:fontRef>
+        </p:style>
         <p:txBody>
-          <a:bodyPr/>
+          <a:bodyPr rtlCol="0" anchor="ctr"/>
           <a:lstStyle/>
           <a:p>
             <a:pPr algn="ctr"/>
             <a:r>
-              <a:rPr lang="en-US" dirty="0">
+              <a:rPr lang="en-US" sz="1200" b="1" dirty="0"/>
+              <a:t>L</a:t>
+            </a:r>
+            <a:r>
+              <a:rPr lang="en-US" sz="1200" b="1" baseline="-25000" dirty="0"/>
+              <a:t>1</a:t>
+            </a:r>
+            <a:endParaRPr lang="en-US" sz="1200" b="1" dirty="0"/>
+          </a:p>
+        </p:txBody>
+      </p:sp>
+      <p:sp>
+        <p:nvSpPr>
+          <p:cNvPr id="5" name="Oval 4">
+            <a:extLst>
+              <a:ext uri="{FF2B5EF4-FFF2-40B4-BE49-F238E27FC236}">
+                <a16:creationId xmlns:a16="http://schemas.microsoft.com/office/drawing/2014/main" id="{26B7C5F9-88A2-7A46-AE1F-C9132CDCBEBD}"/>
+              </a:ext>
+            </a:extLst>
+          </p:cNvPr>
+          <p:cNvSpPr/>
+          <p:nvPr/>
+        </p:nvSpPr>
+        <p:spPr>
+          <a:xfrm>
+            <a:off x="3715063" y="2136097"/>
+            <a:ext cx="674558" cy="652073"/>
+          </a:xfrm>
+          <a:prstGeom prst="ellipse">
+            <a:avLst/>
+          </a:prstGeom>
+          <a:solidFill>
+            <a:srgbClr val="0070C0"/>
+          </a:solidFill>
+          <a:ln>
+            <a:solidFill>
+              <a:schemeClr val="tx1">
+                <a:lumMod val="50000"/>
+              </a:schemeClr>
+            </a:solidFill>
+          </a:ln>
+        </p:spPr>
+        <p:style>
+          <a:lnRef idx="2">
+            <a:schemeClr val="accent1">
+              <a:shade val="50000"/>
+            </a:schemeClr>
+          </a:lnRef>
+          <a:fillRef idx="1">
+            <a:schemeClr val="accent1"/>
+          </a:fillRef>
+          <a:effectRef idx="0">
+            <a:schemeClr val="accent1"/>
+          </a:effectRef>
+          <a:fontRef idx="minor">
+            <a:schemeClr val="lt1"/>
+          </a:fontRef>
+        </p:style>
+        <p:txBody>
+          <a:bodyPr rtlCol="0" anchor="ctr"/>
+          <a:lstStyle/>
+          <a:p>
+            <a:pPr algn="ctr"/>
+            <a:r>
+              <a:rPr lang="en-US" sz="1400" b="1" dirty="0"/>
+              <a:t>A</a:t>
+            </a:r>
+            <a:r>
+              <a:rPr lang="en-US" sz="1400" b="1" baseline="-25000" dirty="0"/>
+              <a:t>1</a:t>
+            </a:r>
+            <a:endParaRPr lang="en-US" sz="1400" b="1" dirty="0"/>
+          </a:p>
+        </p:txBody>
+      </p:sp>
+      <p:sp>
+        <p:nvSpPr>
+          <p:cNvPr id="6" name="Oval 5">
+            <a:extLst>
+              <a:ext uri="{FF2B5EF4-FFF2-40B4-BE49-F238E27FC236}">
+                <a16:creationId xmlns:a16="http://schemas.microsoft.com/office/drawing/2014/main" id="{04B1300C-5748-9544-8A69-9A456D296FB0}"/>
+              </a:ext>
+            </a:extLst>
+          </p:cNvPr>
+          <p:cNvSpPr/>
+          <p:nvPr/>
+        </p:nvSpPr>
+        <p:spPr>
+          <a:xfrm>
+            <a:off x="6001063" y="2136096"/>
+            <a:ext cx="674558" cy="652073"/>
+          </a:xfrm>
+          <a:prstGeom prst="ellipse">
+            <a:avLst/>
+          </a:prstGeom>
+          <a:solidFill>
+            <a:srgbClr val="0070C0"/>
+          </a:solidFill>
+          <a:ln>
+            <a:solidFill>
+              <a:schemeClr val="tx1">
+                <a:lumMod val="50000"/>
+              </a:schemeClr>
+            </a:solidFill>
+          </a:ln>
+        </p:spPr>
+        <p:style>
+          <a:lnRef idx="2">
+            <a:schemeClr val="accent1">
+              <a:shade val="50000"/>
+            </a:schemeClr>
+          </a:lnRef>
+          <a:fillRef idx="1">
+            <a:schemeClr val="accent1"/>
+          </a:fillRef>
+          <a:effectRef idx="0">
+            <a:schemeClr val="accent1"/>
+          </a:effectRef>
+          <a:fontRef idx="minor">
+            <a:schemeClr val="lt1"/>
+          </a:fontRef>
+        </p:style>
+        <p:txBody>
+          <a:bodyPr rtlCol="0" anchor="ctr"/>
+          <a:lstStyle/>
+          <a:p>
+            <a:pPr algn="ctr"/>
+            <a:r>
+              <a:rPr lang="en-US" sz="1400" b="1" dirty="0"/>
+              <a:t>Y</a:t>
+            </a:r>
+            <a:r>
+              <a:rPr lang="en-US" sz="1400" b="1" baseline="-25000" dirty="0"/>
+              <a:t>1</a:t>
+            </a:r>
+            <a:endParaRPr lang="en-US" sz="1400" b="1" dirty="0"/>
+          </a:p>
+        </p:txBody>
+      </p:sp>
+      <p:cxnSp>
+        <p:nvCxnSpPr>
+          <p:cNvPr id="8" name="Straight Arrow Connector 7">
+            <a:extLst>
+              <a:ext uri="{FF2B5EF4-FFF2-40B4-BE49-F238E27FC236}">
+                <a16:creationId xmlns:a16="http://schemas.microsoft.com/office/drawing/2014/main" id="{A885ADDE-AFC4-4C42-A004-AE14B21CD203}"/>
+              </a:ext>
+            </a:extLst>
+          </p:cNvPr>
+          <p:cNvCxnSpPr>
+            <a:stCxn id="4" idx="6"/>
+            <a:endCxn id="5" idx="2"/>
+          </p:cNvCxnSpPr>
+          <p:nvPr/>
+        </p:nvCxnSpPr>
+        <p:spPr>
+          <a:xfrm>
+            <a:off x="2236034" y="2462134"/>
+            <a:ext cx="1479029" cy="0"/>
+          </a:xfrm>
+          <a:prstGeom prst="straightConnector1">
+            <a:avLst/>
+          </a:prstGeom>
+          <a:ln w="15875">
+            <a:solidFill>
+              <a:schemeClr val="tx1">
+                <a:lumMod val="50000"/>
+              </a:schemeClr>
+            </a:solidFill>
+            <a:headEnd w="lg" len="lg"/>
+            <a:tailEnd type="triangle" w="lg" len="lg"/>
+          </a:ln>
+        </p:spPr>
+        <p:style>
+          <a:lnRef idx="1">
+            <a:schemeClr val="accent1"/>
+          </a:lnRef>
+          <a:fillRef idx="0">
+            <a:schemeClr val="accent1"/>
+          </a:fillRef>
+          <a:effectRef idx="0">
+            <a:schemeClr val="accent1"/>
+          </a:effectRef>
+          <a:fontRef idx="minor">
+            <a:schemeClr val="tx1"/>
+          </a:fontRef>
+        </p:style>
+      </p:cxnSp>
+      <p:cxnSp>
+        <p:nvCxnSpPr>
+          <p:cNvPr id="10" name="Straight Arrow Connector 9">
+            <a:extLst>
+              <a:ext uri="{FF2B5EF4-FFF2-40B4-BE49-F238E27FC236}">
+                <a16:creationId xmlns:a16="http://schemas.microsoft.com/office/drawing/2014/main" id="{A65EF20A-851F-D84E-9F83-DCA465D9F64D}"/>
+              </a:ext>
+            </a:extLst>
+          </p:cNvPr>
+          <p:cNvCxnSpPr>
+            <a:stCxn id="5" idx="6"/>
+            <a:endCxn id="6" idx="2"/>
+          </p:cNvCxnSpPr>
+          <p:nvPr/>
+        </p:nvCxnSpPr>
+        <p:spPr>
+          <a:xfrm flipV="1">
+            <a:off x="4389621" y="2462133"/>
+            <a:ext cx="1611442" cy="1"/>
+          </a:xfrm>
+          <a:prstGeom prst="straightConnector1">
+            <a:avLst/>
+          </a:prstGeom>
+          <a:ln w="15875">
+            <a:solidFill>
+              <a:schemeClr val="bg1">
+                <a:lumMod val="50000"/>
+                <a:lumOff val="50000"/>
+              </a:schemeClr>
+            </a:solidFill>
+            <a:headEnd w="lg" len="lg"/>
+            <a:tailEnd type="triangle" w="lg" len="lg"/>
+          </a:ln>
+        </p:spPr>
+        <p:style>
+          <a:lnRef idx="1">
+            <a:schemeClr val="accent1"/>
+          </a:lnRef>
+          <a:fillRef idx="0">
+            <a:schemeClr val="accent1"/>
+          </a:fillRef>
+          <a:effectRef idx="0">
+            <a:schemeClr val="accent1"/>
+          </a:effectRef>
+          <a:fontRef idx="minor">
+            <a:schemeClr val="tx1"/>
+          </a:fontRef>
+        </p:style>
+      </p:cxnSp>
+      <p:cxnSp>
+        <p:nvCxnSpPr>
+          <p:cNvPr id="20" name="Curved Connector 19">
+            <a:extLst>
+              <a:ext uri="{FF2B5EF4-FFF2-40B4-BE49-F238E27FC236}">
+                <a16:creationId xmlns:a16="http://schemas.microsoft.com/office/drawing/2014/main" id="{457E3962-76A8-D04B-B89E-7EF46E8426FE}"/>
+              </a:ext>
+            </a:extLst>
+          </p:cNvPr>
+          <p:cNvCxnSpPr>
+            <a:stCxn id="4" idx="0"/>
+            <a:endCxn id="6" idx="0"/>
+          </p:cNvCxnSpPr>
+          <p:nvPr/>
+        </p:nvCxnSpPr>
+        <p:spPr>
+          <a:xfrm rot="5400000" flipH="1" flipV="1">
+            <a:off x="4118548" y="-83696"/>
+            <a:ext cx="1" cy="4439587"/>
+          </a:xfrm>
+          <a:prstGeom prst="curvedConnector3">
+            <a:avLst>
+              <a:gd name="adj1" fmla="val 22860100000"/>
+            </a:avLst>
+          </a:prstGeom>
+          <a:ln w="15875">
+            <a:solidFill>
+              <a:schemeClr val="tx1">
+                <a:lumMod val="50000"/>
+              </a:schemeClr>
+            </a:solidFill>
+            <a:headEnd w="lg" len="lg"/>
+            <a:tailEnd type="triangle" w="lg" len="lg"/>
+          </a:ln>
+        </p:spPr>
+        <p:style>
+          <a:lnRef idx="1">
+            <a:schemeClr val="accent1"/>
+          </a:lnRef>
+          <a:fillRef idx="0">
+            <a:schemeClr val="accent1"/>
+          </a:fillRef>
+          <a:effectRef idx="0">
+            <a:schemeClr val="accent1"/>
+          </a:effectRef>
+          <a:fontRef idx="minor">
+            <a:schemeClr val="tx1"/>
+          </a:fontRef>
+        </p:style>
+      </p:cxnSp>
+      <p:sp>
+        <p:nvSpPr>
+          <p:cNvPr id="32" name="Oval 31">
+            <a:extLst>
+              <a:ext uri="{FF2B5EF4-FFF2-40B4-BE49-F238E27FC236}">
+                <a16:creationId xmlns:a16="http://schemas.microsoft.com/office/drawing/2014/main" id="{8F8D22E1-BD74-C344-9E92-256C4F7B2F1A}"/>
+              </a:ext>
+            </a:extLst>
+          </p:cNvPr>
+          <p:cNvSpPr/>
+          <p:nvPr/>
+        </p:nvSpPr>
+        <p:spPr>
+          <a:xfrm>
+            <a:off x="1561476" y="3408390"/>
+            <a:ext cx="674558" cy="652073"/>
+          </a:xfrm>
+          <a:prstGeom prst="ellipse">
+            <a:avLst/>
+          </a:prstGeom>
+          <a:solidFill>
+            <a:schemeClr val="accent6"/>
+          </a:solidFill>
+          <a:ln>
+            <a:solidFill>
+              <a:schemeClr val="tx1">
+                <a:lumMod val="50000"/>
+              </a:schemeClr>
+            </a:solidFill>
+          </a:ln>
+        </p:spPr>
+        <p:style>
+          <a:lnRef idx="2">
+            <a:schemeClr val="accent1">
+              <a:shade val="50000"/>
+            </a:schemeClr>
+          </a:lnRef>
+          <a:fillRef idx="1">
+            <a:schemeClr val="accent1"/>
+          </a:fillRef>
+          <a:effectRef idx="0">
+            <a:schemeClr val="accent1"/>
+          </a:effectRef>
+          <a:fontRef idx="minor">
+            <a:schemeClr val="lt1"/>
+          </a:fontRef>
+        </p:style>
+        <p:txBody>
+          <a:bodyPr rtlCol="0" anchor="ctr"/>
+          <a:lstStyle/>
+          <a:p>
+            <a:pPr algn="ctr"/>
+            <a:r>
+              <a:rPr lang="en-US" sz="1200" b="1" dirty="0"/>
+              <a:t>L</a:t>
+            </a:r>
+            <a:r>
+              <a:rPr lang="en-US" sz="1200" b="1" baseline="-25000" dirty="0"/>
+              <a:t>2</a:t>
+            </a:r>
+            <a:endParaRPr lang="en-US" sz="1200" b="1" dirty="0"/>
+          </a:p>
+        </p:txBody>
+      </p:sp>
+      <p:sp>
+        <p:nvSpPr>
+          <p:cNvPr id="33" name="Oval 32">
+            <a:extLst>
+              <a:ext uri="{FF2B5EF4-FFF2-40B4-BE49-F238E27FC236}">
+                <a16:creationId xmlns:a16="http://schemas.microsoft.com/office/drawing/2014/main" id="{692A2CF4-F284-6343-9DC2-2C2A6A2E9E34}"/>
+              </a:ext>
+            </a:extLst>
+          </p:cNvPr>
+          <p:cNvSpPr/>
+          <p:nvPr/>
+        </p:nvSpPr>
+        <p:spPr>
+          <a:xfrm>
+            <a:off x="3715063" y="3408390"/>
+            <a:ext cx="674558" cy="652073"/>
+          </a:xfrm>
+          <a:prstGeom prst="ellipse">
+            <a:avLst/>
+          </a:prstGeom>
+          <a:solidFill>
+            <a:schemeClr val="accent6"/>
+          </a:solidFill>
+          <a:ln>
+            <a:solidFill>
+              <a:schemeClr val="tx1">
+                <a:lumMod val="50000"/>
+              </a:schemeClr>
+            </a:solidFill>
+          </a:ln>
+        </p:spPr>
+        <p:style>
+          <a:lnRef idx="2">
+            <a:schemeClr val="accent1">
+              <a:shade val="50000"/>
+            </a:schemeClr>
+          </a:lnRef>
+          <a:fillRef idx="1">
+            <a:schemeClr val="accent1"/>
+          </a:fillRef>
+          <a:effectRef idx="0">
+            <a:schemeClr val="accent1"/>
+          </a:effectRef>
+          <a:fontRef idx="minor">
+            <a:schemeClr val="lt1"/>
+          </a:fontRef>
+        </p:style>
+        <p:txBody>
+          <a:bodyPr rtlCol="0" anchor="ctr"/>
+          <a:lstStyle/>
+          <a:p>
+            <a:pPr algn="ctr"/>
+            <a:r>
+              <a:rPr lang="en-US" sz="1400" b="1" dirty="0"/>
+              <a:t>A</a:t>
+            </a:r>
+            <a:r>
+              <a:rPr lang="en-US" sz="1400" b="1" baseline="-25000" dirty="0"/>
+              <a:t>2</a:t>
+            </a:r>
+            <a:endParaRPr lang="en-US" sz="1400" b="1" dirty="0"/>
+          </a:p>
+        </p:txBody>
+      </p:sp>
+      <p:sp>
+        <p:nvSpPr>
+          <p:cNvPr id="34" name="Oval 33">
+            <a:extLst>
+              <a:ext uri="{FF2B5EF4-FFF2-40B4-BE49-F238E27FC236}">
+                <a16:creationId xmlns:a16="http://schemas.microsoft.com/office/drawing/2014/main" id="{CBD2311A-19DA-8B43-AB9C-C4A9DDD0041F}"/>
+              </a:ext>
+            </a:extLst>
+          </p:cNvPr>
+          <p:cNvSpPr/>
+          <p:nvPr/>
+        </p:nvSpPr>
+        <p:spPr>
+          <a:xfrm>
+            <a:off x="6001063" y="3408389"/>
+            <a:ext cx="674558" cy="652073"/>
+          </a:xfrm>
+          <a:prstGeom prst="ellipse">
+            <a:avLst/>
+          </a:prstGeom>
+          <a:solidFill>
+            <a:schemeClr val="accent6"/>
+          </a:solidFill>
+          <a:ln>
+            <a:solidFill>
+              <a:schemeClr val="tx1">
+                <a:lumMod val="50000"/>
+              </a:schemeClr>
+            </a:solidFill>
+          </a:ln>
+        </p:spPr>
+        <p:style>
+          <a:lnRef idx="2">
+            <a:schemeClr val="accent1">
+              <a:shade val="50000"/>
+            </a:schemeClr>
+          </a:lnRef>
+          <a:fillRef idx="1">
+            <a:schemeClr val="accent1"/>
+          </a:fillRef>
+          <a:effectRef idx="0">
+            <a:schemeClr val="accent1"/>
+          </a:effectRef>
+          <a:fontRef idx="minor">
+            <a:schemeClr val="lt1"/>
+          </a:fontRef>
+        </p:style>
+        <p:txBody>
+          <a:bodyPr rtlCol="0" anchor="ctr"/>
+          <a:lstStyle/>
+          <a:p>
+            <a:pPr algn="ctr"/>
+            <a:r>
+              <a:rPr lang="en-US" sz="1400" b="1" dirty="0"/>
+              <a:t>Y</a:t>
+            </a:r>
+            <a:r>
+              <a:rPr lang="en-US" sz="1400" b="1" baseline="-25000" dirty="0"/>
+              <a:t>2</a:t>
+            </a:r>
+            <a:endParaRPr lang="en-US" sz="1400" b="1" dirty="0"/>
+          </a:p>
+        </p:txBody>
+      </p:sp>
+      <p:cxnSp>
+        <p:nvCxnSpPr>
+          <p:cNvPr id="35" name="Straight Arrow Connector 34">
+            <a:extLst>
+              <a:ext uri="{FF2B5EF4-FFF2-40B4-BE49-F238E27FC236}">
+                <a16:creationId xmlns:a16="http://schemas.microsoft.com/office/drawing/2014/main" id="{20545845-D76D-8F42-B14B-AC9BA54B5AB7}"/>
+              </a:ext>
+            </a:extLst>
+          </p:cNvPr>
+          <p:cNvCxnSpPr>
+            <a:stCxn id="32" idx="6"/>
+            <a:endCxn id="33" idx="2"/>
+          </p:cNvCxnSpPr>
+          <p:nvPr/>
+        </p:nvCxnSpPr>
+        <p:spPr>
+          <a:xfrm>
+            <a:off x="2236034" y="3734427"/>
+            <a:ext cx="1479029" cy="0"/>
+          </a:xfrm>
+          <a:prstGeom prst="straightConnector1">
+            <a:avLst/>
+          </a:prstGeom>
+          <a:ln w="15875">
+            <a:solidFill>
+              <a:schemeClr val="tx1">
+                <a:lumMod val="50000"/>
+              </a:schemeClr>
+            </a:solidFill>
+            <a:headEnd w="lg" len="lg"/>
+            <a:tailEnd type="triangle" w="lg" len="lg"/>
+          </a:ln>
+        </p:spPr>
+        <p:style>
+          <a:lnRef idx="1">
+            <a:schemeClr val="accent1"/>
+          </a:lnRef>
+          <a:fillRef idx="0">
+            <a:schemeClr val="accent1"/>
+          </a:fillRef>
+          <a:effectRef idx="0">
+            <a:schemeClr val="accent1"/>
+          </a:effectRef>
+          <a:fontRef idx="minor">
+            <a:schemeClr val="tx1"/>
+          </a:fontRef>
+        </p:style>
+      </p:cxnSp>
+      <p:cxnSp>
+        <p:nvCxnSpPr>
+          <p:cNvPr id="36" name="Straight Arrow Connector 35">
+            <a:extLst>
+              <a:ext uri="{FF2B5EF4-FFF2-40B4-BE49-F238E27FC236}">
+                <a16:creationId xmlns:a16="http://schemas.microsoft.com/office/drawing/2014/main" id="{9CE581BD-EC71-EC40-9835-2253B9E62C56}"/>
+              </a:ext>
+            </a:extLst>
+          </p:cNvPr>
+          <p:cNvCxnSpPr>
+            <a:stCxn id="33" idx="6"/>
+            <a:endCxn id="34" idx="2"/>
+          </p:cNvCxnSpPr>
+          <p:nvPr/>
+        </p:nvCxnSpPr>
+        <p:spPr>
+          <a:xfrm flipV="1">
+            <a:off x="4389621" y="3734426"/>
+            <a:ext cx="1611442" cy="1"/>
+          </a:xfrm>
+          <a:prstGeom prst="straightConnector1">
+            <a:avLst/>
+          </a:prstGeom>
+          <a:ln w="15875">
+            <a:solidFill>
+              <a:schemeClr val="bg1">
+                <a:lumMod val="50000"/>
+                <a:lumOff val="50000"/>
+              </a:schemeClr>
+            </a:solidFill>
+            <a:headEnd w="lg" len="lg"/>
+            <a:tailEnd type="triangle" w="lg" len="lg"/>
+          </a:ln>
+        </p:spPr>
+        <p:style>
+          <a:lnRef idx="1">
+            <a:schemeClr val="accent1"/>
+          </a:lnRef>
+          <a:fillRef idx="0">
+            <a:schemeClr val="accent1"/>
+          </a:fillRef>
+          <a:effectRef idx="0">
+            <a:schemeClr val="accent1"/>
+          </a:effectRef>
+          <a:fontRef idx="minor">
+            <a:schemeClr val="tx1"/>
+          </a:fontRef>
+        </p:style>
+      </p:cxnSp>
+      <p:cxnSp>
+        <p:nvCxnSpPr>
+          <p:cNvPr id="37" name="Curved Connector 36">
+            <a:extLst>
+              <a:ext uri="{FF2B5EF4-FFF2-40B4-BE49-F238E27FC236}">
+                <a16:creationId xmlns:a16="http://schemas.microsoft.com/office/drawing/2014/main" id="{E1514C85-444D-A348-A8DB-BFEB4A818D59}"/>
+              </a:ext>
+            </a:extLst>
+          </p:cNvPr>
+          <p:cNvCxnSpPr>
+            <a:stCxn id="32" idx="0"/>
+            <a:endCxn id="34" idx="0"/>
+          </p:cNvCxnSpPr>
+          <p:nvPr/>
+        </p:nvCxnSpPr>
+        <p:spPr>
+          <a:xfrm rot="5400000" flipH="1" flipV="1">
+            <a:off x="4118548" y="1188597"/>
+            <a:ext cx="1" cy="4439587"/>
+          </a:xfrm>
+          <a:prstGeom prst="curvedConnector3">
+            <a:avLst>
+              <a:gd name="adj1" fmla="val 22860100000"/>
+            </a:avLst>
+          </a:prstGeom>
+          <a:ln w="15875">
+            <a:solidFill>
+              <a:schemeClr val="tx1">
+                <a:lumMod val="50000"/>
+              </a:schemeClr>
+            </a:solidFill>
+            <a:headEnd w="lg" len="lg"/>
+            <a:tailEnd type="triangle" w="lg" len="lg"/>
+          </a:ln>
+        </p:spPr>
+        <p:style>
+          <a:lnRef idx="1">
+            <a:schemeClr val="accent1"/>
+          </a:lnRef>
+          <a:fillRef idx="0">
+            <a:schemeClr val="accent1"/>
+          </a:fillRef>
+          <a:effectRef idx="0">
+            <a:schemeClr val="accent1"/>
+          </a:effectRef>
+          <a:fontRef idx="minor">
+            <a:schemeClr val="tx1"/>
+          </a:fontRef>
+        </p:style>
+      </p:cxnSp>
+      <p:sp>
+        <p:nvSpPr>
+          <p:cNvPr id="38" name="Oval 37">
+            <a:extLst>
+              <a:ext uri="{FF2B5EF4-FFF2-40B4-BE49-F238E27FC236}">
+                <a16:creationId xmlns:a16="http://schemas.microsoft.com/office/drawing/2014/main" id="{40ABAE23-8723-044D-88B9-2D5A901D8CE2}"/>
+              </a:ext>
+            </a:extLst>
+          </p:cNvPr>
+          <p:cNvSpPr/>
+          <p:nvPr/>
+        </p:nvSpPr>
+        <p:spPr>
+          <a:xfrm>
+            <a:off x="1561476" y="4680683"/>
+            <a:ext cx="674558" cy="652073"/>
+          </a:xfrm>
+          <a:prstGeom prst="ellipse">
+            <a:avLst/>
+          </a:prstGeom>
+          <a:solidFill>
+            <a:srgbClr val="7030A0"/>
+          </a:solidFill>
+          <a:ln>
+            <a:solidFill>
+              <a:schemeClr val="tx1">
+                <a:lumMod val="50000"/>
+              </a:schemeClr>
+            </a:solidFill>
+          </a:ln>
+        </p:spPr>
+        <p:style>
+          <a:lnRef idx="2">
+            <a:schemeClr val="accent1">
+              <a:shade val="50000"/>
+            </a:schemeClr>
+          </a:lnRef>
+          <a:fillRef idx="1">
+            <a:schemeClr val="accent1"/>
+          </a:fillRef>
+          <a:effectRef idx="0">
+            <a:schemeClr val="accent1"/>
+          </a:effectRef>
+          <a:fontRef idx="minor">
+            <a:schemeClr val="lt1"/>
+          </a:fontRef>
+        </p:style>
+        <p:txBody>
+          <a:bodyPr rtlCol="0" anchor="ctr"/>
+          <a:lstStyle/>
+          <a:p>
+            <a:pPr algn="ctr"/>
+            <a:r>
+              <a:rPr lang="en-US" sz="1200" b="1" dirty="0"/>
+              <a:t>L</a:t>
+            </a:r>
+            <a:r>
+              <a:rPr lang="en-US" sz="1200" b="1" baseline="-25000" dirty="0"/>
+              <a:t>3</a:t>
+            </a:r>
+            <a:endParaRPr lang="en-US" sz="1200" b="1" dirty="0"/>
+          </a:p>
+        </p:txBody>
+      </p:sp>
+      <p:sp>
+        <p:nvSpPr>
+          <p:cNvPr id="39" name="Oval 38">
+            <a:extLst>
+              <a:ext uri="{FF2B5EF4-FFF2-40B4-BE49-F238E27FC236}">
+                <a16:creationId xmlns:a16="http://schemas.microsoft.com/office/drawing/2014/main" id="{FBE9C7E1-CC14-B545-800F-842DB0873F57}"/>
+              </a:ext>
+            </a:extLst>
+          </p:cNvPr>
+          <p:cNvSpPr/>
+          <p:nvPr/>
+        </p:nvSpPr>
+        <p:spPr>
+          <a:xfrm>
+            <a:off x="3715063" y="4680683"/>
+            <a:ext cx="674558" cy="652073"/>
+          </a:xfrm>
+          <a:prstGeom prst="ellipse">
+            <a:avLst/>
+          </a:prstGeom>
+          <a:solidFill>
+            <a:srgbClr val="7030A0"/>
+          </a:solidFill>
+          <a:ln>
+            <a:solidFill>
+              <a:schemeClr val="tx1">
+                <a:lumMod val="50000"/>
+              </a:schemeClr>
+            </a:solidFill>
+          </a:ln>
+        </p:spPr>
+        <p:style>
+          <a:lnRef idx="2">
+            <a:schemeClr val="accent1">
+              <a:shade val="50000"/>
+            </a:schemeClr>
+          </a:lnRef>
+          <a:fillRef idx="1">
+            <a:schemeClr val="accent1"/>
+          </a:fillRef>
+          <a:effectRef idx="0">
+            <a:schemeClr val="accent1"/>
+          </a:effectRef>
+          <a:fontRef idx="minor">
+            <a:schemeClr val="lt1"/>
+          </a:fontRef>
+        </p:style>
+        <p:txBody>
+          <a:bodyPr rtlCol="0" anchor="ctr"/>
+          <a:lstStyle/>
+          <a:p>
+            <a:pPr algn="ctr"/>
+            <a:r>
+              <a:rPr lang="en-US" sz="1400" b="1" dirty="0"/>
+              <a:t>A</a:t>
+            </a:r>
+            <a:r>
+              <a:rPr lang="en-US" sz="1400" b="1" baseline="-25000" dirty="0"/>
+              <a:t>3</a:t>
+            </a:r>
+            <a:endParaRPr lang="en-US" sz="1400" b="1" dirty="0"/>
+          </a:p>
+        </p:txBody>
+      </p:sp>
+      <p:sp>
+        <p:nvSpPr>
+          <p:cNvPr id="40" name="Oval 39">
+            <a:extLst>
+              <a:ext uri="{FF2B5EF4-FFF2-40B4-BE49-F238E27FC236}">
+                <a16:creationId xmlns:a16="http://schemas.microsoft.com/office/drawing/2014/main" id="{54BFFD8C-8A2D-314F-B299-4ACABB352370}"/>
+              </a:ext>
+            </a:extLst>
+          </p:cNvPr>
+          <p:cNvSpPr/>
+          <p:nvPr/>
+        </p:nvSpPr>
+        <p:spPr>
+          <a:xfrm>
+            <a:off x="6001063" y="4680682"/>
+            <a:ext cx="674558" cy="652073"/>
+          </a:xfrm>
+          <a:prstGeom prst="ellipse">
+            <a:avLst/>
+          </a:prstGeom>
+          <a:solidFill>
+            <a:srgbClr val="7030A0"/>
+          </a:solidFill>
+          <a:ln>
+            <a:solidFill>
+              <a:schemeClr val="tx1">
+                <a:lumMod val="50000"/>
+              </a:schemeClr>
+            </a:solidFill>
+          </a:ln>
+        </p:spPr>
+        <p:style>
+          <a:lnRef idx="2">
+            <a:schemeClr val="accent1">
+              <a:shade val="50000"/>
+            </a:schemeClr>
+          </a:lnRef>
+          <a:fillRef idx="1">
+            <a:schemeClr val="accent1"/>
+          </a:fillRef>
+          <a:effectRef idx="0">
+            <a:schemeClr val="accent1"/>
+          </a:effectRef>
+          <a:fontRef idx="minor">
+            <a:schemeClr val="lt1"/>
+          </a:fontRef>
+        </p:style>
+        <p:txBody>
+          <a:bodyPr rtlCol="0" anchor="ctr"/>
+          <a:lstStyle/>
+          <a:p>
+            <a:pPr algn="ctr"/>
+            <a:r>
+              <a:rPr lang="en-US" sz="1400" b="1" dirty="0"/>
+              <a:t>Y</a:t>
+            </a:r>
+            <a:r>
+              <a:rPr lang="en-US" sz="1400" b="1" baseline="-25000" dirty="0"/>
+              <a:t>3</a:t>
+            </a:r>
+            <a:endParaRPr lang="en-US" sz="1400" b="1" dirty="0"/>
+          </a:p>
+        </p:txBody>
+      </p:sp>
+      <p:cxnSp>
+        <p:nvCxnSpPr>
+          <p:cNvPr id="41" name="Straight Arrow Connector 40">
+            <a:extLst>
+              <a:ext uri="{FF2B5EF4-FFF2-40B4-BE49-F238E27FC236}">
+                <a16:creationId xmlns:a16="http://schemas.microsoft.com/office/drawing/2014/main" id="{A2AAAE37-97FC-A240-8054-B71462A8E1BF}"/>
+              </a:ext>
+            </a:extLst>
+          </p:cNvPr>
+          <p:cNvCxnSpPr>
+            <a:stCxn id="38" idx="6"/>
+            <a:endCxn id="39" idx="2"/>
+          </p:cNvCxnSpPr>
+          <p:nvPr/>
+        </p:nvCxnSpPr>
+        <p:spPr>
+          <a:xfrm>
+            <a:off x="2236034" y="5006720"/>
+            <a:ext cx="1479029" cy="0"/>
+          </a:xfrm>
+          <a:prstGeom prst="straightConnector1">
+            <a:avLst/>
+          </a:prstGeom>
+          <a:ln w="15875">
+            <a:solidFill>
+              <a:schemeClr val="tx1">
+                <a:lumMod val="50000"/>
+              </a:schemeClr>
+            </a:solidFill>
+            <a:headEnd w="lg" len="lg"/>
+            <a:tailEnd type="triangle" w="lg" len="lg"/>
+          </a:ln>
+        </p:spPr>
+        <p:style>
+          <a:lnRef idx="1">
+            <a:schemeClr val="accent1"/>
+          </a:lnRef>
+          <a:fillRef idx="0">
+            <a:schemeClr val="accent1"/>
+          </a:fillRef>
+          <a:effectRef idx="0">
+            <a:schemeClr val="accent1"/>
+          </a:effectRef>
+          <a:fontRef idx="minor">
+            <a:schemeClr val="tx1"/>
+          </a:fontRef>
+        </p:style>
+      </p:cxnSp>
+      <p:cxnSp>
+        <p:nvCxnSpPr>
+          <p:cNvPr id="42" name="Straight Arrow Connector 41">
+            <a:extLst>
+              <a:ext uri="{FF2B5EF4-FFF2-40B4-BE49-F238E27FC236}">
+                <a16:creationId xmlns:a16="http://schemas.microsoft.com/office/drawing/2014/main" id="{D34A845B-94B6-4645-B203-8017C9700A9E}"/>
+              </a:ext>
+            </a:extLst>
+          </p:cNvPr>
+          <p:cNvCxnSpPr>
+            <a:stCxn id="39" idx="6"/>
+            <a:endCxn id="40" idx="2"/>
+          </p:cNvCxnSpPr>
+          <p:nvPr/>
+        </p:nvCxnSpPr>
+        <p:spPr>
+          <a:xfrm flipV="1">
+            <a:off x="4389621" y="5006719"/>
+            <a:ext cx="1611442" cy="1"/>
+          </a:xfrm>
+          <a:prstGeom prst="straightConnector1">
+            <a:avLst/>
+          </a:prstGeom>
+          <a:ln w="15875">
+            <a:solidFill>
+              <a:schemeClr val="bg1">
+                <a:lumMod val="50000"/>
+                <a:lumOff val="50000"/>
+              </a:schemeClr>
+            </a:solidFill>
+            <a:headEnd w="lg" len="lg"/>
+            <a:tailEnd type="triangle" w="lg" len="lg"/>
+          </a:ln>
+        </p:spPr>
+        <p:style>
+          <a:lnRef idx="1">
+            <a:schemeClr val="accent1"/>
+          </a:lnRef>
+          <a:fillRef idx="0">
+            <a:schemeClr val="accent1"/>
+          </a:fillRef>
+          <a:effectRef idx="0">
+            <a:schemeClr val="accent1"/>
+          </a:effectRef>
+          <a:fontRef idx="minor">
+            <a:schemeClr val="tx1"/>
+          </a:fontRef>
+        </p:style>
+      </p:cxnSp>
+      <p:cxnSp>
+        <p:nvCxnSpPr>
+          <p:cNvPr id="43" name="Curved Connector 42">
+            <a:extLst>
+              <a:ext uri="{FF2B5EF4-FFF2-40B4-BE49-F238E27FC236}">
+                <a16:creationId xmlns:a16="http://schemas.microsoft.com/office/drawing/2014/main" id="{4AED7402-62EE-AC40-872A-66B3B9384F68}"/>
+              </a:ext>
+            </a:extLst>
+          </p:cNvPr>
+          <p:cNvCxnSpPr>
+            <a:stCxn id="38" idx="0"/>
+            <a:endCxn id="40" idx="0"/>
+          </p:cNvCxnSpPr>
+          <p:nvPr/>
+        </p:nvCxnSpPr>
+        <p:spPr>
+          <a:xfrm rot="5400000" flipH="1" flipV="1">
+            <a:off x="4118548" y="2460890"/>
+            <a:ext cx="1" cy="4439587"/>
+          </a:xfrm>
+          <a:prstGeom prst="curvedConnector3">
+            <a:avLst>
+              <a:gd name="adj1" fmla="val 22860100000"/>
+            </a:avLst>
+          </a:prstGeom>
+          <a:ln w="15875">
+            <a:solidFill>
+              <a:schemeClr val="tx1">
+                <a:lumMod val="50000"/>
+              </a:schemeClr>
+            </a:solidFill>
+            <a:headEnd w="lg" len="lg"/>
+            <a:tailEnd type="triangle" w="lg" len="lg"/>
+          </a:ln>
+        </p:spPr>
+        <p:style>
+          <a:lnRef idx="1">
+            <a:schemeClr val="accent1"/>
+          </a:lnRef>
+          <a:fillRef idx="0">
+            <a:schemeClr val="accent1"/>
+          </a:fillRef>
+          <a:effectRef idx="0">
+            <a:schemeClr val="accent1"/>
+          </a:effectRef>
+          <a:fontRef idx="minor">
+            <a:schemeClr val="tx1"/>
+          </a:fontRef>
+        </p:style>
+      </p:cxnSp>
+      <p:pic>
+        <p:nvPicPr>
+          <p:cNvPr id="48" name="Graphic 47" descr="Man">
+            <a:extLst>
+              <a:ext uri="{FF2B5EF4-FFF2-40B4-BE49-F238E27FC236}">
+                <a16:creationId xmlns:a16="http://schemas.microsoft.com/office/drawing/2014/main" id="{E9B4AD2A-E4F0-DF4D-9BB5-2021570CEE35}"/>
+              </a:ext>
+            </a:extLst>
+          </p:cNvPr>
+          <p:cNvPicPr>
+            <a:picLocks noChangeAspect="1"/>
+          </p:cNvPicPr>
+          <p:nvPr/>
+        </p:nvPicPr>
+        <p:blipFill>
+          <a:blip r:embed="rId3">
+            <a:extLst>
+              <a:ext uri="{96DAC541-7B7A-43D3-8B79-37D633B846F1}">
+                <asvg:svgBlip xmlns:asvg="http://schemas.microsoft.com/office/drawing/2016/SVG/main" r:embed="rId4"/>
+              </a:ext>
+            </a:extLst>
+          </a:blip>
+          <a:stretch>
+            <a:fillRect/>
+          </a:stretch>
+        </p:blipFill>
+        <p:spPr>
+          <a:xfrm>
+            <a:off x="9145038" y="2026756"/>
+            <a:ext cx="914400" cy="914400"/>
+          </a:xfrm>
+          <a:prstGeom prst="rect">
+            <a:avLst/>
+          </a:prstGeom>
+        </p:spPr>
+      </p:pic>
+      <p:pic>
+        <p:nvPicPr>
+          <p:cNvPr id="49" name="Graphic 48" descr="Woman with cane">
+            <a:extLst>
+              <a:ext uri="{FF2B5EF4-FFF2-40B4-BE49-F238E27FC236}">
+                <a16:creationId xmlns:a16="http://schemas.microsoft.com/office/drawing/2014/main" id="{624A5400-0C83-4C4A-ABA7-DEFB9E90AFDD}"/>
+              </a:ext>
+            </a:extLst>
+          </p:cNvPr>
+          <p:cNvPicPr>
+            <a:picLocks noChangeAspect="1"/>
+          </p:cNvPicPr>
+          <p:nvPr/>
+        </p:nvPicPr>
+        <p:blipFill>
+          <a:blip r:embed="rId5">
+            <a:extLst>
+              <a:ext uri="{96DAC541-7B7A-43D3-8B79-37D633B846F1}">
+                <asvg:svgBlip xmlns:asvg="http://schemas.microsoft.com/office/drawing/2016/SVG/main" r:embed="rId6"/>
+              </a:ext>
+            </a:extLst>
+          </a:blip>
+          <a:stretch>
+            <a:fillRect/>
+          </a:stretch>
+        </p:blipFill>
+        <p:spPr>
+          <a:xfrm>
+            <a:off x="10440650" y="3150888"/>
+            <a:ext cx="914400" cy="914400"/>
+          </a:xfrm>
+          <a:prstGeom prst="rect">
+            <a:avLst/>
+          </a:prstGeom>
+        </p:spPr>
+      </p:pic>
+      <p:pic>
+        <p:nvPicPr>
+          <p:cNvPr id="50" name="Graphic 49" descr="Pregnant lady">
+            <a:extLst>
+              <a:ext uri="{FF2B5EF4-FFF2-40B4-BE49-F238E27FC236}">
+                <a16:creationId xmlns:a16="http://schemas.microsoft.com/office/drawing/2014/main" id="{61BF750A-75E2-E142-8C98-BACF84E31ADB}"/>
+              </a:ext>
+            </a:extLst>
+          </p:cNvPr>
+          <p:cNvPicPr>
+            <a:picLocks noChangeAspect="1"/>
+          </p:cNvPicPr>
+          <p:nvPr/>
+        </p:nvPicPr>
+        <p:blipFill>
+          <a:blip r:embed="rId7">
+            <a:extLst>
+              <a:ext uri="{96DAC541-7B7A-43D3-8B79-37D633B846F1}">
+                <asvg:svgBlip xmlns:asvg="http://schemas.microsoft.com/office/drawing/2016/SVG/main" r:embed="rId8"/>
+              </a:ext>
+            </a:extLst>
+          </a:blip>
+          <a:stretch>
+            <a:fillRect/>
+          </a:stretch>
+        </p:blipFill>
+        <p:spPr>
+          <a:xfrm>
+            <a:off x="9145038" y="4549517"/>
+            <a:ext cx="914400" cy="914400"/>
+          </a:xfrm>
+          <a:prstGeom prst="rect">
+            <a:avLst/>
+          </a:prstGeom>
+        </p:spPr>
+      </p:pic>
+      <p:cxnSp>
+        <p:nvCxnSpPr>
+          <p:cNvPr id="3" name="Straight Connector 2">
+            <a:extLst>
+              <a:ext uri="{FF2B5EF4-FFF2-40B4-BE49-F238E27FC236}">
+                <a16:creationId xmlns:a16="http://schemas.microsoft.com/office/drawing/2014/main" id="{5BD1A42D-ECD7-8B40-BA3A-EE856D190074}"/>
+              </a:ext>
+            </a:extLst>
+          </p:cNvPr>
+          <p:cNvCxnSpPr/>
+          <p:nvPr/>
+        </p:nvCxnSpPr>
+        <p:spPr>
+          <a:xfrm>
+            <a:off x="9986400" y="2714400"/>
+            <a:ext cx="561600" cy="576000"/>
+          </a:xfrm>
+          <a:prstGeom prst="line">
+            <a:avLst/>
+          </a:prstGeom>
+          <a:ln w="25400">
+            <a:solidFill>
+              <a:schemeClr val="bg1">
+                <a:lumMod val="50000"/>
+                <a:lumOff val="50000"/>
+              </a:schemeClr>
+            </a:solidFill>
+          </a:ln>
+        </p:spPr>
+        <p:style>
+          <a:lnRef idx="1">
+            <a:schemeClr val="accent1"/>
+          </a:lnRef>
+          <a:fillRef idx="0">
+            <a:schemeClr val="accent1"/>
+          </a:fillRef>
+          <a:effectRef idx="0">
+            <a:schemeClr val="accent1"/>
+          </a:effectRef>
+          <a:fontRef idx="minor">
+            <a:schemeClr val="tx1"/>
+          </a:fontRef>
+        </p:style>
+      </p:cxnSp>
+      <p:cxnSp>
+        <p:nvCxnSpPr>
+          <p:cNvPr id="25" name="Straight Connector 24">
+            <a:extLst>
+              <a:ext uri="{FF2B5EF4-FFF2-40B4-BE49-F238E27FC236}">
+                <a16:creationId xmlns:a16="http://schemas.microsoft.com/office/drawing/2014/main" id="{E9AF3E58-2C25-B94E-922F-75C4EDA7B072}"/>
+              </a:ext>
+            </a:extLst>
+          </p:cNvPr>
+          <p:cNvCxnSpPr>
+            <a:cxnSpLocks/>
+          </p:cNvCxnSpPr>
+          <p:nvPr/>
+        </p:nvCxnSpPr>
+        <p:spPr>
+          <a:xfrm flipH="1">
+            <a:off x="9986400" y="4213776"/>
+            <a:ext cx="750625" cy="667824"/>
+          </a:xfrm>
+          <a:prstGeom prst="line">
+            <a:avLst/>
+          </a:prstGeom>
+          <a:ln w="25400">
+            <a:solidFill>
+              <a:schemeClr val="bg1">
+                <a:lumMod val="50000"/>
+                <a:lumOff val="50000"/>
+              </a:schemeClr>
+            </a:solidFill>
+          </a:ln>
+        </p:spPr>
+        <p:style>
+          <a:lnRef idx="1">
+            <a:schemeClr val="accent1"/>
+          </a:lnRef>
+          <a:fillRef idx="0">
+            <a:schemeClr val="accent1"/>
+          </a:fillRef>
+          <a:effectRef idx="0">
+            <a:schemeClr val="accent1"/>
+          </a:effectRef>
+          <a:fontRef idx="minor">
+            <a:schemeClr val="tx1"/>
+          </a:fontRef>
+        </p:style>
+      </p:cxnSp>
+      <p:sp>
+        <p:nvSpPr>
+          <p:cNvPr id="26" name="Rectangle 25">
+            <a:extLst>
+              <a:ext uri="{FF2B5EF4-FFF2-40B4-BE49-F238E27FC236}">
+                <a16:creationId xmlns:a16="http://schemas.microsoft.com/office/drawing/2014/main" id="{558DDC80-91E0-3D41-A5AE-522DBB0A838C}"/>
+              </a:ext>
+            </a:extLst>
+          </p:cNvPr>
+          <p:cNvSpPr/>
+          <p:nvPr/>
+        </p:nvSpPr>
+        <p:spPr>
+          <a:xfrm>
+            <a:off x="89473" y="6473309"/>
+            <a:ext cx="1976823" cy="261610"/>
+          </a:xfrm>
+          <a:prstGeom prst="rect">
+            <a:avLst/>
+          </a:prstGeom>
+        </p:spPr>
+        <p:txBody>
+          <a:bodyPr wrap="none">
+            <a:spAutoFit/>
+          </a:bodyPr>
+          <a:lstStyle/>
+          <a:p>
+            <a:r>
+              <a:rPr lang="en-US" sz="1100" dirty="0">
                 <a:solidFill>
-                  <a:schemeClr val="tx1">
-                    <a:lumMod val="50000"/>
+                  <a:schemeClr val="bg1">
+                    <a:lumMod val="65000"/>
+                    <a:lumOff val="35000"/>
                   </a:schemeClr>
                 </a:solidFill>
               </a:rPr>
-              <a:t>Network Causal Inference</a:t>
+              <a:t>Keletso Makofane, March 2021</a:t>
             </a:r>
           </a:p>
         </p:txBody>
@@ -39203,7 +39676,7 @@
     </p:spTree>
     <p:extLst>
       <p:ext uri="{BB962C8B-B14F-4D97-AF65-F5344CB8AC3E}">
-        <p14:creationId xmlns:p14="http://schemas.microsoft.com/office/powerpoint/2010/main" val="178185623"/>
+        <p14:creationId xmlns:p14="http://schemas.microsoft.com/office/powerpoint/2010/main" val="1500246229"/>
       </p:ext>
     </p:extLst>
   </p:cSld>
